--- a/Instructions.pptx
+++ b/Instructions.pptx
@@ -1176,7 +1176,7 @@
             </a:ln>
             <a:extLst>
               <a:ext uri="{91240B29-F687-4f45-9708-019B960494DF}">
-                <a14:hiddenLine xmlns:a14="http://schemas.microsoft.com/office/drawing/2010/main" xmlns="" w="9525">
+                <a14:hiddenLine xmlns="" xmlns:a14="http://schemas.microsoft.com/office/drawing/2010/main" w="9525">
                   <a:solidFill>
                     <a:srgbClr val="000000"/>
                   </a:solidFill>
@@ -1348,7 +1348,7 @@
             </a:ln>
             <a:extLst>
               <a:ext uri="{91240B29-F687-4f45-9708-019B960494DF}">
-                <a14:hiddenLine xmlns:a14="http://schemas.microsoft.com/office/drawing/2010/main" xmlns="" w="9525">
+                <a14:hiddenLine xmlns="" xmlns:a14="http://schemas.microsoft.com/office/drawing/2010/main" w="9525">
                   <a:solidFill>
                     <a:srgbClr val="000000"/>
                   </a:solidFill>
@@ -1568,7 +1568,7 @@
             </a:ln>
             <a:extLst>
               <a:ext uri="{91240B29-F687-4f45-9708-019B960494DF}">
-                <a14:hiddenLine xmlns:a14="http://schemas.microsoft.com/office/drawing/2010/main" xmlns="" w="9525">
+                <a14:hiddenLine xmlns="" xmlns:a14="http://schemas.microsoft.com/office/drawing/2010/main" w="9525">
                   <a:solidFill>
                     <a:srgbClr val="000000"/>
                   </a:solidFill>
@@ -1879,7 +1879,7 @@
             </a:ln>
             <a:extLst>
               <a:ext uri="{91240B29-F687-4f45-9708-019B960494DF}">
-                <a14:hiddenLine xmlns:a14="http://schemas.microsoft.com/office/drawing/2010/main" xmlns="" w="9525">
+                <a14:hiddenLine xmlns="" xmlns:a14="http://schemas.microsoft.com/office/drawing/2010/main" w="9525">
                   <a:solidFill>
                     <a:srgbClr val="000000"/>
                   </a:solidFill>
@@ -2261,7 +2261,7 @@
             </a:ln>
             <a:extLst>
               <a:ext uri="{91240B29-F687-4f45-9708-019B960494DF}">
-                <a14:hiddenLine xmlns:a14="http://schemas.microsoft.com/office/drawing/2010/main" xmlns="" w="9525">
+                <a14:hiddenLine xmlns="" xmlns:a14="http://schemas.microsoft.com/office/drawing/2010/main" w="9525">
                   <a:solidFill>
                     <a:srgbClr val="000000"/>
                   </a:solidFill>
@@ -2452,7 +2452,7 @@
             </a:ln>
             <a:extLst>
               <a:ext uri="{91240B29-F687-4f45-9708-019B960494DF}">
-                <a14:hiddenLine xmlns:a14="http://schemas.microsoft.com/office/drawing/2010/main" xmlns="" w="9525">
+                <a14:hiddenLine xmlns="" xmlns:a14="http://schemas.microsoft.com/office/drawing/2010/main" w="9525">
                   <a:solidFill>
                     <a:srgbClr val="000000"/>
                   </a:solidFill>
@@ -2741,7 +2741,7 @@
             </a:ln>
             <a:extLst>
               <a:ext uri="{91240B29-F687-4f45-9708-019B960494DF}">
-                <a14:hiddenLine xmlns:a14="http://schemas.microsoft.com/office/drawing/2010/main" xmlns="" w="9525">
+                <a14:hiddenLine xmlns="" xmlns:a14="http://schemas.microsoft.com/office/drawing/2010/main" w="9525">
                   <a:solidFill>
                     <a:srgbClr val="000000"/>
                   </a:solidFill>
@@ -3445,7 +3445,7 @@
             </a:ln>
             <a:extLst>
               <a:ext uri="{91240B29-F687-4f45-9708-019B960494DF}">
-                <a14:hiddenLine xmlns:a14="http://schemas.microsoft.com/office/drawing/2010/main" xmlns="" w="9525">
+                <a14:hiddenLine xmlns="" xmlns:a14="http://schemas.microsoft.com/office/drawing/2010/main" w="9525">
                   <a:solidFill>
                     <a:srgbClr val="000000"/>
                   </a:solidFill>
@@ -3619,7 +3619,7 @@
             </a:ln>
             <a:extLst>
               <a:ext uri="{91240B29-F687-4f45-9708-019B960494DF}">
-                <a14:hiddenLine xmlns:a14="http://schemas.microsoft.com/office/drawing/2010/main" xmlns="" w="9525">
+                <a14:hiddenLine xmlns="" xmlns:a14="http://schemas.microsoft.com/office/drawing/2010/main" w="9525">
                   <a:solidFill>
                     <a:srgbClr val="000000"/>
                   </a:solidFill>
@@ -3841,7 +3841,7 @@
             </a:ln>
             <a:extLst>
               <a:ext uri="{91240B29-F687-4f45-9708-019B960494DF}">
-                <a14:hiddenLine xmlns:a14="http://schemas.microsoft.com/office/drawing/2010/main" xmlns="" w="9525">
+                <a14:hiddenLine xmlns="" xmlns:a14="http://schemas.microsoft.com/office/drawing/2010/main" w="9525">
                   <a:solidFill>
                     <a:srgbClr val="000000"/>
                   </a:solidFill>
@@ -4154,7 +4154,7 @@
             </a:ln>
             <a:extLst>
               <a:ext uri="{91240B29-F687-4f45-9708-019B960494DF}">
-                <a14:hiddenLine xmlns:a14="http://schemas.microsoft.com/office/drawing/2010/main" xmlns="" w="9525">
+                <a14:hiddenLine xmlns="" xmlns:a14="http://schemas.microsoft.com/office/drawing/2010/main" w="9525">
                   <a:solidFill>
                     <a:srgbClr val="000000"/>
                   </a:solidFill>
@@ -4538,7 +4538,7 @@
             </a:ln>
             <a:extLst>
               <a:ext uri="{91240B29-F687-4f45-9708-019B960494DF}">
-                <a14:hiddenLine xmlns:a14="http://schemas.microsoft.com/office/drawing/2010/main" xmlns="" w="9525">
+                <a14:hiddenLine xmlns="" xmlns:a14="http://schemas.microsoft.com/office/drawing/2010/main" w="9525">
                   <a:solidFill>
                     <a:srgbClr val="000000"/>
                   </a:solidFill>
@@ -4731,7 +4731,7 @@
             </a:ln>
             <a:extLst>
               <a:ext uri="{91240B29-F687-4f45-9708-019B960494DF}">
-                <a14:hiddenLine xmlns:a14="http://schemas.microsoft.com/office/drawing/2010/main" xmlns="" w="9525">
+                <a14:hiddenLine xmlns="" xmlns:a14="http://schemas.microsoft.com/office/drawing/2010/main" w="9525">
                   <a:solidFill>
                     <a:srgbClr val="000000"/>
                   </a:solidFill>
@@ -5022,7 +5022,7 @@
             </a:ln>
             <a:extLst>
               <a:ext uri="{91240B29-F687-4f45-9708-019B960494DF}">
-                <a14:hiddenLine xmlns:a14="http://schemas.microsoft.com/office/drawing/2010/main" xmlns="" w="9525">
+                <a14:hiddenLine xmlns="" xmlns:a14="http://schemas.microsoft.com/office/drawing/2010/main" w="9525">
                   <a:solidFill>
                     <a:srgbClr val="000000"/>
                   </a:solidFill>
@@ -8965,7 +8965,7 @@
             </a:ln>
             <a:extLst>
               <a:ext uri="{91240B29-F687-4f45-9708-019B960494DF}">
-                <a14:hiddenLine xmlns:a14="http://schemas.microsoft.com/office/drawing/2010/main" xmlns="" w="9525">
+                <a14:hiddenLine xmlns="" xmlns:a14="http://schemas.microsoft.com/office/drawing/2010/main" w="9525">
                   <a:solidFill>
                     <a:srgbClr val="000000"/>
                   </a:solidFill>
@@ -9137,7 +9137,7 @@
             </a:ln>
             <a:extLst>
               <a:ext uri="{91240B29-F687-4f45-9708-019B960494DF}">
-                <a14:hiddenLine xmlns:a14="http://schemas.microsoft.com/office/drawing/2010/main" xmlns="" w="9525">
+                <a14:hiddenLine xmlns="" xmlns:a14="http://schemas.microsoft.com/office/drawing/2010/main" w="9525">
                   <a:solidFill>
                     <a:srgbClr val="000000"/>
                   </a:solidFill>
@@ -9357,7 +9357,7 @@
             </a:ln>
             <a:extLst>
               <a:ext uri="{91240B29-F687-4f45-9708-019B960494DF}">
-                <a14:hiddenLine xmlns:a14="http://schemas.microsoft.com/office/drawing/2010/main" xmlns="" w="9525">
+                <a14:hiddenLine xmlns="" xmlns:a14="http://schemas.microsoft.com/office/drawing/2010/main" w="9525">
                   <a:solidFill>
                     <a:srgbClr val="000000"/>
                   </a:solidFill>
@@ -9668,7 +9668,7 @@
             </a:ln>
             <a:extLst>
               <a:ext uri="{91240B29-F687-4f45-9708-019B960494DF}">
-                <a14:hiddenLine xmlns:a14="http://schemas.microsoft.com/office/drawing/2010/main" xmlns="" w="9525">
+                <a14:hiddenLine xmlns="" xmlns:a14="http://schemas.microsoft.com/office/drawing/2010/main" w="9525">
                   <a:solidFill>
                     <a:srgbClr val="000000"/>
                   </a:solidFill>
@@ -10050,7 +10050,7 @@
             </a:ln>
             <a:extLst>
               <a:ext uri="{91240B29-F687-4f45-9708-019B960494DF}">
-                <a14:hiddenLine xmlns:a14="http://schemas.microsoft.com/office/drawing/2010/main" xmlns="" w="9525">
+                <a14:hiddenLine xmlns="" xmlns:a14="http://schemas.microsoft.com/office/drawing/2010/main" w="9525">
                   <a:solidFill>
                     <a:srgbClr val="000000"/>
                   </a:solidFill>
@@ -10241,7 +10241,7 @@
             </a:ln>
             <a:extLst>
               <a:ext uri="{91240B29-F687-4f45-9708-019B960494DF}">
-                <a14:hiddenLine xmlns:a14="http://schemas.microsoft.com/office/drawing/2010/main" xmlns="" w="9525">
+                <a14:hiddenLine xmlns="" xmlns:a14="http://schemas.microsoft.com/office/drawing/2010/main" w="9525">
                   <a:solidFill>
                     <a:srgbClr val="000000"/>
                   </a:solidFill>
@@ -10530,7 +10530,7 @@
             </a:ln>
             <a:extLst>
               <a:ext uri="{91240B29-F687-4f45-9708-019B960494DF}">
-                <a14:hiddenLine xmlns:a14="http://schemas.microsoft.com/office/drawing/2010/main" xmlns="" w="9525">
+                <a14:hiddenLine xmlns="" xmlns:a14="http://schemas.microsoft.com/office/drawing/2010/main" w="9525">
                   <a:solidFill>
                     <a:srgbClr val="000000"/>
                   </a:solidFill>
@@ -11150,7 +11150,7 @@
             </a:ln>
             <a:extLst>
               <a:ext uri="{91240B29-F687-4f45-9708-019B960494DF}">
-                <a14:hiddenLine xmlns:a14="http://schemas.microsoft.com/office/drawing/2010/main" xmlns="" w="9525">
+                <a14:hiddenLine xmlns="" xmlns:a14="http://schemas.microsoft.com/office/drawing/2010/main" w="9525">
                   <a:solidFill>
                     <a:srgbClr val="000000"/>
                   </a:solidFill>
@@ -11324,7 +11324,7 @@
             </a:ln>
             <a:extLst>
               <a:ext uri="{91240B29-F687-4f45-9708-019B960494DF}">
-                <a14:hiddenLine xmlns:a14="http://schemas.microsoft.com/office/drawing/2010/main" xmlns="" w="9525">
+                <a14:hiddenLine xmlns="" xmlns:a14="http://schemas.microsoft.com/office/drawing/2010/main" w="9525">
                   <a:solidFill>
                     <a:srgbClr val="000000"/>
                   </a:solidFill>
@@ -11546,7 +11546,7 @@
             </a:ln>
             <a:extLst>
               <a:ext uri="{91240B29-F687-4f45-9708-019B960494DF}">
-                <a14:hiddenLine xmlns:a14="http://schemas.microsoft.com/office/drawing/2010/main" xmlns="" w="9525">
+                <a14:hiddenLine xmlns="" xmlns:a14="http://schemas.microsoft.com/office/drawing/2010/main" w="9525">
                   <a:solidFill>
                     <a:srgbClr val="000000"/>
                   </a:solidFill>
@@ -11859,7 +11859,7 @@
             </a:ln>
             <a:extLst>
               <a:ext uri="{91240B29-F687-4f45-9708-019B960494DF}">
-                <a14:hiddenLine xmlns:a14="http://schemas.microsoft.com/office/drawing/2010/main" xmlns="" w="9525">
+                <a14:hiddenLine xmlns="" xmlns:a14="http://schemas.microsoft.com/office/drawing/2010/main" w="9525">
                   <a:solidFill>
                     <a:srgbClr val="000000"/>
                   </a:solidFill>
@@ -12243,7 +12243,7 @@
             </a:ln>
             <a:extLst>
               <a:ext uri="{91240B29-F687-4f45-9708-019B960494DF}">
-                <a14:hiddenLine xmlns:a14="http://schemas.microsoft.com/office/drawing/2010/main" xmlns="" w="9525">
+                <a14:hiddenLine xmlns="" xmlns:a14="http://schemas.microsoft.com/office/drawing/2010/main" w="9525">
                   <a:solidFill>
                     <a:srgbClr val="000000"/>
                   </a:solidFill>
@@ -12436,7 +12436,7 @@
             </a:ln>
             <a:extLst>
               <a:ext uri="{91240B29-F687-4f45-9708-019B960494DF}">
-                <a14:hiddenLine xmlns:a14="http://schemas.microsoft.com/office/drawing/2010/main" xmlns="" w="9525">
+                <a14:hiddenLine xmlns="" xmlns:a14="http://schemas.microsoft.com/office/drawing/2010/main" w="9525">
                   <a:solidFill>
                     <a:srgbClr val="000000"/>
                   </a:solidFill>
@@ -12727,7 +12727,7 @@
             </a:ln>
             <a:extLst>
               <a:ext uri="{91240B29-F687-4f45-9708-019B960494DF}">
-                <a14:hiddenLine xmlns:a14="http://schemas.microsoft.com/office/drawing/2010/main" xmlns="" w="9525">
+                <a14:hiddenLine xmlns="" xmlns:a14="http://schemas.microsoft.com/office/drawing/2010/main" w="9525">
                   <a:solidFill>
                     <a:srgbClr val="000000"/>
                   </a:solidFill>
@@ -13116,7 +13116,7 @@
             </a:ln>
             <a:extLst>
               <a:ext uri="{91240B29-F687-4f45-9708-019B960494DF}">
-                <a14:hiddenLine xmlns:a14="http://schemas.microsoft.com/office/drawing/2010/main" xmlns="" w="9525">
+                <a14:hiddenLine xmlns="" xmlns:a14="http://schemas.microsoft.com/office/drawing/2010/main" w="9525">
                   <a:solidFill>
                     <a:srgbClr val="000000"/>
                   </a:solidFill>
@@ -13288,7 +13288,7 @@
             </a:ln>
             <a:extLst>
               <a:ext uri="{91240B29-F687-4f45-9708-019B960494DF}">
-                <a14:hiddenLine xmlns:a14="http://schemas.microsoft.com/office/drawing/2010/main" xmlns="" w="9525">
+                <a14:hiddenLine xmlns="" xmlns:a14="http://schemas.microsoft.com/office/drawing/2010/main" w="9525">
                   <a:solidFill>
                     <a:srgbClr val="000000"/>
                   </a:solidFill>
@@ -13508,7 +13508,7 @@
             </a:ln>
             <a:extLst>
               <a:ext uri="{91240B29-F687-4f45-9708-019B960494DF}">
-                <a14:hiddenLine xmlns:a14="http://schemas.microsoft.com/office/drawing/2010/main" xmlns="" w="9525">
+                <a14:hiddenLine xmlns="" xmlns:a14="http://schemas.microsoft.com/office/drawing/2010/main" w="9525">
                   <a:solidFill>
                     <a:srgbClr val="000000"/>
                   </a:solidFill>
@@ -13819,7 +13819,7 @@
             </a:ln>
             <a:extLst>
               <a:ext uri="{91240B29-F687-4f45-9708-019B960494DF}">
-                <a14:hiddenLine xmlns:a14="http://schemas.microsoft.com/office/drawing/2010/main" xmlns="" w="9525">
+                <a14:hiddenLine xmlns="" xmlns:a14="http://schemas.microsoft.com/office/drawing/2010/main" w="9525">
                   <a:solidFill>
                     <a:srgbClr val="000000"/>
                   </a:solidFill>
@@ -14201,7 +14201,7 @@
             </a:ln>
             <a:extLst>
               <a:ext uri="{91240B29-F687-4f45-9708-019B960494DF}">
-                <a14:hiddenLine xmlns:a14="http://schemas.microsoft.com/office/drawing/2010/main" xmlns="" w="9525">
+                <a14:hiddenLine xmlns="" xmlns:a14="http://schemas.microsoft.com/office/drawing/2010/main" w="9525">
                   <a:solidFill>
                     <a:srgbClr val="000000"/>
                   </a:solidFill>
@@ -14392,7 +14392,7 @@
             </a:ln>
             <a:extLst>
               <a:ext uri="{91240B29-F687-4f45-9708-019B960494DF}">
-                <a14:hiddenLine xmlns:a14="http://schemas.microsoft.com/office/drawing/2010/main" xmlns="" w="9525">
+                <a14:hiddenLine xmlns="" xmlns:a14="http://schemas.microsoft.com/office/drawing/2010/main" w="9525">
                   <a:solidFill>
                     <a:srgbClr val="000000"/>
                   </a:solidFill>
@@ -14681,7 +14681,7 @@
             </a:ln>
             <a:extLst>
               <a:ext uri="{91240B29-F687-4f45-9708-019B960494DF}">
-                <a14:hiddenLine xmlns:a14="http://schemas.microsoft.com/office/drawing/2010/main" xmlns="" w="9525">
+                <a14:hiddenLine xmlns="" xmlns:a14="http://schemas.microsoft.com/office/drawing/2010/main" w="9525">
                   <a:solidFill>
                     <a:srgbClr val="000000"/>
                   </a:solidFill>
@@ -15370,7 +15370,7 @@
             </a:ln>
             <a:extLst>
               <a:ext uri="{91240B29-F687-4f45-9708-019B960494DF}">
-                <a14:hiddenLine xmlns:a14="http://schemas.microsoft.com/office/drawing/2010/main" xmlns="" w="9525">
+                <a14:hiddenLine xmlns="" xmlns:a14="http://schemas.microsoft.com/office/drawing/2010/main" w="9525">
                   <a:solidFill>
                     <a:srgbClr val="000000"/>
                   </a:solidFill>
@@ -15544,7 +15544,7 @@
             </a:ln>
             <a:extLst>
               <a:ext uri="{91240B29-F687-4f45-9708-019B960494DF}">
-                <a14:hiddenLine xmlns:a14="http://schemas.microsoft.com/office/drawing/2010/main" xmlns="" w="9525">
+                <a14:hiddenLine xmlns="" xmlns:a14="http://schemas.microsoft.com/office/drawing/2010/main" w="9525">
                   <a:solidFill>
                     <a:srgbClr val="000000"/>
                   </a:solidFill>
@@ -15766,7 +15766,7 @@
             </a:ln>
             <a:extLst>
               <a:ext uri="{91240B29-F687-4f45-9708-019B960494DF}">
-                <a14:hiddenLine xmlns:a14="http://schemas.microsoft.com/office/drawing/2010/main" xmlns="" w="9525">
+                <a14:hiddenLine xmlns="" xmlns:a14="http://schemas.microsoft.com/office/drawing/2010/main" w="9525">
                   <a:solidFill>
                     <a:srgbClr val="000000"/>
                   </a:solidFill>
@@ -16079,7 +16079,7 @@
             </a:ln>
             <a:extLst>
               <a:ext uri="{91240B29-F687-4f45-9708-019B960494DF}">
-                <a14:hiddenLine xmlns:a14="http://schemas.microsoft.com/office/drawing/2010/main" xmlns="" w="9525">
+                <a14:hiddenLine xmlns="" xmlns:a14="http://schemas.microsoft.com/office/drawing/2010/main" w="9525">
                   <a:solidFill>
                     <a:srgbClr val="000000"/>
                   </a:solidFill>
@@ -16463,7 +16463,7 @@
             </a:ln>
             <a:extLst>
               <a:ext uri="{91240B29-F687-4f45-9708-019B960494DF}">
-                <a14:hiddenLine xmlns:a14="http://schemas.microsoft.com/office/drawing/2010/main" xmlns="" w="9525">
+                <a14:hiddenLine xmlns="" xmlns:a14="http://schemas.microsoft.com/office/drawing/2010/main" w="9525">
                   <a:solidFill>
                     <a:srgbClr val="000000"/>
                   </a:solidFill>
@@ -16656,7 +16656,7 @@
             </a:ln>
             <a:extLst>
               <a:ext uri="{91240B29-F687-4f45-9708-019B960494DF}">
-                <a14:hiddenLine xmlns:a14="http://schemas.microsoft.com/office/drawing/2010/main" xmlns="" w="9525">
+                <a14:hiddenLine xmlns="" xmlns:a14="http://schemas.microsoft.com/office/drawing/2010/main" w="9525">
                   <a:solidFill>
                     <a:srgbClr val="000000"/>
                   </a:solidFill>
@@ -16947,7 +16947,7 @@
             </a:ln>
             <a:extLst>
               <a:ext uri="{91240B29-F687-4f45-9708-019B960494DF}">
-                <a14:hiddenLine xmlns:a14="http://schemas.microsoft.com/office/drawing/2010/main" xmlns="" w="9525">
+                <a14:hiddenLine xmlns="" xmlns:a14="http://schemas.microsoft.com/office/drawing/2010/main" w="9525">
                   <a:solidFill>
                     <a:srgbClr val="000000"/>
                   </a:solidFill>
@@ -17592,7 +17592,7 @@
             </a:ln>
             <a:extLst>
               <a:ext uri="{91240B29-F687-4f45-9708-019B960494DF}">
-                <a14:hiddenLine xmlns:a14="http://schemas.microsoft.com/office/drawing/2010/main" xmlns="" w="9525">
+                <a14:hiddenLine xmlns="" xmlns:a14="http://schemas.microsoft.com/office/drawing/2010/main" w="9525">
                   <a:solidFill>
                     <a:srgbClr val="000000"/>
                   </a:solidFill>
@@ -17764,7 +17764,7 @@
             </a:ln>
             <a:extLst>
               <a:ext uri="{91240B29-F687-4f45-9708-019B960494DF}">
-                <a14:hiddenLine xmlns:a14="http://schemas.microsoft.com/office/drawing/2010/main" xmlns="" w="9525">
+                <a14:hiddenLine xmlns="" xmlns:a14="http://schemas.microsoft.com/office/drawing/2010/main" w="9525">
                   <a:solidFill>
                     <a:srgbClr val="000000"/>
                   </a:solidFill>
@@ -17984,7 +17984,7 @@
             </a:ln>
             <a:extLst>
               <a:ext uri="{91240B29-F687-4f45-9708-019B960494DF}">
-                <a14:hiddenLine xmlns:a14="http://schemas.microsoft.com/office/drawing/2010/main" xmlns="" w="9525">
+                <a14:hiddenLine xmlns="" xmlns:a14="http://schemas.microsoft.com/office/drawing/2010/main" w="9525">
                   <a:solidFill>
                     <a:srgbClr val="000000"/>
                   </a:solidFill>
@@ -18295,7 +18295,7 @@
             </a:ln>
             <a:extLst>
               <a:ext uri="{91240B29-F687-4f45-9708-019B960494DF}">
-                <a14:hiddenLine xmlns:a14="http://schemas.microsoft.com/office/drawing/2010/main" xmlns="" w="9525">
+                <a14:hiddenLine xmlns="" xmlns:a14="http://schemas.microsoft.com/office/drawing/2010/main" w="9525">
                   <a:solidFill>
                     <a:srgbClr val="000000"/>
                   </a:solidFill>
@@ -18677,7 +18677,7 @@
             </a:ln>
             <a:extLst>
               <a:ext uri="{91240B29-F687-4f45-9708-019B960494DF}">
-                <a14:hiddenLine xmlns:a14="http://schemas.microsoft.com/office/drawing/2010/main" xmlns="" w="9525">
+                <a14:hiddenLine xmlns="" xmlns:a14="http://schemas.microsoft.com/office/drawing/2010/main" w="9525">
                   <a:solidFill>
                     <a:srgbClr val="000000"/>
                   </a:solidFill>
@@ -18868,7 +18868,7 @@
             </a:ln>
             <a:extLst>
               <a:ext uri="{91240B29-F687-4f45-9708-019B960494DF}">
-                <a14:hiddenLine xmlns:a14="http://schemas.microsoft.com/office/drawing/2010/main" xmlns="" w="9525">
+                <a14:hiddenLine xmlns="" xmlns:a14="http://schemas.microsoft.com/office/drawing/2010/main" w="9525">
                   <a:solidFill>
                     <a:srgbClr val="000000"/>
                   </a:solidFill>
@@ -19157,7 +19157,7 @@
             </a:ln>
             <a:extLst>
               <a:ext uri="{91240B29-F687-4f45-9708-019B960494DF}">
-                <a14:hiddenLine xmlns:a14="http://schemas.microsoft.com/office/drawing/2010/main" xmlns="" w="9525">
+                <a14:hiddenLine xmlns="" xmlns:a14="http://schemas.microsoft.com/office/drawing/2010/main" w="9525">
                   <a:solidFill>
                     <a:srgbClr val="000000"/>
                   </a:solidFill>
@@ -19805,7 +19805,7 @@
             </a:ln>
             <a:extLst>
               <a:ext uri="{91240B29-F687-4f45-9708-019B960494DF}">
-                <a14:hiddenLine xmlns:a14="http://schemas.microsoft.com/office/drawing/2010/main" xmlns="" w="9525">
+                <a14:hiddenLine xmlns="" xmlns:a14="http://schemas.microsoft.com/office/drawing/2010/main" w="9525">
                   <a:solidFill>
                     <a:srgbClr val="000000"/>
                   </a:solidFill>
@@ -19979,7 +19979,7 @@
             </a:ln>
             <a:extLst>
               <a:ext uri="{91240B29-F687-4f45-9708-019B960494DF}">
-                <a14:hiddenLine xmlns:a14="http://schemas.microsoft.com/office/drawing/2010/main" xmlns="" w="9525">
+                <a14:hiddenLine xmlns="" xmlns:a14="http://schemas.microsoft.com/office/drawing/2010/main" w="9525">
                   <a:solidFill>
                     <a:srgbClr val="000000"/>
                   </a:solidFill>
@@ -20201,7 +20201,7 @@
             </a:ln>
             <a:extLst>
               <a:ext uri="{91240B29-F687-4f45-9708-019B960494DF}">
-                <a14:hiddenLine xmlns:a14="http://schemas.microsoft.com/office/drawing/2010/main" xmlns="" w="9525">
+                <a14:hiddenLine xmlns="" xmlns:a14="http://schemas.microsoft.com/office/drawing/2010/main" w="9525">
                   <a:solidFill>
                     <a:srgbClr val="000000"/>
                   </a:solidFill>
@@ -20514,7 +20514,7 @@
             </a:ln>
             <a:extLst>
               <a:ext uri="{91240B29-F687-4f45-9708-019B960494DF}">
-                <a14:hiddenLine xmlns:a14="http://schemas.microsoft.com/office/drawing/2010/main" xmlns="" w="9525">
+                <a14:hiddenLine xmlns="" xmlns:a14="http://schemas.microsoft.com/office/drawing/2010/main" w="9525">
                   <a:solidFill>
                     <a:srgbClr val="000000"/>
                   </a:solidFill>
@@ -20898,7 +20898,7 @@
             </a:ln>
             <a:extLst>
               <a:ext uri="{91240B29-F687-4f45-9708-019B960494DF}">
-                <a14:hiddenLine xmlns:a14="http://schemas.microsoft.com/office/drawing/2010/main" xmlns="" w="9525">
+                <a14:hiddenLine xmlns="" xmlns:a14="http://schemas.microsoft.com/office/drawing/2010/main" w="9525">
                   <a:solidFill>
                     <a:srgbClr val="000000"/>
                   </a:solidFill>
@@ -21091,7 +21091,7 @@
             </a:ln>
             <a:extLst>
               <a:ext uri="{91240B29-F687-4f45-9708-019B960494DF}">
-                <a14:hiddenLine xmlns:a14="http://schemas.microsoft.com/office/drawing/2010/main" xmlns="" w="9525">
+                <a14:hiddenLine xmlns="" xmlns:a14="http://schemas.microsoft.com/office/drawing/2010/main" w="9525">
                   <a:solidFill>
                     <a:srgbClr val="000000"/>
                   </a:solidFill>
@@ -21382,7 +21382,7 @@
             </a:ln>
             <a:extLst>
               <a:ext uri="{91240B29-F687-4f45-9708-019B960494DF}">
-                <a14:hiddenLine xmlns:a14="http://schemas.microsoft.com/office/drawing/2010/main" xmlns="" w="9525">
+                <a14:hiddenLine xmlns="" xmlns:a14="http://schemas.microsoft.com/office/drawing/2010/main" w="9525">
                   <a:solidFill>
                     <a:srgbClr val="000000"/>
                   </a:solidFill>
@@ -22934,7 +22934,7 @@
             </a:ln>
             <a:extLst>
               <a:ext uri="{91240B29-F687-4f45-9708-019B960494DF}">
-                <a14:hiddenLine xmlns:a14="http://schemas.microsoft.com/office/drawing/2010/main" xmlns="" w="9525">
+                <a14:hiddenLine xmlns="" xmlns:a14="http://schemas.microsoft.com/office/drawing/2010/main" w="9525">
                   <a:solidFill>
                     <a:srgbClr val="000000"/>
                   </a:solidFill>
@@ -23108,7 +23108,7 @@
             </a:ln>
             <a:extLst>
               <a:ext uri="{91240B29-F687-4f45-9708-019B960494DF}">
-                <a14:hiddenLine xmlns:a14="http://schemas.microsoft.com/office/drawing/2010/main" xmlns="" w="9525">
+                <a14:hiddenLine xmlns="" xmlns:a14="http://schemas.microsoft.com/office/drawing/2010/main" w="9525">
                   <a:solidFill>
                     <a:srgbClr val="000000"/>
                   </a:solidFill>
@@ -23330,7 +23330,7 @@
             </a:ln>
             <a:extLst>
               <a:ext uri="{91240B29-F687-4f45-9708-019B960494DF}">
-                <a14:hiddenLine xmlns:a14="http://schemas.microsoft.com/office/drawing/2010/main" xmlns="" w="9525">
+                <a14:hiddenLine xmlns="" xmlns:a14="http://schemas.microsoft.com/office/drawing/2010/main" w="9525">
                   <a:solidFill>
                     <a:srgbClr val="000000"/>
                   </a:solidFill>
@@ -23643,7 +23643,7 @@
             </a:ln>
             <a:extLst>
               <a:ext uri="{91240B29-F687-4f45-9708-019B960494DF}">
-                <a14:hiddenLine xmlns:a14="http://schemas.microsoft.com/office/drawing/2010/main" xmlns="" w="9525">
+                <a14:hiddenLine xmlns="" xmlns:a14="http://schemas.microsoft.com/office/drawing/2010/main" w="9525">
                   <a:solidFill>
                     <a:srgbClr val="000000"/>
                   </a:solidFill>
@@ -24027,7 +24027,7 @@
             </a:ln>
             <a:extLst>
               <a:ext uri="{91240B29-F687-4f45-9708-019B960494DF}">
-                <a14:hiddenLine xmlns:a14="http://schemas.microsoft.com/office/drawing/2010/main" xmlns="" w="9525">
+                <a14:hiddenLine xmlns="" xmlns:a14="http://schemas.microsoft.com/office/drawing/2010/main" w="9525">
                   <a:solidFill>
                     <a:srgbClr val="000000"/>
                   </a:solidFill>
@@ -24220,7 +24220,7 @@
             </a:ln>
             <a:extLst>
               <a:ext uri="{91240B29-F687-4f45-9708-019B960494DF}">
-                <a14:hiddenLine xmlns:a14="http://schemas.microsoft.com/office/drawing/2010/main" xmlns="" w="9525">
+                <a14:hiddenLine xmlns="" xmlns:a14="http://schemas.microsoft.com/office/drawing/2010/main" w="9525">
                   <a:solidFill>
                     <a:srgbClr val="000000"/>
                   </a:solidFill>
@@ -24511,7 +24511,7 @@
             </a:ln>
             <a:extLst>
               <a:ext uri="{91240B29-F687-4f45-9708-019B960494DF}">
-                <a14:hiddenLine xmlns:a14="http://schemas.microsoft.com/office/drawing/2010/main" xmlns="" w="9525">
+                <a14:hiddenLine xmlns="" xmlns:a14="http://schemas.microsoft.com/office/drawing/2010/main" w="9525">
                   <a:solidFill>
                     <a:srgbClr val="000000"/>
                   </a:solidFill>
@@ -25008,7 +25008,7 @@
             </a:ln>
             <a:extLst>
               <a:ext uri="{91240B29-F687-4f45-9708-019B960494DF}">
-                <a14:hiddenLine xmlns:a14="http://schemas.microsoft.com/office/drawing/2010/main" xmlns="" w="9525">
+                <a14:hiddenLine xmlns="" xmlns:a14="http://schemas.microsoft.com/office/drawing/2010/main" w="9525">
                   <a:solidFill>
                     <a:srgbClr val="000000"/>
                   </a:solidFill>
@@ -25182,7 +25182,7 @@
             </a:ln>
             <a:extLst>
               <a:ext uri="{91240B29-F687-4f45-9708-019B960494DF}">
-                <a14:hiddenLine xmlns:a14="http://schemas.microsoft.com/office/drawing/2010/main" xmlns="" w="9525">
+                <a14:hiddenLine xmlns="" xmlns:a14="http://schemas.microsoft.com/office/drawing/2010/main" w="9525">
                   <a:solidFill>
                     <a:srgbClr val="000000"/>
                   </a:solidFill>
@@ -25404,7 +25404,7 @@
             </a:ln>
             <a:extLst>
               <a:ext uri="{91240B29-F687-4f45-9708-019B960494DF}">
-                <a14:hiddenLine xmlns:a14="http://schemas.microsoft.com/office/drawing/2010/main" xmlns="" w="9525">
+                <a14:hiddenLine xmlns="" xmlns:a14="http://schemas.microsoft.com/office/drawing/2010/main" w="9525">
                   <a:solidFill>
                     <a:srgbClr val="000000"/>
                   </a:solidFill>
@@ -25717,7 +25717,7 @@
             </a:ln>
             <a:extLst>
               <a:ext uri="{91240B29-F687-4f45-9708-019B960494DF}">
-                <a14:hiddenLine xmlns:a14="http://schemas.microsoft.com/office/drawing/2010/main" xmlns="" w="9525">
+                <a14:hiddenLine xmlns="" xmlns:a14="http://schemas.microsoft.com/office/drawing/2010/main" w="9525">
                   <a:solidFill>
                     <a:srgbClr val="000000"/>
                   </a:solidFill>
@@ -26101,7 +26101,7 @@
             </a:ln>
             <a:extLst>
               <a:ext uri="{91240B29-F687-4f45-9708-019B960494DF}">
-                <a14:hiddenLine xmlns:a14="http://schemas.microsoft.com/office/drawing/2010/main" xmlns="" w="9525">
+                <a14:hiddenLine xmlns="" xmlns:a14="http://schemas.microsoft.com/office/drawing/2010/main" w="9525">
                   <a:solidFill>
                     <a:srgbClr val="000000"/>
                   </a:solidFill>
@@ -26294,7 +26294,7 @@
             </a:ln>
             <a:extLst>
               <a:ext uri="{91240B29-F687-4f45-9708-019B960494DF}">
-                <a14:hiddenLine xmlns:a14="http://schemas.microsoft.com/office/drawing/2010/main" xmlns="" w="9525">
+                <a14:hiddenLine xmlns="" xmlns:a14="http://schemas.microsoft.com/office/drawing/2010/main" w="9525">
                   <a:solidFill>
                     <a:srgbClr val="000000"/>
                   </a:solidFill>
@@ -26585,7 +26585,7 @@
             </a:ln>
             <a:extLst>
               <a:ext uri="{91240B29-F687-4f45-9708-019B960494DF}">
-                <a14:hiddenLine xmlns:a14="http://schemas.microsoft.com/office/drawing/2010/main" xmlns="" w="9525">
+                <a14:hiddenLine xmlns="" xmlns:a14="http://schemas.microsoft.com/office/drawing/2010/main" w="9525">
                   <a:solidFill>
                     <a:srgbClr val="000000"/>
                   </a:solidFill>
@@ -27083,7 +27083,7 @@
             </a:ln>
             <a:extLst>
               <a:ext uri="{91240B29-F687-4f45-9708-019B960494DF}">
-                <a14:hiddenLine xmlns:a14="http://schemas.microsoft.com/office/drawing/2010/main" xmlns="" w="9525">
+                <a14:hiddenLine xmlns="" xmlns:a14="http://schemas.microsoft.com/office/drawing/2010/main" w="9525">
                   <a:solidFill>
                     <a:srgbClr val="000000"/>
                   </a:solidFill>
@@ -27255,7 +27255,7 @@
             </a:ln>
             <a:extLst>
               <a:ext uri="{91240B29-F687-4f45-9708-019B960494DF}">
-                <a14:hiddenLine xmlns:a14="http://schemas.microsoft.com/office/drawing/2010/main" xmlns="" w="9525">
+                <a14:hiddenLine xmlns="" xmlns:a14="http://schemas.microsoft.com/office/drawing/2010/main" w="9525">
                   <a:solidFill>
                     <a:srgbClr val="000000"/>
                   </a:solidFill>
@@ -27475,7 +27475,7 @@
             </a:ln>
             <a:extLst>
               <a:ext uri="{91240B29-F687-4f45-9708-019B960494DF}">
-                <a14:hiddenLine xmlns:a14="http://schemas.microsoft.com/office/drawing/2010/main" xmlns="" w="9525">
+                <a14:hiddenLine xmlns="" xmlns:a14="http://schemas.microsoft.com/office/drawing/2010/main" w="9525">
                   <a:solidFill>
                     <a:srgbClr val="000000"/>
                   </a:solidFill>
@@ -27786,7 +27786,7 @@
             </a:ln>
             <a:extLst>
               <a:ext uri="{91240B29-F687-4f45-9708-019B960494DF}">
-                <a14:hiddenLine xmlns:a14="http://schemas.microsoft.com/office/drawing/2010/main" xmlns="" w="9525">
+                <a14:hiddenLine xmlns="" xmlns:a14="http://schemas.microsoft.com/office/drawing/2010/main" w="9525">
                   <a:solidFill>
                     <a:srgbClr val="000000"/>
                   </a:solidFill>
@@ -28168,7 +28168,7 @@
             </a:ln>
             <a:extLst>
               <a:ext uri="{91240B29-F687-4f45-9708-019B960494DF}">
-                <a14:hiddenLine xmlns:a14="http://schemas.microsoft.com/office/drawing/2010/main" xmlns="" w="9525">
+                <a14:hiddenLine xmlns="" xmlns:a14="http://schemas.microsoft.com/office/drawing/2010/main" w="9525">
                   <a:solidFill>
                     <a:srgbClr val="000000"/>
                   </a:solidFill>
@@ -28359,7 +28359,7 @@
             </a:ln>
             <a:extLst>
               <a:ext uri="{91240B29-F687-4f45-9708-019B960494DF}">
-                <a14:hiddenLine xmlns:a14="http://schemas.microsoft.com/office/drawing/2010/main" xmlns="" w="9525">
+                <a14:hiddenLine xmlns="" xmlns:a14="http://schemas.microsoft.com/office/drawing/2010/main" w="9525">
                   <a:solidFill>
                     <a:srgbClr val="000000"/>
                   </a:solidFill>
@@ -28648,7 +28648,7 @@
             </a:ln>
             <a:extLst>
               <a:ext uri="{91240B29-F687-4f45-9708-019B960494DF}">
-                <a14:hiddenLine xmlns:a14="http://schemas.microsoft.com/office/drawing/2010/main" xmlns="" w="9525">
+                <a14:hiddenLine xmlns="" xmlns:a14="http://schemas.microsoft.com/office/drawing/2010/main" w="9525">
                   <a:solidFill>
                     <a:srgbClr val="000000"/>
                   </a:solidFill>
@@ -29566,7 +29566,7 @@
             </a:ln>
             <a:extLst>
               <a:ext uri="{91240B29-F687-4f45-9708-019B960494DF}">
-                <a14:hiddenLine xmlns:a14="http://schemas.microsoft.com/office/drawing/2010/main" xmlns="" w="9525">
+                <a14:hiddenLine xmlns="" xmlns:a14="http://schemas.microsoft.com/office/drawing/2010/main" w="9525">
                   <a:solidFill>
                     <a:srgbClr val="000000"/>
                   </a:solidFill>
@@ -29740,7 +29740,7 @@
             </a:ln>
             <a:extLst>
               <a:ext uri="{91240B29-F687-4f45-9708-019B960494DF}">
-                <a14:hiddenLine xmlns:a14="http://schemas.microsoft.com/office/drawing/2010/main" xmlns="" w="9525">
+                <a14:hiddenLine xmlns="" xmlns:a14="http://schemas.microsoft.com/office/drawing/2010/main" w="9525">
                   <a:solidFill>
                     <a:srgbClr val="000000"/>
                   </a:solidFill>
@@ -29962,7 +29962,7 @@
             </a:ln>
             <a:extLst>
               <a:ext uri="{91240B29-F687-4f45-9708-019B960494DF}">
-                <a14:hiddenLine xmlns:a14="http://schemas.microsoft.com/office/drawing/2010/main" xmlns="" w="9525">
+                <a14:hiddenLine xmlns="" xmlns:a14="http://schemas.microsoft.com/office/drawing/2010/main" w="9525">
                   <a:solidFill>
                     <a:srgbClr val="000000"/>
                   </a:solidFill>
@@ -30275,7 +30275,7 @@
             </a:ln>
             <a:extLst>
               <a:ext uri="{91240B29-F687-4f45-9708-019B960494DF}">
-                <a14:hiddenLine xmlns:a14="http://schemas.microsoft.com/office/drawing/2010/main" xmlns="" w="9525">
+                <a14:hiddenLine xmlns="" xmlns:a14="http://schemas.microsoft.com/office/drawing/2010/main" w="9525">
                   <a:solidFill>
                     <a:srgbClr val="000000"/>
                   </a:solidFill>
@@ -30659,7 +30659,7 @@
             </a:ln>
             <a:extLst>
               <a:ext uri="{91240B29-F687-4f45-9708-019B960494DF}">
-                <a14:hiddenLine xmlns:a14="http://schemas.microsoft.com/office/drawing/2010/main" xmlns="" w="9525">
+                <a14:hiddenLine xmlns="" xmlns:a14="http://schemas.microsoft.com/office/drawing/2010/main" w="9525">
                   <a:solidFill>
                     <a:srgbClr val="000000"/>
                   </a:solidFill>
@@ -30852,7 +30852,7 @@
             </a:ln>
             <a:extLst>
               <a:ext uri="{91240B29-F687-4f45-9708-019B960494DF}">
-                <a14:hiddenLine xmlns:a14="http://schemas.microsoft.com/office/drawing/2010/main" xmlns="" w="9525">
+                <a14:hiddenLine xmlns="" xmlns:a14="http://schemas.microsoft.com/office/drawing/2010/main" w="9525">
                   <a:solidFill>
                     <a:srgbClr val="000000"/>
                   </a:solidFill>
@@ -31143,7 +31143,7 @@
             </a:ln>
             <a:extLst>
               <a:ext uri="{91240B29-F687-4f45-9708-019B960494DF}">
-                <a14:hiddenLine xmlns:a14="http://schemas.microsoft.com/office/drawing/2010/main" xmlns="" w="9525">
+                <a14:hiddenLine xmlns="" xmlns:a14="http://schemas.microsoft.com/office/drawing/2010/main" w="9525">
                   <a:solidFill>
                     <a:srgbClr val="000000"/>
                   </a:solidFill>
@@ -31505,7 +31505,7 @@
             </a:ln>
             <a:extLst>
               <a:ext uri="{91240B29-F687-4f45-9708-019B960494DF}">
-                <a14:hiddenLine xmlns:a14="http://schemas.microsoft.com/office/drawing/2010/main" xmlns="" w="9525">
+                <a14:hiddenLine xmlns="" xmlns:a14="http://schemas.microsoft.com/office/drawing/2010/main" w="9525">
                   <a:solidFill>
                     <a:srgbClr val="000000"/>
                   </a:solidFill>
@@ -31677,7 +31677,7 @@
             </a:ln>
             <a:extLst>
               <a:ext uri="{91240B29-F687-4f45-9708-019B960494DF}">
-                <a14:hiddenLine xmlns:a14="http://schemas.microsoft.com/office/drawing/2010/main" xmlns="" w="9525">
+                <a14:hiddenLine xmlns="" xmlns:a14="http://schemas.microsoft.com/office/drawing/2010/main" w="9525">
                   <a:solidFill>
                     <a:srgbClr val="000000"/>
                   </a:solidFill>
@@ -31897,7 +31897,7 @@
             </a:ln>
             <a:extLst>
               <a:ext uri="{91240B29-F687-4f45-9708-019B960494DF}">
-                <a14:hiddenLine xmlns:a14="http://schemas.microsoft.com/office/drawing/2010/main" xmlns="" w="9525">
+                <a14:hiddenLine xmlns="" xmlns:a14="http://schemas.microsoft.com/office/drawing/2010/main" w="9525">
                   <a:solidFill>
                     <a:srgbClr val="000000"/>
                   </a:solidFill>
@@ -32208,7 +32208,7 @@
             </a:ln>
             <a:extLst>
               <a:ext uri="{91240B29-F687-4f45-9708-019B960494DF}">
-                <a14:hiddenLine xmlns:a14="http://schemas.microsoft.com/office/drawing/2010/main" xmlns="" w="9525">
+                <a14:hiddenLine xmlns="" xmlns:a14="http://schemas.microsoft.com/office/drawing/2010/main" w="9525">
                   <a:solidFill>
                     <a:srgbClr val="000000"/>
                   </a:solidFill>
@@ -32590,7 +32590,7 @@
             </a:ln>
             <a:extLst>
               <a:ext uri="{91240B29-F687-4f45-9708-019B960494DF}">
-                <a14:hiddenLine xmlns:a14="http://schemas.microsoft.com/office/drawing/2010/main" xmlns="" w="9525">
+                <a14:hiddenLine xmlns="" xmlns:a14="http://schemas.microsoft.com/office/drawing/2010/main" w="9525">
                   <a:solidFill>
                     <a:srgbClr val="000000"/>
                   </a:solidFill>
@@ -32781,7 +32781,7 @@
             </a:ln>
             <a:extLst>
               <a:ext uri="{91240B29-F687-4f45-9708-019B960494DF}">
-                <a14:hiddenLine xmlns:a14="http://schemas.microsoft.com/office/drawing/2010/main" xmlns="" w="9525">
+                <a14:hiddenLine xmlns="" xmlns:a14="http://schemas.microsoft.com/office/drawing/2010/main" w="9525">
                   <a:solidFill>
                     <a:srgbClr val="000000"/>
                   </a:solidFill>
@@ -33070,7 +33070,7 @@
             </a:ln>
             <a:extLst>
               <a:ext uri="{91240B29-F687-4f45-9708-019B960494DF}">
-                <a14:hiddenLine xmlns:a14="http://schemas.microsoft.com/office/drawing/2010/main" xmlns="" w="9525">
+                <a14:hiddenLine xmlns="" xmlns:a14="http://schemas.microsoft.com/office/drawing/2010/main" w="9525">
                   <a:solidFill>
                     <a:srgbClr val="000000"/>
                   </a:solidFill>
@@ -33712,7 +33712,7 @@
             </a:ln>
             <a:extLst>
               <a:ext uri="{91240B29-F687-4f45-9708-019B960494DF}">
-                <a14:hiddenLine xmlns:a14="http://schemas.microsoft.com/office/drawing/2010/main" xmlns="" w="9525">
+                <a14:hiddenLine xmlns="" xmlns:a14="http://schemas.microsoft.com/office/drawing/2010/main" w="9525">
                   <a:solidFill>
                     <a:srgbClr val="000000"/>
                   </a:solidFill>
@@ -33886,7 +33886,7 @@
             </a:ln>
             <a:extLst>
               <a:ext uri="{91240B29-F687-4f45-9708-019B960494DF}">
-                <a14:hiddenLine xmlns:a14="http://schemas.microsoft.com/office/drawing/2010/main" xmlns="" w="9525">
+                <a14:hiddenLine xmlns="" xmlns:a14="http://schemas.microsoft.com/office/drawing/2010/main" w="9525">
                   <a:solidFill>
                     <a:srgbClr val="000000"/>
                   </a:solidFill>
@@ -34108,7 +34108,7 @@
             </a:ln>
             <a:extLst>
               <a:ext uri="{91240B29-F687-4f45-9708-019B960494DF}">
-                <a14:hiddenLine xmlns:a14="http://schemas.microsoft.com/office/drawing/2010/main" xmlns="" w="9525">
+                <a14:hiddenLine xmlns="" xmlns:a14="http://schemas.microsoft.com/office/drawing/2010/main" w="9525">
                   <a:solidFill>
                     <a:srgbClr val="000000"/>
                   </a:solidFill>
@@ -34421,7 +34421,7 @@
             </a:ln>
             <a:extLst>
               <a:ext uri="{91240B29-F687-4f45-9708-019B960494DF}">
-                <a14:hiddenLine xmlns:a14="http://schemas.microsoft.com/office/drawing/2010/main" xmlns="" w="9525">
+                <a14:hiddenLine xmlns="" xmlns:a14="http://schemas.microsoft.com/office/drawing/2010/main" w="9525">
                   <a:solidFill>
                     <a:srgbClr val="000000"/>
                   </a:solidFill>
@@ -34805,7 +34805,7 @@
             </a:ln>
             <a:extLst>
               <a:ext uri="{91240B29-F687-4f45-9708-019B960494DF}">
-                <a14:hiddenLine xmlns:a14="http://schemas.microsoft.com/office/drawing/2010/main" xmlns="" w="9525">
+                <a14:hiddenLine xmlns="" xmlns:a14="http://schemas.microsoft.com/office/drawing/2010/main" w="9525">
                   <a:solidFill>
                     <a:srgbClr val="000000"/>
                   </a:solidFill>
@@ -34998,7 +34998,7 @@
             </a:ln>
             <a:extLst>
               <a:ext uri="{91240B29-F687-4f45-9708-019B960494DF}">
-                <a14:hiddenLine xmlns:a14="http://schemas.microsoft.com/office/drawing/2010/main" xmlns="" w="9525">
+                <a14:hiddenLine xmlns="" xmlns:a14="http://schemas.microsoft.com/office/drawing/2010/main" w="9525">
                   <a:solidFill>
                     <a:srgbClr val="000000"/>
                   </a:solidFill>
@@ -35289,7 +35289,7 @@
             </a:ln>
             <a:extLst>
               <a:ext uri="{91240B29-F687-4f45-9708-019B960494DF}">
-                <a14:hiddenLine xmlns:a14="http://schemas.microsoft.com/office/drawing/2010/main" xmlns="" w="9525">
+                <a14:hiddenLine xmlns="" xmlns:a14="http://schemas.microsoft.com/office/drawing/2010/main" w="9525">
                   <a:solidFill>
                     <a:srgbClr val="000000"/>
                   </a:solidFill>
@@ -36438,33 +36438,26 @@
           <a:p>
             <a:r>
               <a:rPr lang="en-US" dirty="0" smtClean="0"/>
-              <a:t>As a group, you need to work on a set of enhancements to all 3 projects to provide extra functionality. </a:t>
-            </a:r>
-            <a:r>
-              <a:rPr lang="en-US" dirty="0" smtClean="0"/>
-              <a:t> </a:t>
+              <a:t>As a group, you need to work on a set of enhancements to all 3 projects to provide extra functionality.  </a:t>
             </a:r>
             <a:endParaRPr lang="en-US" sz="1800" dirty="0" smtClean="0"/>
           </a:p>
           <a:p>
             <a:r>
               <a:rPr lang="en-US" sz="1800" dirty="0" smtClean="0"/>
-              <a:t>IDEAS:</a:t>
+              <a:t>An idea</a:t>
             </a:r>
+            <a:r>
+              <a:rPr lang="en-US" sz="1800" dirty="0" smtClean="0"/>
+              <a:t>:</a:t>
+            </a:r>
+            <a:endParaRPr lang="en-US" sz="1800" dirty="0" smtClean="0"/>
           </a:p>
           <a:p>
             <a:pPr lvl="1"/>
             <a:r>
-              <a:rPr lang="en-US" sz="1600" smtClean="0"/>
-              <a:t>Can </a:t>
-            </a:r>
-            <a:r>
               <a:rPr lang="en-US" sz="1600" dirty="0" smtClean="0"/>
-              <a:t>you make a button on the mobile phone &amp; web interface to turn on a LED on the Raspberry </a:t>
-            </a:r>
-            <a:r>
-              <a:rPr lang="en-US" sz="1600" smtClean="0"/>
-              <a:t>Pi?</a:t>
+              <a:t>Can you make a button on the mobile phone &amp; web interface to turn on a LED on the Raspberry Pi?</a:t>
             </a:r>
           </a:p>
           <a:p>

--- a/Instructions.pptx
+++ b/Instructions.pptx
@@ -5,22 +5,23 @@
     <p:sldMasterId id="2147483685" r:id="rId1"/>
   </p:sldMasterIdLst>
   <p:notesMasterIdLst>
-    <p:notesMasterId r:id="rId7"/>
+    <p:notesMasterId r:id="rId8"/>
   </p:notesMasterIdLst>
   <p:handoutMasterIdLst>
-    <p:handoutMasterId r:id="rId8"/>
+    <p:handoutMasterId r:id="rId9"/>
   </p:handoutMasterIdLst>
   <p:sldIdLst>
     <p:sldId id="256" r:id="rId2"/>
-    <p:sldId id="257" r:id="rId3"/>
-    <p:sldId id="259" r:id="rId4"/>
-    <p:sldId id="265" r:id="rId5"/>
-    <p:sldId id="266" r:id="rId6"/>
+    <p:sldId id="267" r:id="rId3"/>
+    <p:sldId id="257" r:id="rId4"/>
+    <p:sldId id="259" r:id="rId5"/>
+    <p:sldId id="265" r:id="rId6"/>
+    <p:sldId id="266" r:id="rId7"/>
   </p:sldIdLst>
   <p:sldSz cx="12188825" cy="6858000"/>
   <p:notesSz cx="6858000" cy="9144000"/>
   <p:custDataLst>
-    <p:tags r:id="rId9"/>
+    <p:tags r:id="rId10"/>
   </p:custDataLst>
   <p:defaultTextStyle>
     <a:defPPr>
@@ -36035,6 +36036,132 @@
       </p:grpSpPr>
       <p:sp>
         <p:nvSpPr>
+          <p:cNvPr id="6" name="Title 5"/>
+          <p:cNvSpPr>
+            <a:spLocks noGrp="1"/>
+          </p:cNvSpPr>
+          <p:nvPr>
+            <p:ph type="title"/>
+          </p:nvPr>
+        </p:nvSpPr>
+        <p:spPr/>
+        <p:txBody>
+          <a:bodyPr/>
+          <a:lstStyle/>
+          <a:p>
+            <a:r>
+              <a:rPr lang="en-US" dirty="0" smtClean="0"/>
+              <a:t>Programming 101</a:t>
+            </a:r>
+            <a:endParaRPr lang="en-US" dirty="0"/>
+          </a:p>
+        </p:txBody>
+      </p:sp>
+      <p:sp>
+        <p:nvSpPr>
+          <p:cNvPr id="7" name="Content Placeholder 6"/>
+          <p:cNvSpPr>
+            <a:spLocks noGrp="1"/>
+          </p:cNvSpPr>
+          <p:nvPr>
+            <p:ph idx="1"/>
+          </p:nvPr>
+        </p:nvSpPr>
+        <p:spPr/>
+        <p:txBody>
+          <a:bodyPr/>
+          <a:lstStyle/>
+          <a:p>
+            <a:r>
+              <a:rPr lang="en-US" dirty="0" smtClean="0"/>
+              <a:t>Languages</a:t>
+            </a:r>
+          </a:p>
+          <a:p>
+            <a:r>
+              <a:rPr lang="en-US" dirty="0" smtClean="0"/>
+              <a:t>Compiled or Interpreted, OO or procedural </a:t>
+            </a:r>
+          </a:p>
+          <a:p>
+            <a:r>
+              <a:rPr lang="en-US" dirty="0" smtClean="0"/>
+              <a:t>Variables</a:t>
+            </a:r>
+          </a:p>
+          <a:p>
+            <a:r>
+              <a:rPr lang="en-US" dirty="0" smtClean="0"/>
+              <a:t>More complex data structures </a:t>
+            </a:r>
+          </a:p>
+          <a:p>
+            <a:r>
+              <a:rPr lang="en-US" smtClean="0"/>
+              <a:t>Maths</a:t>
+            </a:r>
+          </a:p>
+          <a:p>
+            <a:r>
+              <a:rPr lang="en-US" dirty="0" smtClean="0"/>
+              <a:t>IF/THEN/ELSE</a:t>
+            </a:r>
+          </a:p>
+          <a:p>
+            <a:r>
+              <a:rPr lang="en-US" dirty="0" smtClean="0"/>
+              <a:t>Loops</a:t>
+            </a:r>
+          </a:p>
+          <a:p>
+            <a:r>
+              <a:rPr lang="en-US" dirty="0" smtClean="0"/>
+              <a:t>Functions/Methods </a:t>
+            </a:r>
+          </a:p>
+          <a:p>
+            <a:r>
+              <a:rPr lang="en-US" dirty="0" smtClean="0"/>
+              <a:t>Objects</a:t>
+            </a:r>
+          </a:p>
+          <a:p>
+            <a:endParaRPr lang="en-US" dirty="0"/>
+          </a:p>
+        </p:txBody>
+      </p:sp>
+    </p:spTree>
+    <p:extLst>
+      <p:ext uri="{BB962C8B-B14F-4D97-AF65-F5344CB8AC3E}">
+        <p14:creationId xmlns:p14="http://schemas.microsoft.com/office/powerpoint/2010/main" val="431792268"/>
+      </p:ext>
+    </p:extLst>
+  </p:cSld>
+  <p:clrMapOvr>
+    <a:masterClrMapping/>
+  </p:clrMapOvr>
+</p:sld>
+</file>
+
+<file path=ppt/slides/slide3.xml><?xml version="1.0" encoding="utf-8"?>
+<p:sld xmlns:a="http://schemas.openxmlformats.org/drawingml/2006/main" xmlns:r="http://schemas.openxmlformats.org/officeDocument/2006/relationships" xmlns:p="http://schemas.openxmlformats.org/presentationml/2006/main">
+  <p:cSld>
+    <p:spTree>
+      <p:nvGrpSpPr>
+        <p:cNvPr id="1" name=""/>
+        <p:cNvGrpSpPr/>
+        <p:nvPr/>
+      </p:nvGrpSpPr>
+      <p:grpSpPr>
+        <a:xfrm>
+          <a:off x="0" y="0"/>
+          <a:ext cx="0" cy="0"/>
+          <a:chOff x="0" y="0"/>
+          <a:chExt cx="0" cy="0"/>
+        </a:xfrm>
+      </p:grpSpPr>
+      <p:sp>
+        <p:nvSpPr>
           <p:cNvPr id="2" name="Title 1"/>
           <p:cNvSpPr>
             <a:spLocks noGrp="1"/>
@@ -36088,7 +36215,7 @@
 </p:sld>
 </file>
 
-<file path=ppt/slides/slide3.xml><?xml version="1.0" encoding="utf-8"?>
+<file path=ppt/slides/slide4.xml><?xml version="1.0" encoding="utf-8"?>
 <p:sld xmlns:a="http://schemas.openxmlformats.org/drawingml/2006/main" xmlns:r="http://schemas.openxmlformats.org/officeDocument/2006/relationships" xmlns:p="http://schemas.openxmlformats.org/presentationml/2006/main">
   <p:cSld>
     <p:spTree>
@@ -36229,7 +36356,7 @@
 </p:sld>
 </file>
 
-<file path=ppt/slides/slide4.xml><?xml version="1.0" encoding="utf-8"?>
+<file path=ppt/slides/slide5.xml><?xml version="1.0" encoding="utf-8"?>
 <p:sld xmlns:a="http://schemas.openxmlformats.org/drawingml/2006/main" xmlns:r="http://schemas.openxmlformats.org/officeDocument/2006/relationships" xmlns:p="http://schemas.openxmlformats.org/presentationml/2006/main">
   <p:cSld>
     <p:spTree>
@@ -36338,7 +36465,7 @@
           <a:p>
             <a:fld id="{6EA6D8CF-3CDE-4807-BCD2-C9F2B831AAA5}" type="slidenum">
               <a:rPr lang="en-US" smtClean="0"/>
-              <a:t>4</a:t>
+              <a:t>5</a:t>
             </a:fld>
             <a:endParaRPr lang="en-US"/>
           </a:p>
@@ -36357,7 +36484,7 @@
 </p:sld>
 </file>
 
-<file path=ppt/slides/slide5.xml><?xml version="1.0" encoding="utf-8"?>
+<file path=ppt/slides/slide6.xml><?xml version="1.0" encoding="utf-8"?>
 <p:sld xmlns:a="http://schemas.openxmlformats.org/drawingml/2006/main" xmlns:r="http://schemas.openxmlformats.org/officeDocument/2006/relationships" xmlns:p="http://schemas.openxmlformats.org/presentationml/2006/main">
   <p:cSld>
     <p:spTree>

--- a/Instructions.pptx
+++ b/Instructions.pptx
@@ -36097,9 +36097,10 @@
           </a:p>
           <a:p>
             <a:r>
-              <a:rPr lang="en-US" smtClean="0"/>
+              <a:rPr lang="en-US" dirty="0" err="1" smtClean="0"/>
               <a:t>Maths</a:t>
             </a:r>
+            <a:endParaRPr lang="en-US" dirty="0" smtClean="0"/>
           </a:p>
           <a:p>
             <a:r>
@@ -36534,7 +36535,12 @@
             <p:ph idx="1"/>
           </p:nvPr>
         </p:nvSpPr>
-        <p:spPr/>
+        <p:spPr>
+          <a:xfrm>
+            <a:off x="609441" y="1371600"/>
+            <a:ext cx="11123771" cy="4648200"/>
+          </a:xfrm>
+        </p:spPr>
         <p:txBody>
           <a:bodyPr/>
           <a:lstStyle/>
@@ -36584,17 +36590,32 @@
             <a:pPr lvl="1"/>
             <a:r>
               <a:rPr lang="en-US" sz="1600" dirty="0" smtClean="0"/>
-              <a:t>Can you make a button on the mobile phone &amp; web interface to turn on a LED on the Raspberry Pi?</a:t>
+              <a:t>Can you make a button on the mobile phone &amp; web interface to turn on a LED on the Raspberry Pi</a:t>
             </a:r>
+            <a:r>
+              <a:rPr lang="en-US" sz="1600" dirty="0" smtClean="0"/>
+              <a:t>? (use </a:t>
+            </a:r>
+            <a:r>
+              <a:rPr lang="en-US" sz="1600" smtClean="0"/>
+              <a:t>a resistor!)</a:t>
+            </a:r>
+            <a:endParaRPr lang="en-US" sz="1600" dirty="0" smtClean="0"/>
           </a:p>
           <a:p>
             <a:pPr lvl="1"/>
             <a:endParaRPr lang="en-US" sz="1600" dirty="0" smtClean="0"/>
           </a:p>
           <a:p>
-            <a:endParaRPr lang="en-US" sz="1800" dirty="0" smtClean="0"/>
+            <a:pPr lvl="1"/>
+            <a:r>
+              <a:rPr lang="en-US" sz="1600" dirty="0" smtClean="0"/>
+              <a:t>Anything else? </a:t>
+            </a:r>
+            <a:endParaRPr lang="en-US" sz="1600" dirty="0"/>
           </a:p>
           <a:p>
+            <a:pPr lvl="1"/>
             <a:endParaRPr lang="en-US" sz="1800" dirty="0" smtClean="0"/>
           </a:p>
           <a:p>

--- a/Instructions.pptx
+++ b/Instructions.pptx
@@ -5,23 +5,24 @@
     <p:sldMasterId id="2147483685" r:id="rId1"/>
   </p:sldMasterIdLst>
   <p:notesMasterIdLst>
-    <p:notesMasterId r:id="rId8"/>
+    <p:notesMasterId r:id="rId9"/>
   </p:notesMasterIdLst>
   <p:handoutMasterIdLst>
-    <p:handoutMasterId r:id="rId9"/>
+    <p:handoutMasterId r:id="rId10"/>
   </p:handoutMasterIdLst>
   <p:sldIdLst>
     <p:sldId id="256" r:id="rId2"/>
     <p:sldId id="267" r:id="rId3"/>
-    <p:sldId id="257" r:id="rId4"/>
-    <p:sldId id="259" r:id="rId5"/>
-    <p:sldId id="265" r:id="rId6"/>
-    <p:sldId id="266" r:id="rId7"/>
+    <p:sldId id="268" r:id="rId4"/>
+    <p:sldId id="257" r:id="rId5"/>
+    <p:sldId id="259" r:id="rId6"/>
+    <p:sldId id="265" r:id="rId7"/>
+    <p:sldId id="266" r:id="rId8"/>
   </p:sldIdLst>
   <p:sldSz cx="12188825" cy="6858000"/>
   <p:notesSz cx="6858000" cy="9144000"/>
   <p:custDataLst>
-    <p:tags r:id="rId10"/>
+    <p:tags r:id="rId11"/>
   </p:custDataLst>
   <p:defaultTextStyle>
     <a:defPPr>
@@ -253,7 +254,7 @@
           <a:p>
             <a:fld id="{FB004553-04C5-4BB3-AD4E-8B2EF3CDDAF9}" type="datetimeFigureOut">
               <a:rPr lang="en-US" smtClean="0"/>
-              <a:t>7/20/16</a:t>
+              <a:t>7/21/16</a:t>
             </a:fld>
             <a:endParaRPr lang="en-US"/>
           </a:p>
@@ -418,7 +419,7 @@
           <a:p>
             <a:fld id="{3CB6F0DB-E055-41D0-9102-627A646E4242}" type="datetimeFigureOut">
               <a:rPr lang="en-US" smtClean="0"/>
-              <a:t>7/20/16</a:t>
+              <a:t>7/21/16</a:t>
             </a:fld>
             <a:endParaRPr lang="en-US"/>
           </a:p>
@@ -1177,7 +1178,7 @@
             </a:ln>
             <a:extLst>
               <a:ext uri="{91240B29-F687-4f45-9708-019B960494DF}">
-                <a14:hiddenLine xmlns="" xmlns:a14="http://schemas.microsoft.com/office/drawing/2010/main" w="9525">
+                <a14:hiddenLine xmlns:a14="http://schemas.microsoft.com/office/drawing/2010/main" xmlns="" w="9525">
                   <a:solidFill>
                     <a:srgbClr val="000000"/>
                   </a:solidFill>
@@ -1349,7 +1350,7 @@
             </a:ln>
             <a:extLst>
               <a:ext uri="{91240B29-F687-4f45-9708-019B960494DF}">
-                <a14:hiddenLine xmlns="" xmlns:a14="http://schemas.microsoft.com/office/drawing/2010/main" w="9525">
+                <a14:hiddenLine xmlns:a14="http://schemas.microsoft.com/office/drawing/2010/main" xmlns="" w="9525">
                   <a:solidFill>
                     <a:srgbClr val="000000"/>
                   </a:solidFill>
@@ -1569,7 +1570,7 @@
             </a:ln>
             <a:extLst>
               <a:ext uri="{91240B29-F687-4f45-9708-019B960494DF}">
-                <a14:hiddenLine xmlns="" xmlns:a14="http://schemas.microsoft.com/office/drawing/2010/main" w="9525">
+                <a14:hiddenLine xmlns:a14="http://schemas.microsoft.com/office/drawing/2010/main" xmlns="" w="9525">
                   <a:solidFill>
                     <a:srgbClr val="000000"/>
                   </a:solidFill>
@@ -1880,7 +1881,7 @@
             </a:ln>
             <a:extLst>
               <a:ext uri="{91240B29-F687-4f45-9708-019B960494DF}">
-                <a14:hiddenLine xmlns="" xmlns:a14="http://schemas.microsoft.com/office/drawing/2010/main" w="9525">
+                <a14:hiddenLine xmlns:a14="http://schemas.microsoft.com/office/drawing/2010/main" xmlns="" w="9525">
                   <a:solidFill>
                     <a:srgbClr val="000000"/>
                   </a:solidFill>
@@ -2262,7 +2263,7 @@
             </a:ln>
             <a:extLst>
               <a:ext uri="{91240B29-F687-4f45-9708-019B960494DF}">
-                <a14:hiddenLine xmlns="" xmlns:a14="http://schemas.microsoft.com/office/drawing/2010/main" w="9525">
+                <a14:hiddenLine xmlns:a14="http://schemas.microsoft.com/office/drawing/2010/main" xmlns="" w="9525">
                   <a:solidFill>
                     <a:srgbClr val="000000"/>
                   </a:solidFill>
@@ -2453,7 +2454,7 @@
             </a:ln>
             <a:extLst>
               <a:ext uri="{91240B29-F687-4f45-9708-019B960494DF}">
-                <a14:hiddenLine xmlns="" xmlns:a14="http://schemas.microsoft.com/office/drawing/2010/main" w="9525">
+                <a14:hiddenLine xmlns:a14="http://schemas.microsoft.com/office/drawing/2010/main" xmlns="" w="9525">
                   <a:solidFill>
                     <a:srgbClr val="000000"/>
                   </a:solidFill>
@@ -2742,7 +2743,7 @@
             </a:ln>
             <a:extLst>
               <a:ext uri="{91240B29-F687-4f45-9708-019B960494DF}">
-                <a14:hiddenLine xmlns="" xmlns:a14="http://schemas.microsoft.com/office/drawing/2010/main" w="9525">
+                <a14:hiddenLine xmlns:a14="http://schemas.microsoft.com/office/drawing/2010/main" xmlns="" w="9525">
                   <a:solidFill>
                     <a:srgbClr val="000000"/>
                   </a:solidFill>
@@ -3446,7 +3447,7 @@
             </a:ln>
             <a:extLst>
               <a:ext uri="{91240B29-F687-4f45-9708-019B960494DF}">
-                <a14:hiddenLine xmlns="" xmlns:a14="http://schemas.microsoft.com/office/drawing/2010/main" w="9525">
+                <a14:hiddenLine xmlns:a14="http://schemas.microsoft.com/office/drawing/2010/main" xmlns="" w="9525">
                   <a:solidFill>
                     <a:srgbClr val="000000"/>
                   </a:solidFill>
@@ -3620,7 +3621,7 @@
             </a:ln>
             <a:extLst>
               <a:ext uri="{91240B29-F687-4f45-9708-019B960494DF}">
-                <a14:hiddenLine xmlns="" xmlns:a14="http://schemas.microsoft.com/office/drawing/2010/main" w="9525">
+                <a14:hiddenLine xmlns:a14="http://schemas.microsoft.com/office/drawing/2010/main" xmlns="" w="9525">
                   <a:solidFill>
                     <a:srgbClr val="000000"/>
                   </a:solidFill>
@@ -3842,7 +3843,7 @@
             </a:ln>
             <a:extLst>
               <a:ext uri="{91240B29-F687-4f45-9708-019B960494DF}">
-                <a14:hiddenLine xmlns="" xmlns:a14="http://schemas.microsoft.com/office/drawing/2010/main" w="9525">
+                <a14:hiddenLine xmlns:a14="http://schemas.microsoft.com/office/drawing/2010/main" xmlns="" w="9525">
                   <a:solidFill>
                     <a:srgbClr val="000000"/>
                   </a:solidFill>
@@ -4155,7 +4156,7 @@
             </a:ln>
             <a:extLst>
               <a:ext uri="{91240B29-F687-4f45-9708-019B960494DF}">
-                <a14:hiddenLine xmlns="" xmlns:a14="http://schemas.microsoft.com/office/drawing/2010/main" w="9525">
+                <a14:hiddenLine xmlns:a14="http://schemas.microsoft.com/office/drawing/2010/main" xmlns="" w="9525">
                   <a:solidFill>
                     <a:srgbClr val="000000"/>
                   </a:solidFill>
@@ -4539,7 +4540,7 @@
             </a:ln>
             <a:extLst>
               <a:ext uri="{91240B29-F687-4f45-9708-019B960494DF}">
-                <a14:hiddenLine xmlns="" xmlns:a14="http://schemas.microsoft.com/office/drawing/2010/main" w="9525">
+                <a14:hiddenLine xmlns:a14="http://schemas.microsoft.com/office/drawing/2010/main" xmlns="" w="9525">
                   <a:solidFill>
                     <a:srgbClr val="000000"/>
                   </a:solidFill>
@@ -4732,7 +4733,7 @@
             </a:ln>
             <a:extLst>
               <a:ext uri="{91240B29-F687-4f45-9708-019B960494DF}">
-                <a14:hiddenLine xmlns="" xmlns:a14="http://schemas.microsoft.com/office/drawing/2010/main" w="9525">
+                <a14:hiddenLine xmlns:a14="http://schemas.microsoft.com/office/drawing/2010/main" xmlns="" w="9525">
                   <a:solidFill>
                     <a:srgbClr val="000000"/>
                   </a:solidFill>
@@ -5023,7 +5024,7 @@
             </a:ln>
             <a:extLst>
               <a:ext uri="{91240B29-F687-4f45-9708-019B960494DF}">
-                <a14:hiddenLine xmlns="" xmlns:a14="http://schemas.microsoft.com/office/drawing/2010/main" w="9525">
+                <a14:hiddenLine xmlns:a14="http://schemas.microsoft.com/office/drawing/2010/main" xmlns="" w="9525">
                   <a:solidFill>
                     <a:srgbClr val="000000"/>
                   </a:solidFill>
@@ -8966,7 +8967,7 @@
             </a:ln>
             <a:extLst>
               <a:ext uri="{91240B29-F687-4f45-9708-019B960494DF}">
-                <a14:hiddenLine xmlns="" xmlns:a14="http://schemas.microsoft.com/office/drawing/2010/main" w="9525">
+                <a14:hiddenLine xmlns:a14="http://schemas.microsoft.com/office/drawing/2010/main" xmlns="" w="9525">
                   <a:solidFill>
                     <a:srgbClr val="000000"/>
                   </a:solidFill>
@@ -9138,7 +9139,7 @@
             </a:ln>
             <a:extLst>
               <a:ext uri="{91240B29-F687-4f45-9708-019B960494DF}">
-                <a14:hiddenLine xmlns="" xmlns:a14="http://schemas.microsoft.com/office/drawing/2010/main" w="9525">
+                <a14:hiddenLine xmlns:a14="http://schemas.microsoft.com/office/drawing/2010/main" xmlns="" w="9525">
                   <a:solidFill>
                     <a:srgbClr val="000000"/>
                   </a:solidFill>
@@ -9358,7 +9359,7 @@
             </a:ln>
             <a:extLst>
               <a:ext uri="{91240B29-F687-4f45-9708-019B960494DF}">
-                <a14:hiddenLine xmlns="" xmlns:a14="http://schemas.microsoft.com/office/drawing/2010/main" w="9525">
+                <a14:hiddenLine xmlns:a14="http://schemas.microsoft.com/office/drawing/2010/main" xmlns="" w="9525">
                   <a:solidFill>
                     <a:srgbClr val="000000"/>
                   </a:solidFill>
@@ -9669,7 +9670,7 @@
             </a:ln>
             <a:extLst>
               <a:ext uri="{91240B29-F687-4f45-9708-019B960494DF}">
-                <a14:hiddenLine xmlns="" xmlns:a14="http://schemas.microsoft.com/office/drawing/2010/main" w="9525">
+                <a14:hiddenLine xmlns:a14="http://schemas.microsoft.com/office/drawing/2010/main" xmlns="" w="9525">
                   <a:solidFill>
                     <a:srgbClr val="000000"/>
                   </a:solidFill>
@@ -10051,7 +10052,7 @@
             </a:ln>
             <a:extLst>
               <a:ext uri="{91240B29-F687-4f45-9708-019B960494DF}">
-                <a14:hiddenLine xmlns="" xmlns:a14="http://schemas.microsoft.com/office/drawing/2010/main" w="9525">
+                <a14:hiddenLine xmlns:a14="http://schemas.microsoft.com/office/drawing/2010/main" xmlns="" w="9525">
                   <a:solidFill>
                     <a:srgbClr val="000000"/>
                   </a:solidFill>
@@ -10242,7 +10243,7 @@
             </a:ln>
             <a:extLst>
               <a:ext uri="{91240B29-F687-4f45-9708-019B960494DF}">
-                <a14:hiddenLine xmlns="" xmlns:a14="http://schemas.microsoft.com/office/drawing/2010/main" w="9525">
+                <a14:hiddenLine xmlns:a14="http://schemas.microsoft.com/office/drawing/2010/main" xmlns="" w="9525">
                   <a:solidFill>
                     <a:srgbClr val="000000"/>
                   </a:solidFill>
@@ -10531,7 +10532,7 @@
             </a:ln>
             <a:extLst>
               <a:ext uri="{91240B29-F687-4f45-9708-019B960494DF}">
-                <a14:hiddenLine xmlns="" xmlns:a14="http://schemas.microsoft.com/office/drawing/2010/main" w="9525">
+                <a14:hiddenLine xmlns:a14="http://schemas.microsoft.com/office/drawing/2010/main" xmlns="" w="9525">
                   <a:solidFill>
                     <a:srgbClr val="000000"/>
                   </a:solidFill>
@@ -11151,7 +11152,7 @@
             </a:ln>
             <a:extLst>
               <a:ext uri="{91240B29-F687-4f45-9708-019B960494DF}">
-                <a14:hiddenLine xmlns="" xmlns:a14="http://schemas.microsoft.com/office/drawing/2010/main" w="9525">
+                <a14:hiddenLine xmlns:a14="http://schemas.microsoft.com/office/drawing/2010/main" xmlns="" w="9525">
                   <a:solidFill>
                     <a:srgbClr val="000000"/>
                   </a:solidFill>
@@ -11325,7 +11326,7 @@
             </a:ln>
             <a:extLst>
               <a:ext uri="{91240B29-F687-4f45-9708-019B960494DF}">
-                <a14:hiddenLine xmlns="" xmlns:a14="http://schemas.microsoft.com/office/drawing/2010/main" w="9525">
+                <a14:hiddenLine xmlns:a14="http://schemas.microsoft.com/office/drawing/2010/main" xmlns="" w="9525">
                   <a:solidFill>
                     <a:srgbClr val="000000"/>
                   </a:solidFill>
@@ -11547,7 +11548,7 @@
             </a:ln>
             <a:extLst>
               <a:ext uri="{91240B29-F687-4f45-9708-019B960494DF}">
-                <a14:hiddenLine xmlns="" xmlns:a14="http://schemas.microsoft.com/office/drawing/2010/main" w="9525">
+                <a14:hiddenLine xmlns:a14="http://schemas.microsoft.com/office/drawing/2010/main" xmlns="" w="9525">
                   <a:solidFill>
                     <a:srgbClr val="000000"/>
                   </a:solidFill>
@@ -11860,7 +11861,7 @@
             </a:ln>
             <a:extLst>
               <a:ext uri="{91240B29-F687-4f45-9708-019B960494DF}">
-                <a14:hiddenLine xmlns="" xmlns:a14="http://schemas.microsoft.com/office/drawing/2010/main" w="9525">
+                <a14:hiddenLine xmlns:a14="http://schemas.microsoft.com/office/drawing/2010/main" xmlns="" w="9525">
                   <a:solidFill>
                     <a:srgbClr val="000000"/>
                   </a:solidFill>
@@ -12244,7 +12245,7 @@
             </a:ln>
             <a:extLst>
               <a:ext uri="{91240B29-F687-4f45-9708-019B960494DF}">
-                <a14:hiddenLine xmlns="" xmlns:a14="http://schemas.microsoft.com/office/drawing/2010/main" w="9525">
+                <a14:hiddenLine xmlns:a14="http://schemas.microsoft.com/office/drawing/2010/main" xmlns="" w="9525">
                   <a:solidFill>
                     <a:srgbClr val="000000"/>
                   </a:solidFill>
@@ -12437,7 +12438,7 @@
             </a:ln>
             <a:extLst>
               <a:ext uri="{91240B29-F687-4f45-9708-019B960494DF}">
-                <a14:hiddenLine xmlns="" xmlns:a14="http://schemas.microsoft.com/office/drawing/2010/main" w="9525">
+                <a14:hiddenLine xmlns:a14="http://schemas.microsoft.com/office/drawing/2010/main" xmlns="" w="9525">
                   <a:solidFill>
                     <a:srgbClr val="000000"/>
                   </a:solidFill>
@@ -12728,7 +12729,7 @@
             </a:ln>
             <a:extLst>
               <a:ext uri="{91240B29-F687-4f45-9708-019B960494DF}">
-                <a14:hiddenLine xmlns="" xmlns:a14="http://schemas.microsoft.com/office/drawing/2010/main" w="9525">
+                <a14:hiddenLine xmlns:a14="http://schemas.microsoft.com/office/drawing/2010/main" xmlns="" w="9525">
                   <a:solidFill>
                     <a:srgbClr val="000000"/>
                   </a:solidFill>
@@ -13117,7 +13118,7 @@
             </a:ln>
             <a:extLst>
               <a:ext uri="{91240B29-F687-4f45-9708-019B960494DF}">
-                <a14:hiddenLine xmlns="" xmlns:a14="http://schemas.microsoft.com/office/drawing/2010/main" w="9525">
+                <a14:hiddenLine xmlns:a14="http://schemas.microsoft.com/office/drawing/2010/main" xmlns="" w="9525">
                   <a:solidFill>
                     <a:srgbClr val="000000"/>
                   </a:solidFill>
@@ -13289,7 +13290,7 @@
             </a:ln>
             <a:extLst>
               <a:ext uri="{91240B29-F687-4f45-9708-019B960494DF}">
-                <a14:hiddenLine xmlns="" xmlns:a14="http://schemas.microsoft.com/office/drawing/2010/main" w="9525">
+                <a14:hiddenLine xmlns:a14="http://schemas.microsoft.com/office/drawing/2010/main" xmlns="" w="9525">
                   <a:solidFill>
                     <a:srgbClr val="000000"/>
                   </a:solidFill>
@@ -13509,7 +13510,7 @@
             </a:ln>
             <a:extLst>
               <a:ext uri="{91240B29-F687-4f45-9708-019B960494DF}">
-                <a14:hiddenLine xmlns="" xmlns:a14="http://schemas.microsoft.com/office/drawing/2010/main" w="9525">
+                <a14:hiddenLine xmlns:a14="http://schemas.microsoft.com/office/drawing/2010/main" xmlns="" w="9525">
                   <a:solidFill>
                     <a:srgbClr val="000000"/>
                   </a:solidFill>
@@ -13820,7 +13821,7 @@
             </a:ln>
             <a:extLst>
               <a:ext uri="{91240B29-F687-4f45-9708-019B960494DF}">
-                <a14:hiddenLine xmlns="" xmlns:a14="http://schemas.microsoft.com/office/drawing/2010/main" w="9525">
+                <a14:hiddenLine xmlns:a14="http://schemas.microsoft.com/office/drawing/2010/main" xmlns="" w="9525">
                   <a:solidFill>
                     <a:srgbClr val="000000"/>
                   </a:solidFill>
@@ -14202,7 +14203,7 @@
             </a:ln>
             <a:extLst>
               <a:ext uri="{91240B29-F687-4f45-9708-019B960494DF}">
-                <a14:hiddenLine xmlns="" xmlns:a14="http://schemas.microsoft.com/office/drawing/2010/main" w="9525">
+                <a14:hiddenLine xmlns:a14="http://schemas.microsoft.com/office/drawing/2010/main" xmlns="" w="9525">
                   <a:solidFill>
                     <a:srgbClr val="000000"/>
                   </a:solidFill>
@@ -14393,7 +14394,7 @@
             </a:ln>
             <a:extLst>
               <a:ext uri="{91240B29-F687-4f45-9708-019B960494DF}">
-                <a14:hiddenLine xmlns="" xmlns:a14="http://schemas.microsoft.com/office/drawing/2010/main" w="9525">
+                <a14:hiddenLine xmlns:a14="http://schemas.microsoft.com/office/drawing/2010/main" xmlns="" w="9525">
                   <a:solidFill>
                     <a:srgbClr val="000000"/>
                   </a:solidFill>
@@ -14682,7 +14683,7 @@
             </a:ln>
             <a:extLst>
               <a:ext uri="{91240B29-F687-4f45-9708-019B960494DF}">
-                <a14:hiddenLine xmlns="" xmlns:a14="http://schemas.microsoft.com/office/drawing/2010/main" w="9525">
+                <a14:hiddenLine xmlns:a14="http://schemas.microsoft.com/office/drawing/2010/main" xmlns="" w="9525">
                   <a:solidFill>
                     <a:srgbClr val="000000"/>
                   </a:solidFill>
@@ -15371,7 +15372,7 @@
             </a:ln>
             <a:extLst>
               <a:ext uri="{91240B29-F687-4f45-9708-019B960494DF}">
-                <a14:hiddenLine xmlns="" xmlns:a14="http://schemas.microsoft.com/office/drawing/2010/main" w="9525">
+                <a14:hiddenLine xmlns:a14="http://schemas.microsoft.com/office/drawing/2010/main" xmlns="" w="9525">
                   <a:solidFill>
                     <a:srgbClr val="000000"/>
                   </a:solidFill>
@@ -15545,7 +15546,7 @@
             </a:ln>
             <a:extLst>
               <a:ext uri="{91240B29-F687-4f45-9708-019B960494DF}">
-                <a14:hiddenLine xmlns="" xmlns:a14="http://schemas.microsoft.com/office/drawing/2010/main" w="9525">
+                <a14:hiddenLine xmlns:a14="http://schemas.microsoft.com/office/drawing/2010/main" xmlns="" w="9525">
                   <a:solidFill>
                     <a:srgbClr val="000000"/>
                   </a:solidFill>
@@ -15767,7 +15768,7 @@
             </a:ln>
             <a:extLst>
               <a:ext uri="{91240B29-F687-4f45-9708-019B960494DF}">
-                <a14:hiddenLine xmlns="" xmlns:a14="http://schemas.microsoft.com/office/drawing/2010/main" w="9525">
+                <a14:hiddenLine xmlns:a14="http://schemas.microsoft.com/office/drawing/2010/main" xmlns="" w="9525">
                   <a:solidFill>
                     <a:srgbClr val="000000"/>
                   </a:solidFill>
@@ -16080,7 +16081,7 @@
             </a:ln>
             <a:extLst>
               <a:ext uri="{91240B29-F687-4f45-9708-019B960494DF}">
-                <a14:hiddenLine xmlns="" xmlns:a14="http://schemas.microsoft.com/office/drawing/2010/main" w="9525">
+                <a14:hiddenLine xmlns:a14="http://schemas.microsoft.com/office/drawing/2010/main" xmlns="" w="9525">
                   <a:solidFill>
                     <a:srgbClr val="000000"/>
                   </a:solidFill>
@@ -16464,7 +16465,7 @@
             </a:ln>
             <a:extLst>
               <a:ext uri="{91240B29-F687-4f45-9708-019B960494DF}">
-                <a14:hiddenLine xmlns="" xmlns:a14="http://schemas.microsoft.com/office/drawing/2010/main" w="9525">
+                <a14:hiddenLine xmlns:a14="http://schemas.microsoft.com/office/drawing/2010/main" xmlns="" w="9525">
                   <a:solidFill>
                     <a:srgbClr val="000000"/>
                   </a:solidFill>
@@ -16657,7 +16658,7 @@
             </a:ln>
             <a:extLst>
               <a:ext uri="{91240B29-F687-4f45-9708-019B960494DF}">
-                <a14:hiddenLine xmlns="" xmlns:a14="http://schemas.microsoft.com/office/drawing/2010/main" w="9525">
+                <a14:hiddenLine xmlns:a14="http://schemas.microsoft.com/office/drawing/2010/main" xmlns="" w="9525">
                   <a:solidFill>
                     <a:srgbClr val="000000"/>
                   </a:solidFill>
@@ -16948,7 +16949,7 @@
             </a:ln>
             <a:extLst>
               <a:ext uri="{91240B29-F687-4f45-9708-019B960494DF}">
-                <a14:hiddenLine xmlns="" xmlns:a14="http://schemas.microsoft.com/office/drawing/2010/main" w="9525">
+                <a14:hiddenLine xmlns:a14="http://schemas.microsoft.com/office/drawing/2010/main" xmlns="" w="9525">
                   <a:solidFill>
                     <a:srgbClr val="000000"/>
                   </a:solidFill>
@@ -17593,7 +17594,7 @@
             </a:ln>
             <a:extLst>
               <a:ext uri="{91240B29-F687-4f45-9708-019B960494DF}">
-                <a14:hiddenLine xmlns="" xmlns:a14="http://schemas.microsoft.com/office/drawing/2010/main" w="9525">
+                <a14:hiddenLine xmlns:a14="http://schemas.microsoft.com/office/drawing/2010/main" xmlns="" w="9525">
                   <a:solidFill>
                     <a:srgbClr val="000000"/>
                   </a:solidFill>
@@ -17765,7 +17766,7 @@
             </a:ln>
             <a:extLst>
               <a:ext uri="{91240B29-F687-4f45-9708-019B960494DF}">
-                <a14:hiddenLine xmlns="" xmlns:a14="http://schemas.microsoft.com/office/drawing/2010/main" w="9525">
+                <a14:hiddenLine xmlns:a14="http://schemas.microsoft.com/office/drawing/2010/main" xmlns="" w="9525">
                   <a:solidFill>
                     <a:srgbClr val="000000"/>
                   </a:solidFill>
@@ -17985,7 +17986,7 @@
             </a:ln>
             <a:extLst>
               <a:ext uri="{91240B29-F687-4f45-9708-019B960494DF}">
-                <a14:hiddenLine xmlns="" xmlns:a14="http://schemas.microsoft.com/office/drawing/2010/main" w="9525">
+                <a14:hiddenLine xmlns:a14="http://schemas.microsoft.com/office/drawing/2010/main" xmlns="" w="9525">
                   <a:solidFill>
                     <a:srgbClr val="000000"/>
                   </a:solidFill>
@@ -18296,7 +18297,7 @@
             </a:ln>
             <a:extLst>
               <a:ext uri="{91240B29-F687-4f45-9708-019B960494DF}">
-                <a14:hiddenLine xmlns="" xmlns:a14="http://schemas.microsoft.com/office/drawing/2010/main" w="9525">
+                <a14:hiddenLine xmlns:a14="http://schemas.microsoft.com/office/drawing/2010/main" xmlns="" w="9525">
                   <a:solidFill>
                     <a:srgbClr val="000000"/>
                   </a:solidFill>
@@ -18678,7 +18679,7 @@
             </a:ln>
             <a:extLst>
               <a:ext uri="{91240B29-F687-4f45-9708-019B960494DF}">
-                <a14:hiddenLine xmlns="" xmlns:a14="http://schemas.microsoft.com/office/drawing/2010/main" w="9525">
+                <a14:hiddenLine xmlns:a14="http://schemas.microsoft.com/office/drawing/2010/main" xmlns="" w="9525">
                   <a:solidFill>
                     <a:srgbClr val="000000"/>
                   </a:solidFill>
@@ -18869,7 +18870,7 @@
             </a:ln>
             <a:extLst>
               <a:ext uri="{91240B29-F687-4f45-9708-019B960494DF}">
-                <a14:hiddenLine xmlns="" xmlns:a14="http://schemas.microsoft.com/office/drawing/2010/main" w="9525">
+                <a14:hiddenLine xmlns:a14="http://schemas.microsoft.com/office/drawing/2010/main" xmlns="" w="9525">
                   <a:solidFill>
                     <a:srgbClr val="000000"/>
                   </a:solidFill>
@@ -19158,7 +19159,7 @@
             </a:ln>
             <a:extLst>
               <a:ext uri="{91240B29-F687-4f45-9708-019B960494DF}">
-                <a14:hiddenLine xmlns="" xmlns:a14="http://schemas.microsoft.com/office/drawing/2010/main" w="9525">
+                <a14:hiddenLine xmlns:a14="http://schemas.microsoft.com/office/drawing/2010/main" xmlns="" w="9525">
                   <a:solidFill>
                     <a:srgbClr val="000000"/>
                   </a:solidFill>
@@ -19806,7 +19807,7 @@
             </a:ln>
             <a:extLst>
               <a:ext uri="{91240B29-F687-4f45-9708-019B960494DF}">
-                <a14:hiddenLine xmlns="" xmlns:a14="http://schemas.microsoft.com/office/drawing/2010/main" w="9525">
+                <a14:hiddenLine xmlns:a14="http://schemas.microsoft.com/office/drawing/2010/main" xmlns="" w="9525">
                   <a:solidFill>
                     <a:srgbClr val="000000"/>
                   </a:solidFill>
@@ -19980,7 +19981,7 @@
             </a:ln>
             <a:extLst>
               <a:ext uri="{91240B29-F687-4f45-9708-019B960494DF}">
-                <a14:hiddenLine xmlns="" xmlns:a14="http://schemas.microsoft.com/office/drawing/2010/main" w="9525">
+                <a14:hiddenLine xmlns:a14="http://schemas.microsoft.com/office/drawing/2010/main" xmlns="" w="9525">
                   <a:solidFill>
                     <a:srgbClr val="000000"/>
                   </a:solidFill>
@@ -20202,7 +20203,7 @@
             </a:ln>
             <a:extLst>
               <a:ext uri="{91240B29-F687-4f45-9708-019B960494DF}">
-                <a14:hiddenLine xmlns="" xmlns:a14="http://schemas.microsoft.com/office/drawing/2010/main" w="9525">
+                <a14:hiddenLine xmlns:a14="http://schemas.microsoft.com/office/drawing/2010/main" xmlns="" w="9525">
                   <a:solidFill>
                     <a:srgbClr val="000000"/>
                   </a:solidFill>
@@ -20515,7 +20516,7 @@
             </a:ln>
             <a:extLst>
               <a:ext uri="{91240B29-F687-4f45-9708-019B960494DF}">
-                <a14:hiddenLine xmlns="" xmlns:a14="http://schemas.microsoft.com/office/drawing/2010/main" w="9525">
+                <a14:hiddenLine xmlns:a14="http://schemas.microsoft.com/office/drawing/2010/main" xmlns="" w="9525">
                   <a:solidFill>
                     <a:srgbClr val="000000"/>
                   </a:solidFill>
@@ -20899,7 +20900,7 @@
             </a:ln>
             <a:extLst>
               <a:ext uri="{91240B29-F687-4f45-9708-019B960494DF}">
-                <a14:hiddenLine xmlns="" xmlns:a14="http://schemas.microsoft.com/office/drawing/2010/main" w="9525">
+                <a14:hiddenLine xmlns:a14="http://schemas.microsoft.com/office/drawing/2010/main" xmlns="" w="9525">
                   <a:solidFill>
                     <a:srgbClr val="000000"/>
                   </a:solidFill>
@@ -21092,7 +21093,7 @@
             </a:ln>
             <a:extLst>
               <a:ext uri="{91240B29-F687-4f45-9708-019B960494DF}">
-                <a14:hiddenLine xmlns="" xmlns:a14="http://schemas.microsoft.com/office/drawing/2010/main" w="9525">
+                <a14:hiddenLine xmlns:a14="http://schemas.microsoft.com/office/drawing/2010/main" xmlns="" w="9525">
                   <a:solidFill>
                     <a:srgbClr val="000000"/>
                   </a:solidFill>
@@ -21383,7 +21384,7 @@
             </a:ln>
             <a:extLst>
               <a:ext uri="{91240B29-F687-4f45-9708-019B960494DF}">
-                <a14:hiddenLine xmlns="" xmlns:a14="http://schemas.microsoft.com/office/drawing/2010/main" w="9525">
+                <a14:hiddenLine xmlns:a14="http://schemas.microsoft.com/office/drawing/2010/main" xmlns="" w="9525">
                   <a:solidFill>
                     <a:srgbClr val="000000"/>
                   </a:solidFill>
@@ -22935,7 +22936,7 @@
             </a:ln>
             <a:extLst>
               <a:ext uri="{91240B29-F687-4f45-9708-019B960494DF}">
-                <a14:hiddenLine xmlns="" xmlns:a14="http://schemas.microsoft.com/office/drawing/2010/main" w="9525">
+                <a14:hiddenLine xmlns:a14="http://schemas.microsoft.com/office/drawing/2010/main" xmlns="" w="9525">
                   <a:solidFill>
                     <a:srgbClr val="000000"/>
                   </a:solidFill>
@@ -23109,7 +23110,7 @@
             </a:ln>
             <a:extLst>
               <a:ext uri="{91240B29-F687-4f45-9708-019B960494DF}">
-                <a14:hiddenLine xmlns="" xmlns:a14="http://schemas.microsoft.com/office/drawing/2010/main" w="9525">
+                <a14:hiddenLine xmlns:a14="http://schemas.microsoft.com/office/drawing/2010/main" xmlns="" w="9525">
                   <a:solidFill>
                     <a:srgbClr val="000000"/>
                   </a:solidFill>
@@ -23331,7 +23332,7 @@
             </a:ln>
             <a:extLst>
               <a:ext uri="{91240B29-F687-4f45-9708-019B960494DF}">
-                <a14:hiddenLine xmlns="" xmlns:a14="http://schemas.microsoft.com/office/drawing/2010/main" w="9525">
+                <a14:hiddenLine xmlns:a14="http://schemas.microsoft.com/office/drawing/2010/main" xmlns="" w="9525">
                   <a:solidFill>
                     <a:srgbClr val="000000"/>
                   </a:solidFill>
@@ -23644,7 +23645,7 @@
             </a:ln>
             <a:extLst>
               <a:ext uri="{91240B29-F687-4f45-9708-019B960494DF}">
-                <a14:hiddenLine xmlns="" xmlns:a14="http://schemas.microsoft.com/office/drawing/2010/main" w="9525">
+                <a14:hiddenLine xmlns:a14="http://schemas.microsoft.com/office/drawing/2010/main" xmlns="" w="9525">
                   <a:solidFill>
                     <a:srgbClr val="000000"/>
                   </a:solidFill>
@@ -24028,7 +24029,7 @@
             </a:ln>
             <a:extLst>
               <a:ext uri="{91240B29-F687-4f45-9708-019B960494DF}">
-                <a14:hiddenLine xmlns="" xmlns:a14="http://schemas.microsoft.com/office/drawing/2010/main" w="9525">
+                <a14:hiddenLine xmlns:a14="http://schemas.microsoft.com/office/drawing/2010/main" xmlns="" w="9525">
                   <a:solidFill>
                     <a:srgbClr val="000000"/>
                   </a:solidFill>
@@ -24221,7 +24222,7 @@
             </a:ln>
             <a:extLst>
               <a:ext uri="{91240B29-F687-4f45-9708-019B960494DF}">
-                <a14:hiddenLine xmlns="" xmlns:a14="http://schemas.microsoft.com/office/drawing/2010/main" w="9525">
+                <a14:hiddenLine xmlns:a14="http://schemas.microsoft.com/office/drawing/2010/main" xmlns="" w="9525">
                   <a:solidFill>
                     <a:srgbClr val="000000"/>
                   </a:solidFill>
@@ -24512,7 +24513,7 @@
             </a:ln>
             <a:extLst>
               <a:ext uri="{91240B29-F687-4f45-9708-019B960494DF}">
-                <a14:hiddenLine xmlns="" xmlns:a14="http://schemas.microsoft.com/office/drawing/2010/main" w="9525">
+                <a14:hiddenLine xmlns:a14="http://schemas.microsoft.com/office/drawing/2010/main" xmlns="" w="9525">
                   <a:solidFill>
                     <a:srgbClr val="000000"/>
                   </a:solidFill>
@@ -25009,7 +25010,7 @@
             </a:ln>
             <a:extLst>
               <a:ext uri="{91240B29-F687-4f45-9708-019B960494DF}">
-                <a14:hiddenLine xmlns="" xmlns:a14="http://schemas.microsoft.com/office/drawing/2010/main" w="9525">
+                <a14:hiddenLine xmlns:a14="http://schemas.microsoft.com/office/drawing/2010/main" xmlns="" w="9525">
                   <a:solidFill>
                     <a:srgbClr val="000000"/>
                   </a:solidFill>
@@ -25183,7 +25184,7 @@
             </a:ln>
             <a:extLst>
               <a:ext uri="{91240B29-F687-4f45-9708-019B960494DF}">
-                <a14:hiddenLine xmlns="" xmlns:a14="http://schemas.microsoft.com/office/drawing/2010/main" w="9525">
+                <a14:hiddenLine xmlns:a14="http://schemas.microsoft.com/office/drawing/2010/main" xmlns="" w="9525">
                   <a:solidFill>
                     <a:srgbClr val="000000"/>
                   </a:solidFill>
@@ -25405,7 +25406,7 @@
             </a:ln>
             <a:extLst>
               <a:ext uri="{91240B29-F687-4f45-9708-019B960494DF}">
-                <a14:hiddenLine xmlns="" xmlns:a14="http://schemas.microsoft.com/office/drawing/2010/main" w="9525">
+                <a14:hiddenLine xmlns:a14="http://schemas.microsoft.com/office/drawing/2010/main" xmlns="" w="9525">
                   <a:solidFill>
                     <a:srgbClr val="000000"/>
                   </a:solidFill>
@@ -25718,7 +25719,7 @@
             </a:ln>
             <a:extLst>
               <a:ext uri="{91240B29-F687-4f45-9708-019B960494DF}">
-                <a14:hiddenLine xmlns="" xmlns:a14="http://schemas.microsoft.com/office/drawing/2010/main" w="9525">
+                <a14:hiddenLine xmlns:a14="http://schemas.microsoft.com/office/drawing/2010/main" xmlns="" w="9525">
                   <a:solidFill>
                     <a:srgbClr val="000000"/>
                   </a:solidFill>
@@ -26102,7 +26103,7 @@
             </a:ln>
             <a:extLst>
               <a:ext uri="{91240B29-F687-4f45-9708-019B960494DF}">
-                <a14:hiddenLine xmlns="" xmlns:a14="http://schemas.microsoft.com/office/drawing/2010/main" w="9525">
+                <a14:hiddenLine xmlns:a14="http://schemas.microsoft.com/office/drawing/2010/main" xmlns="" w="9525">
                   <a:solidFill>
                     <a:srgbClr val="000000"/>
                   </a:solidFill>
@@ -26295,7 +26296,7 @@
             </a:ln>
             <a:extLst>
               <a:ext uri="{91240B29-F687-4f45-9708-019B960494DF}">
-                <a14:hiddenLine xmlns="" xmlns:a14="http://schemas.microsoft.com/office/drawing/2010/main" w="9525">
+                <a14:hiddenLine xmlns:a14="http://schemas.microsoft.com/office/drawing/2010/main" xmlns="" w="9525">
                   <a:solidFill>
                     <a:srgbClr val="000000"/>
                   </a:solidFill>
@@ -26586,7 +26587,7 @@
             </a:ln>
             <a:extLst>
               <a:ext uri="{91240B29-F687-4f45-9708-019B960494DF}">
-                <a14:hiddenLine xmlns="" xmlns:a14="http://schemas.microsoft.com/office/drawing/2010/main" w="9525">
+                <a14:hiddenLine xmlns:a14="http://schemas.microsoft.com/office/drawing/2010/main" xmlns="" w="9525">
                   <a:solidFill>
                     <a:srgbClr val="000000"/>
                   </a:solidFill>
@@ -27084,7 +27085,7 @@
             </a:ln>
             <a:extLst>
               <a:ext uri="{91240B29-F687-4f45-9708-019B960494DF}">
-                <a14:hiddenLine xmlns="" xmlns:a14="http://schemas.microsoft.com/office/drawing/2010/main" w="9525">
+                <a14:hiddenLine xmlns:a14="http://schemas.microsoft.com/office/drawing/2010/main" xmlns="" w="9525">
                   <a:solidFill>
                     <a:srgbClr val="000000"/>
                   </a:solidFill>
@@ -27256,7 +27257,7 @@
             </a:ln>
             <a:extLst>
               <a:ext uri="{91240B29-F687-4f45-9708-019B960494DF}">
-                <a14:hiddenLine xmlns="" xmlns:a14="http://schemas.microsoft.com/office/drawing/2010/main" w="9525">
+                <a14:hiddenLine xmlns:a14="http://schemas.microsoft.com/office/drawing/2010/main" xmlns="" w="9525">
                   <a:solidFill>
                     <a:srgbClr val="000000"/>
                   </a:solidFill>
@@ -27476,7 +27477,7 @@
             </a:ln>
             <a:extLst>
               <a:ext uri="{91240B29-F687-4f45-9708-019B960494DF}">
-                <a14:hiddenLine xmlns="" xmlns:a14="http://schemas.microsoft.com/office/drawing/2010/main" w="9525">
+                <a14:hiddenLine xmlns:a14="http://schemas.microsoft.com/office/drawing/2010/main" xmlns="" w="9525">
                   <a:solidFill>
                     <a:srgbClr val="000000"/>
                   </a:solidFill>
@@ -27787,7 +27788,7 @@
             </a:ln>
             <a:extLst>
               <a:ext uri="{91240B29-F687-4f45-9708-019B960494DF}">
-                <a14:hiddenLine xmlns="" xmlns:a14="http://schemas.microsoft.com/office/drawing/2010/main" w="9525">
+                <a14:hiddenLine xmlns:a14="http://schemas.microsoft.com/office/drawing/2010/main" xmlns="" w="9525">
                   <a:solidFill>
                     <a:srgbClr val="000000"/>
                   </a:solidFill>
@@ -28169,7 +28170,7 @@
             </a:ln>
             <a:extLst>
               <a:ext uri="{91240B29-F687-4f45-9708-019B960494DF}">
-                <a14:hiddenLine xmlns="" xmlns:a14="http://schemas.microsoft.com/office/drawing/2010/main" w="9525">
+                <a14:hiddenLine xmlns:a14="http://schemas.microsoft.com/office/drawing/2010/main" xmlns="" w="9525">
                   <a:solidFill>
                     <a:srgbClr val="000000"/>
                   </a:solidFill>
@@ -28360,7 +28361,7 @@
             </a:ln>
             <a:extLst>
               <a:ext uri="{91240B29-F687-4f45-9708-019B960494DF}">
-                <a14:hiddenLine xmlns="" xmlns:a14="http://schemas.microsoft.com/office/drawing/2010/main" w="9525">
+                <a14:hiddenLine xmlns:a14="http://schemas.microsoft.com/office/drawing/2010/main" xmlns="" w="9525">
                   <a:solidFill>
                     <a:srgbClr val="000000"/>
                   </a:solidFill>
@@ -28649,7 +28650,7 @@
             </a:ln>
             <a:extLst>
               <a:ext uri="{91240B29-F687-4f45-9708-019B960494DF}">
-                <a14:hiddenLine xmlns="" xmlns:a14="http://schemas.microsoft.com/office/drawing/2010/main" w="9525">
+                <a14:hiddenLine xmlns:a14="http://schemas.microsoft.com/office/drawing/2010/main" xmlns="" w="9525">
                   <a:solidFill>
                     <a:srgbClr val="000000"/>
                   </a:solidFill>
@@ -29567,7 +29568,7 @@
             </a:ln>
             <a:extLst>
               <a:ext uri="{91240B29-F687-4f45-9708-019B960494DF}">
-                <a14:hiddenLine xmlns="" xmlns:a14="http://schemas.microsoft.com/office/drawing/2010/main" w="9525">
+                <a14:hiddenLine xmlns:a14="http://schemas.microsoft.com/office/drawing/2010/main" xmlns="" w="9525">
                   <a:solidFill>
                     <a:srgbClr val="000000"/>
                   </a:solidFill>
@@ -29741,7 +29742,7 @@
             </a:ln>
             <a:extLst>
               <a:ext uri="{91240B29-F687-4f45-9708-019B960494DF}">
-                <a14:hiddenLine xmlns="" xmlns:a14="http://schemas.microsoft.com/office/drawing/2010/main" w="9525">
+                <a14:hiddenLine xmlns:a14="http://schemas.microsoft.com/office/drawing/2010/main" xmlns="" w="9525">
                   <a:solidFill>
                     <a:srgbClr val="000000"/>
                   </a:solidFill>
@@ -29963,7 +29964,7 @@
             </a:ln>
             <a:extLst>
               <a:ext uri="{91240B29-F687-4f45-9708-019B960494DF}">
-                <a14:hiddenLine xmlns="" xmlns:a14="http://schemas.microsoft.com/office/drawing/2010/main" w="9525">
+                <a14:hiddenLine xmlns:a14="http://schemas.microsoft.com/office/drawing/2010/main" xmlns="" w="9525">
                   <a:solidFill>
                     <a:srgbClr val="000000"/>
                   </a:solidFill>
@@ -30276,7 +30277,7 @@
             </a:ln>
             <a:extLst>
               <a:ext uri="{91240B29-F687-4f45-9708-019B960494DF}">
-                <a14:hiddenLine xmlns="" xmlns:a14="http://schemas.microsoft.com/office/drawing/2010/main" w="9525">
+                <a14:hiddenLine xmlns:a14="http://schemas.microsoft.com/office/drawing/2010/main" xmlns="" w="9525">
                   <a:solidFill>
                     <a:srgbClr val="000000"/>
                   </a:solidFill>
@@ -30660,7 +30661,7 @@
             </a:ln>
             <a:extLst>
               <a:ext uri="{91240B29-F687-4f45-9708-019B960494DF}">
-                <a14:hiddenLine xmlns="" xmlns:a14="http://schemas.microsoft.com/office/drawing/2010/main" w="9525">
+                <a14:hiddenLine xmlns:a14="http://schemas.microsoft.com/office/drawing/2010/main" xmlns="" w="9525">
                   <a:solidFill>
                     <a:srgbClr val="000000"/>
                   </a:solidFill>
@@ -30853,7 +30854,7 @@
             </a:ln>
             <a:extLst>
               <a:ext uri="{91240B29-F687-4f45-9708-019B960494DF}">
-                <a14:hiddenLine xmlns="" xmlns:a14="http://schemas.microsoft.com/office/drawing/2010/main" w="9525">
+                <a14:hiddenLine xmlns:a14="http://schemas.microsoft.com/office/drawing/2010/main" xmlns="" w="9525">
                   <a:solidFill>
                     <a:srgbClr val="000000"/>
                   </a:solidFill>
@@ -31144,7 +31145,7 @@
             </a:ln>
             <a:extLst>
               <a:ext uri="{91240B29-F687-4f45-9708-019B960494DF}">
-                <a14:hiddenLine xmlns="" xmlns:a14="http://schemas.microsoft.com/office/drawing/2010/main" w="9525">
+                <a14:hiddenLine xmlns:a14="http://schemas.microsoft.com/office/drawing/2010/main" xmlns="" w="9525">
                   <a:solidFill>
                     <a:srgbClr val="000000"/>
                   </a:solidFill>
@@ -31506,7 +31507,7 @@
             </a:ln>
             <a:extLst>
               <a:ext uri="{91240B29-F687-4f45-9708-019B960494DF}">
-                <a14:hiddenLine xmlns="" xmlns:a14="http://schemas.microsoft.com/office/drawing/2010/main" w="9525">
+                <a14:hiddenLine xmlns:a14="http://schemas.microsoft.com/office/drawing/2010/main" xmlns="" w="9525">
                   <a:solidFill>
                     <a:srgbClr val="000000"/>
                   </a:solidFill>
@@ -31678,7 +31679,7 @@
             </a:ln>
             <a:extLst>
               <a:ext uri="{91240B29-F687-4f45-9708-019B960494DF}">
-                <a14:hiddenLine xmlns="" xmlns:a14="http://schemas.microsoft.com/office/drawing/2010/main" w="9525">
+                <a14:hiddenLine xmlns:a14="http://schemas.microsoft.com/office/drawing/2010/main" xmlns="" w="9525">
                   <a:solidFill>
                     <a:srgbClr val="000000"/>
                   </a:solidFill>
@@ -31898,7 +31899,7 @@
             </a:ln>
             <a:extLst>
               <a:ext uri="{91240B29-F687-4f45-9708-019B960494DF}">
-                <a14:hiddenLine xmlns="" xmlns:a14="http://schemas.microsoft.com/office/drawing/2010/main" w="9525">
+                <a14:hiddenLine xmlns:a14="http://schemas.microsoft.com/office/drawing/2010/main" xmlns="" w="9525">
                   <a:solidFill>
                     <a:srgbClr val="000000"/>
                   </a:solidFill>
@@ -32209,7 +32210,7 @@
             </a:ln>
             <a:extLst>
               <a:ext uri="{91240B29-F687-4f45-9708-019B960494DF}">
-                <a14:hiddenLine xmlns="" xmlns:a14="http://schemas.microsoft.com/office/drawing/2010/main" w="9525">
+                <a14:hiddenLine xmlns:a14="http://schemas.microsoft.com/office/drawing/2010/main" xmlns="" w="9525">
                   <a:solidFill>
                     <a:srgbClr val="000000"/>
                   </a:solidFill>
@@ -32591,7 +32592,7 @@
             </a:ln>
             <a:extLst>
               <a:ext uri="{91240B29-F687-4f45-9708-019B960494DF}">
-                <a14:hiddenLine xmlns="" xmlns:a14="http://schemas.microsoft.com/office/drawing/2010/main" w="9525">
+                <a14:hiddenLine xmlns:a14="http://schemas.microsoft.com/office/drawing/2010/main" xmlns="" w="9525">
                   <a:solidFill>
                     <a:srgbClr val="000000"/>
                   </a:solidFill>
@@ -32782,7 +32783,7 @@
             </a:ln>
             <a:extLst>
               <a:ext uri="{91240B29-F687-4f45-9708-019B960494DF}">
-                <a14:hiddenLine xmlns="" xmlns:a14="http://schemas.microsoft.com/office/drawing/2010/main" w="9525">
+                <a14:hiddenLine xmlns:a14="http://schemas.microsoft.com/office/drawing/2010/main" xmlns="" w="9525">
                   <a:solidFill>
                     <a:srgbClr val="000000"/>
                   </a:solidFill>
@@ -33071,7 +33072,7 @@
             </a:ln>
             <a:extLst>
               <a:ext uri="{91240B29-F687-4f45-9708-019B960494DF}">
-                <a14:hiddenLine xmlns="" xmlns:a14="http://schemas.microsoft.com/office/drawing/2010/main" w="9525">
+                <a14:hiddenLine xmlns:a14="http://schemas.microsoft.com/office/drawing/2010/main" xmlns="" w="9525">
                   <a:solidFill>
                     <a:srgbClr val="000000"/>
                   </a:solidFill>
@@ -33713,7 +33714,7 @@
             </a:ln>
             <a:extLst>
               <a:ext uri="{91240B29-F687-4f45-9708-019B960494DF}">
-                <a14:hiddenLine xmlns="" xmlns:a14="http://schemas.microsoft.com/office/drawing/2010/main" w="9525">
+                <a14:hiddenLine xmlns:a14="http://schemas.microsoft.com/office/drawing/2010/main" xmlns="" w="9525">
                   <a:solidFill>
                     <a:srgbClr val="000000"/>
                   </a:solidFill>
@@ -33887,7 +33888,7 @@
             </a:ln>
             <a:extLst>
               <a:ext uri="{91240B29-F687-4f45-9708-019B960494DF}">
-                <a14:hiddenLine xmlns="" xmlns:a14="http://schemas.microsoft.com/office/drawing/2010/main" w="9525">
+                <a14:hiddenLine xmlns:a14="http://schemas.microsoft.com/office/drawing/2010/main" xmlns="" w="9525">
                   <a:solidFill>
                     <a:srgbClr val="000000"/>
                   </a:solidFill>
@@ -34109,7 +34110,7 @@
             </a:ln>
             <a:extLst>
               <a:ext uri="{91240B29-F687-4f45-9708-019B960494DF}">
-                <a14:hiddenLine xmlns="" xmlns:a14="http://schemas.microsoft.com/office/drawing/2010/main" w="9525">
+                <a14:hiddenLine xmlns:a14="http://schemas.microsoft.com/office/drawing/2010/main" xmlns="" w="9525">
                   <a:solidFill>
                     <a:srgbClr val="000000"/>
                   </a:solidFill>
@@ -34422,7 +34423,7 @@
             </a:ln>
             <a:extLst>
               <a:ext uri="{91240B29-F687-4f45-9708-019B960494DF}">
-                <a14:hiddenLine xmlns="" xmlns:a14="http://schemas.microsoft.com/office/drawing/2010/main" w="9525">
+                <a14:hiddenLine xmlns:a14="http://schemas.microsoft.com/office/drawing/2010/main" xmlns="" w="9525">
                   <a:solidFill>
                     <a:srgbClr val="000000"/>
                   </a:solidFill>
@@ -34806,7 +34807,7 @@
             </a:ln>
             <a:extLst>
               <a:ext uri="{91240B29-F687-4f45-9708-019B960494DF}">
-                <a14:hiddenLine xmlns="" xmlns:a14="http://schemas.microsoft.com/office/drawing/2010/main" w="9525">
+                <a14:hiddenLine xmlns:a14="http://schemas.microsoft.com/office/drawing/2010/main" xmlns="" w="9525">
                   <a:solidFill>
                     <a:srgbClr val="000000"/>
                   </a:solidFill>
@@ -34999,7 +35000,7 @@
             </a:ln>
             <a:extLst>
               <a:ext uri="{91240B29-F687-4f45-9708-019B960494DF}">
-                <a14:hiddenLine xmlns="" xmlns:a14="http://schemas.microsoft.com/office/drawing/2010/main" w="9525">
+                <a14:hiddenLine xmlns:a14="http://schemas.microsoft.com/office/drawing/2010/main" xmlns="" w="9525">
                   <a:solidFill>
                     <a:srgbClr val="000000"/>
                   </a:solidFill>
@@ -35290,7 +35291,7 @@
             </a:ln>
             <a:extLst>
               <a:ext uri="{91240B29-F687-4f45-9708-019B960494DF}">
-                <a14:hiddenLine xmlns="" xmlns:a14="http://schemas.microsoft.com/office/drawing/2010/main" w="9525">
+                <a14:hiddenLine xmlns:a14="http://schemas.microsoft.com/office/drawing/2010/main" xmlns="" w="9525">
                   <a:solidFill>
                     <a:srgbClr val="000000"/>
                   </a:solidFill>
@@ -36085,9 +36086,10 @@
           </a:p>
           <a:p>
             <a:r>
-              <a:rPr lang="en-US" dirty="0" smtClean="0"/>
-              <a:t>Variables</a:t>
+              <a:rPr lang="en-US" smtClean="0"/>
+              <a:t>Variables &amp; Scope</a:t>
             </a:r>
+            <a:endParaRPr lang="en-US" dirty="0" smtClean="0"/>
           </a:p>
           <a:p>
             <a:r>
@@ -36177,6 +36179,305 @@
           <a:lstStyle/>
           <a:p>
             <a:r>
+              <a:rPr lang="en-US" dirty="0" err="1" smtClean="0"/>
+              <a:t>Github</a:t>
+            </a:r>
+            <a:endParaRPr lang="en-US" dirty="0"/>
+          </a:p>
+        </p:txBody>
+      </p:sp>
+      <p:sp>
+        <p:nvSpPr>
+          <p:cNvPr id="3" name="Content Placeholder 2"/>
+          <p:cNvSpPr>
+            <a:spLocks noGrp="1"/>
+          </p:cNvSpPr>
+          <p:nvPr>
+            <p:ph idx="1"/>
+          </p:nvPr>
+        </p:nvSpPr>
+        <p:spPr/>
+        <p:txBody>
+          <a:bodyPr/>
+          <a:lstStyle/>
+          <a:p>
+            <a:r>
+              <a:rPr lang="en-US" dirty="0" smtClean="0"/>
+              <a:t>We’ll need to create you a GitHub account</a:t>
+            </a:r>
+          </a:p>
+          <a:p>
+            <a:r>
+              <a:rPr lang="en-US" dirty="0" smtClean="0"/>
+              <a:t>You need to install </a:t>
+            </a:r>
+            <a:r>
+              <a:rPr lang="en-US" dirty="0" err="1" smtClean="0"/>
+              <a:t>git</a:t>
+            </a:r>
+            <a:r>
+              <a:rPr lang="en-US" dirty="0" smtClean="0"/>
+              <a:t> on your mac/windows machine  </a:t>
+            </a:r>
+          </a:p>
+          <a:p>
+            <a:r>
+              <a:rPr lang="en-US" dirty="0" smtClean="0"/>
+              <a:t>Robbie will add you to our hackathon repository </a:t>
+            </a:r>
+          </a:p>
+          <a:p>
+            <a:r>
+              <a:rPr lang="en-US" dirty="0" smtClean="0"/>
+              <a:t>Once done, run the following commands:</a:t>
+            </a:r>
+          </a:p>
+          <a:p>
+            <a:pPr lvl="1"/>
+            <a:r>
+              <a:rPr lang="en-US" dirty="0" err="1" smtClean="0"/>
+              <a:t>git</a:t>
+            </a:r>
+            <a:r>
+              <a:rPr lang="en-US" dirty="0" smtClean="0"/>
+              <a:t> </a:t>
+            </a:r>
+            <a:r>
+              <a:rPr lang="en-US" dirty="0"/>
+              <a:t>clone </a:t>
+            </a:r>
+            <a:r>
+              <a:rPr lang="en-US" dirty="0" smtClean="0">
+                <a:hlinkClick r:id="rId2"/>
+              </a:rPr>
+              <a:t>https://www.github.com/RobbieJ/SEHack</a:t>
+            </a:r>
+            <a:r>
+              <a:rPr lang="en-US" dirty="0" smtClean="0"/>
+              <a:t> </a:t>
+            </a:r>
+          </a:p>
+          <a:p>
+            <a:pPr lvl="1"/>
+            <a:r>
+              <a:rPr lang="en-US" dirty="0" smtClean="0"/>
+              <a:t>Go into your team’s directory and add a text file to test it works </a:t>
+            </a:r>
+          </a:p>
+          <a:p>
+            <a:pPr lvl="1"/>
+            <a:r>
+              <a:rPr lang="en-US" dirty="0" err="1"/>
+              <a:t>git</a:t>
+            </a:r>
+            <a:r>
+              <a:rPr lang="en-US" dirty="0"/>
+              <a:t> add *</a:t>
+            </a:r>
+          </a:p>
+          <a:p>
+            <a:pPr lvl="1"/>
+            <a:r>
+              <a:rPr lang="en-US" dirty="0" err="1" smtClean="0"/>
+              <a:t>git</a:t>
+            </a:r>
+            <a:r>
+              <a:rPr lang="en-US" dirty="0" smtClean="0"/>
+              <a:t> commit -m "Commit message”</a:t>
+            </a:r>
+          </a:p>
+          <a:p>
+            <a:pPr lvl="1"/>
+            <a:r>
+              <a:rPr lang="en-US" dirty="0" err="1"/>
+              <a:t>git</a:t>
+            </a:r>
+            <a:r>
+              <a:rPr lang="en-US" dirty="0"/>
+              <a:t> push origin </a:t>
+            </a:r>
+            <a:r>
+              <a:rPr lang="en-US" dirty="0" smtClean="0"/>
+              <a:t>master</a:t>
+            </a:r>
+          </a:p>
+          <a:p>
+            <a:r>
+              <a:rPr lang="en-US" dirty="0" smtClean="0"/>
+              <a:t>Whenever you make changes, repeat steps, </a:t>
+            </a:r>
+            <a:r>
+              <a:rPr lang="en-US" dirty="0" err="1" smtClean="0"/>
+              <a:t>git</a:t>
+            </a:r>
+            <a:r>
+              <a:rPr lang="en-US" dirty="0" smtClean="0"/>
+              <a:t> add *, </a:t>
+            </a:r>
+            <a:r>
+              <a:rPr lang="en-US" dirty="0" err="1" smtClean="0"/>
+              <a:t>git</a:t>
+            </a:r>
+            <a:r>
+              <a:rPr lang="en-US" dirty="0" smtClean="0"/>
+              <a:t> commit &amp; </a:t>
+            </a:r>
+            <a:r>
+              <a:rPr lang="en-US" dirty="0" err="1" smtClean="0"/>
+              <a:t>git</a:t>
+            </a:r>
+            <a:r>
+              <a:rPr lang="en-US" dirty="0" smtClean="0"/>
+              <a:t> push </a:t>
+            </a:r>
+          </a:p>
+          <a:p>
+            <a:r>
+              <a:rPr lang="en-US" dirty="0" smtClean="0"/>
+              <a:t>As people make changes to their projects, you will be required to run a </a:t>
+            </a:r>
+            <a:r>
+              <a:rPr lang="en-US" dirty="0" err="1" smtClean="0"/>
+              <a:t>git</a:t>
+            </a:r>
+            <a:r>
+              <a:rPr lang="en-US" dirty="0" smtClean="0"/>
+              <a:t> pull before a push to sync changes – this is how </a:t>
+            </a:r>
+            <a:r>
+              <a:rPr lang="en-US" dirty="0" err="1" smtClean="0"/>
+              <a:t>git</a:t>
+            </a:r>
+            <a:r>
+              <a:rPr lang="en-US" dirty="0" smtClean="0"/>
+              <a:t> merges code changes </a:t>
+            </a:r>
+          </a:p>
+          <a:p>
+            <a:r>
+              <a:rPr lang="en-US" dirty="0"/>
+              <a:t>More info </a:t>
+            </a:r>
+            <a:r>
+              <a:rPr lang="en-US" dirty="0" smtClean="0"/>
+              <a:t>here </a:t>
+            </a:r>
+            <a:r>
+              <a:rPr lang="en-US" dirty="0"/>
+              <a:t>http://</a:t>
+            </a:r>
+            <a:r>
+              <a:rPr lang="en-US" dirty="0" err="1"/>
+              <a:t>rogerdudler.github.io</a:t>
+            </a:r>
+            <a:r>
+              <a:rPr lang="en-US" dirty="0"/>
+              <a:t>/</a:t>
+            </a:r>
+            <a:r>
+              <a:rPr lang="en-US" dirty="0" err="1"/>
+              <a:t>git</a:t>
+            </a:r>
+            <a:r>
+              <a:rPr lang="en-US" dirty="0"/>
+              <a:t>-guide/</a:t>
+            </a:r>
+            <a:endParaRPr lang="en-US" dirty="0"/>
+          </a:p>
+        </p:txBody>
+      </p:sp>
+      <p:sp>
+        <p:nvSpPr>
+          <p:cNvPr id="4" name="Footer Placeholder 3"/>
+          <p:cNvSpPr>
+            <a:spLocks noGrp="1"/>
+          </p:cNvSpPr>
+          <p:nvPr>
+            <p:ph type="ftr" sz="quarter" idx="11"/>
+          </p:nvPr>
+        </p:nvSpPr>
+        <p:spPr/>
+        <p:txBody>
+          <a:bodyPr/>
+          <a:lstStyle/>
+          <a:p>
+            <a:r>
+              <a:rPr lang="en-US" smtClean="0"/>
+              <a:t>CONFIDENTIAL</a:t>
+            </a:r>
+            <a:endParaRPr lang="en-US"/>
+          </a:p>
+        </p:txBody>
+      </p:sp>
+      <p:sp>
+        <p:nvSpPr>
+          <p:cNvPr id="5" name="Slide Number Placeholder 4"/>
+          <p:cNvSpPr>
+            <a:spLocks noGrp="1"/>
+          </p:cNvSpPr>
+          <p:nvPr>
+            <p:ph type="sldNum" sz="quarter" idx="12"/>
+          </p:nvPr>
+        </p:nvSpPr>
+        <p:spPr/>
+        <p:txBody>
+          <a:bodyPr/>
+          <a:lstStyle/>
+          <a:p>
+            <a:fld id="{6EA6D8CF-3CDE-4807-BCD2-C9F2B831AAA5}" type="slidenum">
+              <a:rPr lang="en-US" smtClean="0"/>
+              <a:t>3</a:t>
+            </a:fld>
+            <a:endParaRPr lang="en-US"/>
+          </a:p>
+        </p:txBody>
+      </p:sp>
+    </p:spTree>
+    <p:extLst>
+      <p:ext uri="{BB962C8B-B14F-4D97-AF65-F5344CB8AC3E}">
+        <p14:creationId xmlns:p14="http://schemas.microsoft.com/office/powerpoint/2010/main" val="443218658"/>
+      </p:ext>
+    </p:extLst>
+  </p:cSld>
+  <p:clrMapOvr>
+    <a:masterClrMapping/>
+  </p:clrMapOvr>
+</p:sld>
+</file>
+
+<file path=ppt/slides/slide4.xml><?xml version="1.0" encoding="utf-8"?>
+<p:sld xmlns:a="http://schemas.openxmlformats.org/drawingml/2006/main" xmlns:r="http://schemas.openxmlformats.org/officeDocument/2006/relationships" xmlns:p="http://schemas.openxmlformats.org/presentationml/2006/main">
+  <p:cSld>
+    <p:spTree>
+      <p:nvGrpSpPr>
+        <p:cNvPr id="1" name=""/>
+        <p:cNvGrpSpPr/>
+        <p:nvPr/>
+      </p:nvGrpSpPr>
+      <p:grpSpPr>
+        <a:xfrm>
+          <a:off x="0" y="0"/>
+          <a:ext cx="0" cy="0"/>
+          <a:chOff x="0" y="0"/>
+          <a:chExt cx="0" cy="0"/>
+        </a:xfrm>
+      </p:grpSpPr>
+      <p:sp>
+        <p:nvSpPr>
+          <p:cNvPr id="2" name="Title 1"/>
+          <p:cNvSpPr>
+            <a:spLocks noGrp="1"/>
+          </p:cNvSpPr>
+          <p:nvPr>
+            <p:ph type="title"/>
+          </p:nvPr>
+        </p:nvSpPr>
+        <p:spPr/>
+        <p:txBody>
+          <a:bodyPr/>
+          <a:lstStyle/>
+          <a:p>
+            <a:r>
               <a:rPr lang="en-US" dirty="0" smtClean="0"/>
               <a:t>Challenges</a:t>
             </a:r>
@@ -36216,7 +36517,7 @@
 </p:sld>
 </file>
 
-<file path=ppt/slides/slide4.xml><?xml version="1.0" encoding="utf-8"?>
+<file path=ppt/slides/slide5.xml><?xml version="1.0" encoding="utf-8"?>
 <p:sld xmlns:a="http://schemas.openxmlformats.org/drawingml/2006/main" xmlns:r="http://schemas.openxmlformats.org/officeDocument/2006/relationships" xmlns:p="http://schemas.openxmlformats.org/presentationml/2006/main">
   <p:cSld>
     <p:spTree>
@@ -36357,7 +36658,7 @@
 </p:sld>
 </file>
 
-<file path=ppt/slides/slide5.xml><?xml version="1.0" encoding="utf-8"?>
+<file path=ppt/slides/slide6.xml><?xml version="1.0" encoding="utf-8"?>
 <p:sld xmlns:a="http://schemas.openxmlformats.org/drawingml/2006/main" xmlns:r="http://schemas.openxmlformats.org/officeDocument/2006/relationships" xmlns:p="http://schemas.openxmlformats.org/presentationml/2006/main">
   <p:cSld>
     <p:spTree>
@@ -36466,7 +36767,7 @@
           <a:p>
             <a:fld id="{6EA6D8CF-3CDE-4807-BCD2-C9F2B831AAA5}" type="slidenum">
               <a:rPr lang="en-US" smtClean="0"/>
-              <a:t>5</a:t>
+              <a:t>6</a:t>
             </a:fld>
             <a:endParaRPr lang="en-US"/>
           </a:p>
@@ -36485,7 +36786,7 @@
 </p:sld>
 </file>
 
-<file path=ppt/slides/slide6.xml><?xml version="1.0" encoding="utf-8"?>
+<file path=ppt/slides/slide7.xml><?xml version="1.0" encoding="utf-8"?>
 <p:sld xmlns:a="http://schemas.openxmlformats.org/drawingml/2006/main" xmlns:r="http://schemas.openxmlformats.org/officeDocument/2006/relationships" xmlns:p="http://schemas.openxmlformats.org/presentationml/2006/main">
   <p:cSld>
     <p:spTree>
@@ -36578,29 +36879,15 @@
           <a:p>
             <a:r>
               <a:rPr lang="en-US" sz="1800" dirty="0" smtClean="0"/>
-              <a:t>An idea</a:t>
+              <a:t>An idea:</a:t>
             </a:r>
-            <a:r>
-              <a:rPr lang="en-US" sz="1800" dirty="0" smtClean="0"/>
-              <a:t>:</a:t>
-            </a:r>
-            <a:endParaRPr lang="en-US" sz="1800" dirty="0" smtClean="0"/>
           </a:p>
           <a:p>
             <a:pPr lvl="1"/>
             <a:r>
               <a:rPr lang="en-US" sz="1600" dirty="0" smtClean="0"/>
-              <a:t>Can you make a button on the mobile phone &amp; web interface to turn on a LED on the Raspberry Pi</a:t>
+              <a:t>Can you make a button on the mobile phone &amp; web interface to turn on a LED on the Raspberry Pi? (use a resistor!)</a:t>
             </a:r>
-            <a:r>
-              <a:rPr lang="en-US" sz="1600" dirty="0" smtClean="0"/>
-              <a:t>? (use </a:t>
-            </a:r>
-            <a:r>
-              <a:rPr lang="en-US" sz="1600" smtClean="0"/>
-              <a:t>a resistor!)</a:t>
-            </a:r>
-            <a:endParaRPr lang="en-US" sz="1600" dirty="0" smtClean="0"/>
           </a:p>
           <a:p>
             <a:pPr lvl="1"/>

--- a/Instructions.pptx
+++ b/Instructions.pptx
@@ -5,24 +5,26 @@
     <p:sldMasterId id="2147483685" r:id="rId1"/>
   </p:sldMasterIdLst>
   <p:notesMasterIdLst>
-    <p:notesMasterId r:id="rId9"/>
+    <p:notesMasterId r:id="rId11"/>
   </p:notesMasterIdLst>
   <p:handoutMasterIdLst>
-    <p:handoutMasterId r:id="rId10"/>
+    <p:handoutMasterId r:id="rId12"/>
   </p:handoutMasterIdLst>
   <p:sldIdLst>
     <p:sldId id="256" r:id="rId2"/>
-    <p:sldId id="267" r:id="rId3"/>
-    <p:sldId id="268" r:id="rId4"/>
-    <p:sldId id="257" r:id="rId5"/>
-    <p:sldId id="259" r:id="rId6"/>
-    <p:sldId id="265" r:id="rId7"/>
-    <p:sldId id="266" r:id="rId8"/>
+    <p:sldId id="269" r:id="rId3"/>
+    <p:sldId id="267" r:id="rId4"/>
+    <p:sldId id="268" r:id="rId5"/>
+    <p:sldId id="257" r:id="rId6"/>
+    <p:sldId id="259" r:id="rId7"/>
+    <p:sldId id="265" r:id="rId8"/>
+    <p:sldId id="266" r:id="rId9"/>
+    <p:sldId id="270" r:id="rId10"/>
   </p:sldIdLst>
   <p:sldSz cx="12188825" cy="6858000"/>
   <p:notesSz cx="6858000" cy="9144000"/>
   <p:custDataLst>
-    <p:tags r:id="rId11"/>
+    <p:tags r:id="rId13"/>
   </p:custDataLst>
   <p:defaultTextStyle>
     <a:defPPr>
@@ -254,7 +256,7 @@
           <a:p>
             <a:fld id="{FB004553-04C5-4BB3-AD4E-8B2EF3CDDAF9}" type="datetimeFigureOut">
               <a:rPr lang="en-US" smtClean="0"/>
-              <a:t>7/21/16</a:t>
+              <a:t>7/22/16</a:t>
             </a:fld>
             <a:endParaRPr lang="en-US"/>
           </a:p>
@@ -419,7 +421,7 @@
           <a:p>
             <a:fld id="{3CB6F0DB-E055-41D0-9102-627A646E4242}" type="datetimeFigureOut">
               <a:rPr lang="en-US" smtClean="0"/>
-              <a:t>7/21/16</a:t>
+              <a:t>7/22/16</a:t>
             </a:fld>
             <a:endParaRPr lang="en-US"/>
           </a:p>
@@ -1178,7 +1180,7 @@
             </a:ln>
             <a:extLst>
               <a:ext uri="{91240B29-F687-4f45-9708-019B960494DF}">
-                <a14:hiddenLine xmlns:a14="http://schemas.microsoft.com/office/drawing/2010/main" xmlns="" w="9525">
+                <a14:hiddenLine xmlns="" xmlns:a14="http://schemas.microsoft.com/office/drawing/2010/main" w="9525">
                   <a:solidFill>
                     <a:srgbClr val="000000"/>
                   </a:solidFill>
@@ -1350,7 +1352,7 @@
             </a:ln>
             <a:extLst>
               <a:ext uri="{91240B29-F687-4f45-9708-019B960494DF}">
-                <a14:hiddenLine xmlns:a14="http://schemas.microsoft.com/office/drawing/2010/main" xmlns="" w="9525">
+                <a14:hiddenLine xmlns="" xmlns:a14="http://schemas.microsoft.com/office/drawing/2010/main" w="9525">
                   <a:solidFill>
                     <a:srgbClr val="000000"/>
                   </a:solidFill>
@@ -1570,7 +1572,7 @@
             </a:ln>
             <a:extLst>
               <a:ext uri="{91240B29-F687-4f45-9708-019B960494DF}">
-                <a14:hiddenLine xmlns:a14="http://schemas.microsoft.com/office/drawing/2010/main" xmlns="" w="9525">
+                <a14:hiddenLine xmlns="" xmlns:a14="http://schemas.microsoft.com/office/drawing/2010/main" w="9525">
                   <a:solidFill>
                     <a:srgbClr val="000000"/>
                   </a:solidFill>
@@ -1881,7 +1883,7 @@
             </a:ln>
             <a:extLst>
               <a:ext uri="{91240B29-F687-4f45-9708-019B960494DF}">
-                <a14:hiddenLine xmlns:a14="http://schemas.microsoft.com/office/drawing/2010/main" xmlns="" w="9525">
+                <a14:hiddenLine xmlns="" xmlns:a14="http://schemas.microsoft.com/office/drawing/2010/main" w="9525">
                   <a:solidFill>
                     <a:srgbClr val="000000"/>
                   </a:solidFill>
@@ -2263,7 +2265,7 @@
             </a:ln>
             <a:extLst>
               <a:ext uri="{91240B29-F687-4f45-9708-019B960494DF}">
-                <a14:hiddenLine xmlns:a14="http://schemas.microsoft.com/office/drawing/2010/main" xmlns="" w="9525">
+                <a14:hiddenLine xmlns="" xmlns:a14="http://schemas.microsoft.com/office/drawing/2010/main" w="9525">
                   <a:solidFill>
                     <a:srgbClr val="000000"/>
                   </a:solidFill>
@@ -2454,7 +2456,7 @@
             </a:ln>
             <a:extLst>
               <a:ext uri="{91240B29-F687-4f45-9708-019B960494DF}">
-                <a14:hiddenLine xmlns:a14="http://schemas.microsoft.com/office/drawing/2010/main" xmlns="" w="9525">
+                <a14:hiddenLine xmlns="" xmlns:a14="http://schemas.microsoft.com/office/drawing/2010/main" w="9525">
                   <a:solidFill>
                     <a:srgbClr val="000000"/>
                   </a:solidFill>
@@ -2743,7 +2745,7 @@
             </a:ln>
             <a:extLst>
               <a:ext uri="{91240B29-F687-4f45-9708-019B960494DF}">
-                <a14:hiddenLine xmlns:a14="http://schemas.microsoft.com/office/drawing/2010/main" xmlns="" w="9525">
+                <a14:hiddenLine xmlns="" xmlns:a14="http://schemas.microsoft.com/office/drawing/2010/main" w="9525">
                   <a:solidFill>
                     <a:srgbClr val="000000"/>
                   </a:solidFill>
@@ -3447,7 +3449,7 @@
             </a:ln>
             <a:extLst>
               <a:ext uri="{91240B29-F687-4f45-9708-019B960494DF}">
-                <a14:hiddenLine xmlns:a14="http://schemas.microsoft.com/office/drawing/2010/main" xmlns="" w="9525">
+                <a14:hiddenLine xmlns="" xmlns:a14="http://schemas.microsoft.com/office/drawing/2010/main" w="9525">
                   <a:solidFill>
                     <a:srgbClr val="000000"/>
                   </a:solidFill>
@@ -3621,7 +3623,7 @@
             </a:ln>
             <a:extLst>
               <a:ext uri="{91240B29-F687-4f45-9708-019B960494DF}">
-                <a14:hiddenLine xmlns:a14="http://schemas.microsoft.com/office/drawing/2010/main" xmlns="" w="9525">
+                <a14:hiddenLine xmlns="" xmlns:a14="http://schemas.microsoft.com/office/drawing/2010/main" w="9525">
                   <a:solidFill>
                     <a:srgbClr val="000000"/>
                   </a:solidFill>
@@ -3843,7 +3845,7 @@
             </a:ln>
             <a:extLst>
               <a:ext uri="{91240B29-F687-4f45-9708-019B960494DF}">
-                <a14:hiddenLine xmlns:a14="http://schemas.microsoft.com/office/drawing/2010/main" xmlns="" w="9525">
+                <a14:hiddenLine xmlns="" xmlns:a14="http://schemas.microsoft.com/office/drawing/2010/main" w="9525">
                   <a:solidFill>
                     <a:srgbClr val="000000"/>
                   </a:solidFill>
@@ -4156,7 +4158,7 @@
             </a:ln>
             <a:extLst>
               <a:ext uri="{91240B29-F687-4f45-9708-019B960494DF}">
-                <a14:hiddenLine xmlns:a14="http://schemas.microsoft.com/office/drawing/2010/main" xmlns="" w="9525">
+                <a14:hiddenLine xmlns="" xmlns:a14="http://schemas.microsoft.com/office/drawing/2010/main" w="9525">
                   <a:solidFill>
                     <a:srgbClr val="000000"/>
                   </a:solidFill>
@@ -4540,7 +4542,7 @@
             </a:ln>
             <a:extLst>
               <a:ext uri="{91240B29-F687-4f45-9708-019B960494DF}">
-                <a14:hiddenLine xmlns:a14="http://schemas.microsoft.com/office/drawing/2010/main" xmlns="" w="9525">
+                <a14:hiddenLine xmlns="" xmlns:a14="http://schemas.microsoft.com/office/drawing/2010/main" w="9525">
                   <a:solidFill>
                     <a:srgbClr val="000000"/>
                   </a:solidFill>
@@ -4733,7 +4735,7 @@
             </a:ln>
             <a:extLst>
               <a:ext uri="{91240B29-F687-4f45-9708-019B960494DF}">
-                <a14:hiddenLine xmlns:a14="http://schemas.microsoft.com/office/drawing/2010/main" xmlns="" w="9525">
+                <a14:hiddenLine xmlns="" xmlns:a14="http://schemas.microsoft.com/office/drawing/2010/main" w="9525">
                   <a:solidFill>
                     <a:srgbClr val="000000"/>
                   </a:solidFill>
@@ -5024,7 +5026,7 @@
             </a:ln>
             <a:extLst>
               <a:ext uri="{91240B29-F687-4f45-9708-019B960494DF}">
-                <a14:hiddenLine xmlns:a14="http://schemas.microsoft.com/office/drawing/2010/main" xmlns="" w="9525">
+                <a14:hiddenLine xmlns="" xmlns:a14="http://schemas.microsoft.com/office/drawing/2010/main" w="9525">
                   <a:solidFill>
                     <a:srgbClr val="000000"/>
                   </a:solidFill>
@@ -8967,7 +8969,7 @@
             </a:ln>
             <a:extLst>
               <a:ext uri="{91240B29-F687-4f45-9708-019B960494DF}">
-                <a14:hiddenLine xmlns:a14="http://schemas.microsoft.com/office/drawing/2010/main" xmlns="" w="9525">
+                <a14:hiddenLine xmlns="" xmlns:a14="http://schemas.microsoft.com/office/drawing/2010/main" w="9525">
                   <a:solidFill>
                     <a:srgbClr val="000000"/>
                   </a:solidFill>
@@ -9139,7 +9141,7 @@
             </a:ln>
             <a:extLst>
               <a:ext uri="{91240B29-F687-4f45-9708-019B960494DF}">
-                <a14:hiddenLine xmlns:a14="http://schemas.microsoft.com/office/drawing/2010/main" xmlns="" w="9525">
+                <a14:hiddenLine xmlns="" xmlns:a14="http://schemas.microsoft.com/office/drawing/2010/main" w="9525">
                   <a:solidFill>
                     <a:srgbClr val="000000"/>
                   </a:solidFill>
@@ -9359,7 +9361,7 @@
             </a:ln>
             <a:extLst>
               <a:ext uri="{91240B29-F687-4f45-9708-019B960494DF}">
-                <a14:hiddenLine xmlns:a14="http://schemas.microsoft.com/office/drawing/2010/main" xmlns="" w="9525">
+                <a14:hiddenLine xmlns="" xmlns:a14="http://schemas.microsoft.com/office/drawing/2010/main" w="9525">
                   <a:solidFill>
                     <a:srgbClr val="000000"/>
                   </a:solidFill>
@@ -9670,7 +9672,7 @@
             </a:ln>
             <a:extLst>
               <a:ext uri="{91240B29-F687-4f45-9708-019B960494DF}">
-                <a14:hiddenLine xmlns:a14="http://schemas.microsoft.com/office/drawing/2010/main" xmlns="" w="9525">
+                <a14:hiddenLine xmlns="" xmlns:a14="http://schemas.microsoft.com/office/drawing/2010/main" w="9525">
                   <a:solidFill>
                     <a:srgbClr val="000000"/>
                   </a:solidFill>
@@ -10052,7 +10054,7 @@
             </a:ln>
             <a:extLst>
               <a:ext uri="{91240B29-F687-4f45-9708-019B960494DF}">
-                <a14:hiddenLine xmlns:a14="http://schemas.microsoft.com/office/drawing/2010/main" xmlns="" w="9525">
+                <a14:hiddenLine xmlns="" xmlns:a14="http://schemas.microsoft.com/office/drawing/2010/main" w="9525">
                   <a:solidFill>
                     <a:srgbClr val="000000"/>
                   </a:solidFill>
@@ -10243,7 +10245,7 @@
             </a:ln>
             <a:extLst>
               <a:ext uri="{91240B29-F687-4f45-9708-019B960494DF}">
-                <a14:hiddenLine xmlns:a14="http://schemas.microsoft.com/office/drawing/2010/main" xmlns="" w="9525">
+                <a14:hiddenLine xmlns="" xmlns:a14="http://schemas.microsoft.com/office/drawing/2010/main" w="9525">
                   <a:solidFill>
                     <a:srgbClr val="000000"/>
                   </a:solidFill>
@@ -10532,7 +10534,7 @@
             </a:ln>
             <a:extLst>
               <a:ext uri="{91240B29-F687-4f45-9708-019B960494DF}">
-                <a14:hiddenLine xmlns:a14="http://schemas.microsoft.com/office/drawing/2010/main" xmlns="" w="9525">
+                <a14:hiddenLine xmlns="" xmlns:a14="http://schemas.microsoft.com/office/drawing/2010/main" w="9525">
                   <a:solidFill>
                     <a:srgbClr val="000000"/>
                   </a:solidFill>
@@ -11152,7 +11154,7 @@
             </a:ln>
             <a:extLst>
               <a:ext uri="{91240B29-F687-4f45-9708-019B960494DF}">
-                <a14:hiddenLine xmlns:a14="http://schemas.microsoft.com/office/drawing/2010/main" xmlns="" w="9525">
+                <a14:hiddenLine xmlns="" xmlns:a14="http://schemas.microsoft.com/office/drawing/2010/main" w="9525">
                   <a:solidFill>
                     <a:srgbClr val="000000"/>
                   </a:solidFill>
@@ -11326,7 +11328,7 @@
             </a:ln>
             <a:extLst>
               <a:ext uri="{91240B29-F687-4f45-9708-019B960494DF}">
-                <a14:hiddenLine xmlns:a14="http://schemas.microsoft.com/office/drawing/2010/main" xmlns="" w="9525">
+                <a14:hiddenLine xmlns="" xmlns:a14="http://schemas.microsoft.com/office/drawing/2010/main" w="9525">
                   <a:solidFill>
                     <a:srgbClr val="000000"/>
                   </a:solidFill>
@@ -11548,7 +11550,7 @@
             </a:ln>
             <a:extLst>
               <a:ext uri="{91240B29-F687-4f45-9708-019B960494DF}">
-                <a14:hiddenLine xmlns:a14="http://schemas.microsoft.com/office/drawing/2010/main" xmlns="" w="9525">
+                <a14:hiddenLine xmlns="" xmlns:a14="http://schemas.microsoft.com/office/drawing/2010/main" w="9525">
                   <a:solidFill>
                     <a:srgbClr val="000000"/>
                   </a:solidFill>
@@ -11861,7 +11863,7 @@
             </a:ln>
             <a:extLst>
               <a:ext uri="{91240B29-F687-4f45-9708-019B960494DF}">
-                <a14:hiddenLine xmlns:a14="http://schemas.microsoft.com/office/drawing/2010/main" xmlns="" w="9525">
+                <a14:hiddenLine xmlns="" xmlns:a14="http://schemas.microsoft.com/office/drawing/2010/main" w="9525">
                   <a:solidFill>
                     <a:srgbClr val="000000"/>
                   </a:solidFill>
@@ -12245,7 +12247,7 @@
             </a:ln>
             <a:extLst>
               <a:ext uri="{91240B29-F687-4f45-9708-019B960494DF}">
-                <a14:hiddenLine xmlns:a14="http://schemas.microsoft.com/office/drawing/2010/main" xmlns="" w="9525">
+                <a14:hiddenLine xmlns="" xmlns:a14="http://schemas.microsoft.com/office/drawing/2010/main" w="9525">
                   <a:solidFill>
                     <a:srgbClr val="000000"/>
                   </a:solidFill>
@@ -12438,7 +12440,7 @@
             </a:ln>
             <a:extLst>
               <a:ext uri="{91240B29-F687-4f45-9708-019B960494DF}">
-                <a14:hiddenLine xmlns:a14="http://schemas.microsoft.com/office/drawing/2010/main" xmlns="" w="9525">
+                <a14:hiddenLine xmlns="" xmlns:a14="http://schemas.microsoft.com/office/drawing/2010/main" w="9525">
                   <a:solidFill>
                     <a:srgbClr val="000000"/>
                   </a:solidFill>
@@ -12729,7 +12731,7 @@
             </a:ln>
             <a:extLst>
               <a:ext uri="{91240B29-F687-4f45-9708-019B960494DF}">
-                <a14:hiddenLine xmlns:a14="http://schemas.microsoft.com/office/drawing/2010/main" xmlns="" w="9525">
+                <a14:hiddenLine xmlns="" xmlns:a14="http://schemas.microsoft.com/office/drawing/2010/main" w="9525">
                   <a:solidFill>
                     <a:srgbClr val="000000"/>
                   </a:solidFill>
@@ -13118,7 +13120,7 @@
             </a:ln>
             <a:extLst>
               <a:ext uri="{91240B29-F687-4f45-9708-019B960494DF}">
-                <a14:hiddenLine xmlns:a14="http://schemas.microsoft.com/office/drawing/2010/main" xmlns="" w="9525">
+                <a14:hiddenLine xmlns="" xmlns:a14="http://schemas.microsoft.com/office/drawing/2010/main" w="9525">
                   <a:solidFill>
                     <a:srgbClr val="000000"/>
                   </a:solidFill>
@@ -13290,7 +13292,7 @@
             </a:ln>
             <a:extLst>
               <a:ext uri="{91240B29-F687-4f45-9708-019B960494DF}">
-                <a14:hiddenLine xmlns:a14="http://schemas.microsoft.com/office/drawing/2010/main" xmlns="" w="9525">
+                <a14:hiddenLine xmlns="" xmlns:a14="http://schemas.microsoft.com/office/drawing/2010/main" w="9525">
                   <a:solidFill>
                     <a:srgbClr val="000000"/>
                   </a:solidFill>
@@ -13510,7 +13512,7 @@
             </a:ln>
             <a:extLst>
               <a:ext uri="{91240B29-F687-4f45-9708-019B960494DF}">
-                <a14:hiddenLine xmlns:a14="http://schemas.microsoft.com/office/drawing/2010/main" xmlns="" w="9525">
+                <a14:hiddenLine xmlns="" xmlns:a14="http://schemas.microsoft.com/office/drawing/2010/main" w="9525">
                   <a:solidFill>
                     <a:srgbClr val="000000"/>
                   </a:solidFill>
@@ -13821,7 +13823,7 @@
             </a:ln>
             <a:extLst>
               <a:ext uri="{91240B29-F687-4f45-9708-019B960494DF}">
-                <a14:hiddenLine xmlns:a14="http://schemas.microsoft.com/office/drawing/2010/main" xmlns="" w="9525">
+                <a14:hiddenLine xmlns="" xmlns:a14="http://schemas.microsoft.com/office/drawing/2010/main" w="9525">
                   <a:solidFill>
                     <a:srgbClr val="000000"/>
                   </a:solidFill>
@@ -14203,7 +14205,7 @@
             </a:ln>
             <a:extLst>
               <a:ext uri="{91240B29-F687-4f45-9708-019B960494DF}">
-                <a14:hiddenLine xmlns:a14="http://schemas.microsoft.com/office/drawing/2010/main" xmlns="" w="9525">
+                <a14:hiddenLine xmlns="" xmlns:a14="http://schemas.microsoft.com/office/drawing/2010/main" w="9525">
                   <a:solidFill>
                     <a:srgbClr val="000000"/>
                   </a:solidFill>
@@ -14394,7 +14396,7 @@
             </a:ln>
             <a:extLst>
               <a:ext uri="{91240B29-F687-4f45-9708-019B960494DF}">
-                <a14:hiddenLine xmlns:a14="http://schemas.microsoft.com/office/drawing/2010/main" xmlns="" w="9525">
+                <a14:hiddenLine xmlns="" xmlns:a14="http://schemas.microsoft.com/office/drawing/2010/main" w="9525">
                   <a:solidFill>
                     <a:srgbClr val="000000"/>
                   </a:solidFill>
@@ -14683,7 +14685,7 @@
             </a:ln>
             <a:extLst>
               <a:ext uri="{91240B29-F687-4f45-9708-019B960494DF}">
-                <a14:hiddenLine xmlns:a14="http://schemas.microsoft.com/office/drawing/2010/main" xmlns="" w="9525">
+                <a14:hiddenLine xmlns="" xmlns:a14="http://schemas.microsoft.com/office/drawing/2010/main" w="9525">
                   <a:solidFill>
                     <a:srgbClr val="000000"/>
                   </a:solidFill>
@@ -15372,7 +15374,7 @@
             </a:ln>
             <a:extLst>
               <a:ext uri="{91240B29-F687-4f45-9708-019B960494DF}">
-                <a14:hiddenLine xmlns:a14="http://schemas.microsoft.com/office/drawing/2010/main" xmlns="" w="9525">
+                <a14:hiddenLine xmlns="" xmlns:a14="http://schemas.microsoft.com/office/drawing/2010/main" w="9525">
                   <a:solidFill>
                     <a:srgbClr val="000000"/>
                   </a:solidFill>
@@ -15546,7 +15548,7 @@
             </a:ln>
             <a:extLst>
               <a:ext uri="{91240B29-F687-4f45-9708-019B960494DF}">
-                <a14:hiddenLine xmlns:a14="http://schemas.microsoft.com/office/drawing/2010/main" xmlns="" w="9525">
+                <a14:hiddenLine xmlns="" xmlns:a14="http://schemas.microsoft.com/office/drawing/2010/main" w="9525">
                   <a:solidFill>
                     <a:srgbClr val="000000"/>
                   </a:solidFill>
@@ -15768,7 +15770,7 @@
             </a:ln>
             <a:extLst>
               <a:ext uri="{91240B29-F687-4f45-9708-019B960494DF}">
-                <a14:hiddenLine xmlns:a14="http://schemas.microsoft.com/office/drawing/2010/main" xmlns="" w="9525">
+                <a14:hiddenLine xmlns="" xmlns:a14="http://schemas.microsoft.com/office/drawing/2010/main" w="9525">
                   <a:solidFill>
                     <a:srgbClr val="000000"/>
                   </a:solidFill>
@@ -16081,7 +16083,7 @@
             </a:ln>
             <a:extLst>
               <a:ext uri="{91240B29-F687-4f45-9708-019B960494DF}">
-                <a14:hiddenLine xmlns:a14="http://schemas.microsoft.com/office/drawing/2010/main" xmlns="" w="9525">
+                <a14:hiddenLine xmlns="" xmlns:a14="http://schemas.microsoft.com/office/drawing/2010/main" w="9525">
                   <a:solidFill>
                     <a:srgbClr val="000000"/>
                   </a:solidFill>
@@ -16465,7 +16467,7 @@
             </a:ln>
             <a:extLst>
               <a:ext uri="{91240B29-F687-4f45-9708-019B960494DF}">
-                <a14:hiddenLine xmlns:a14="http://schemas.microsoft.com/office/drawing/2010/main" xmlns="" w="9525">
+                <a14:hiddenLine xmlns="" xmlns:a14="http://schemas.microsoft.com/office/drawing/2010/main" w="9525">
                   <a:solidFill>
                     <a:srgbClr val="000000"/>
                   </a:solidFill>
@@ -16658,7 +16660,7 @@
             </a:ln>
             <a:extLst>
               <a:ext uri="{91240B29-F687-4f45-9708-019B960494DF}">
-                <a14:hiddenLine xmlns:a14="http://schemas.microsoft.com/office/drawing/2010/main" xmlns="" w="9525">
+                <a14:hiddenLine xmlns="" xmlns:a14="http://schemas.microsoft.com/office/drawing/2010/main" w="9525">
                   <a:solidFill>
                     <a:srgbClr val="000000"/>
                   </a:solidFill>
@@ -16949,7 +16951,7 @@
             </a:ln>
             <a:extLst>
               <a:ext uri="{91240B29-F687-4f45-9708-019B960494DF}">
-                <a14:hiddenLine xmlns:a14="http://schemas.microsoft.com/office/drawing/2010/main" xmlns="" w="9525">
+                <a14:hiddenLine xmlns="" xmlns:a14="http://schemas.microsoft.com/office/drawing/2010/main" w="9525">
                   <a:solidFill>
                     <a:srgbClr val="000000"/>
                   </a:solidFill>
@@ -17594,7 +17596,7 @@
             </a:ln>
             <a:extLst>
               <a:ext uri="{91240B29-F687-4f45-9708-019B960494DF}">
-                <a14:hiddenLine xmlns:a14="http://schemas.microsoft.com/office/drawing/2010/main" xmlns="" w="9525">
+                <a14:hiddenLine xmlns="" xmlns:a14="http://schemas.microsoft.com/office/drawing/2010/main" w="9525">
                   <a:solidFill>
                     <a:srgbClr val="000000"/>
                   </a:solidFill>
@@ -17766,7 +17768,7 @@
             </a:ln>
             <a:extLst>
               <a:ext uri="{91240B29-F687-4f45-9708-019B960494DF}">
-                <a14:hiddenLine xmlns:a14="http://schemas.microsoft.com/office/drawing/2010/main" xmlns="" w="9525">
+                <a14:hiddenLine xmlns="" xmlns:a14="http://schemas.microsoft.com/office/drawing/2010/main" w="9525">
                   <a:solidFill>
                     <a:srgbClr val="000000"/>
                   </a:solidFill>
@@ -17986,7 +17988,7 @@
             </a:ln>
             <a:extLst>
               <a:ext uri="{91240B29-F687-4f45-9708-019B960494DF}">
-                <a14:hiddenLine xmlns:a14="http://schemas.microsoft.com/office/drawing/2010/main" xmlns="" w="9525">
+                <a14:hiddenLine xmlns="" xmlns:a14="http://schemas.microsoft.com/office/drawing/2010/main" w="9525">
                   <a:solidFill>
                     <a:srgbClr val="000000"/>
                   </a:solidFill>
@@ -18297,7 +18299,7 @@
             </a:ln>
             <a:extLst>
               <a:ext uri="{91240B29-F687-4f45-9708-019B960494DF}">
-                <a14:hiddenLine xmlns:a14="http://schemas.microsoft.com/office/drawing/2010/main" xmlns="" w="9525">
+                <a14:hiddenLine xmlns="" xmlns:a14="http://schemas.microsoft.com/office/drawing/2010/main" w="9525">
                   <a:solidFill>
                     <a:srgbClr val="000000"/>
                   </a:solidFill>
@@ -18679,7 +18681,7 @@
             </a:ln>
             <a:extLst>
               <a:ext uri="{91240B29-F687-4f45-9708-019B960494DF}">
-                <a14:hiddenLine xmlns:a14="http://schemas.microsoft.com/office/drawing/2010/main" xmlns="" w="9525">
+                <a14:hiddenLine xmlns="" xmlns:a14="http://schemas.microsoft.com/office/drawing/2010/main" w="9525">
                   <a:solidFill>
                     <a:srgbClr val="000000"/>
                   </a:solidFill>
@@ -18870,7 +18872,7 @@
             </a:ln>
             <a:extLst>
               <a:ext uri="{91240B29-F687-4f45-9708-019B960494DF}">
-                <a14:hiddenLine xmlns:a14="http://schemas.microsoft.com/office/drawing/2010/main" xmlns="" w="9525">
+                <a14:hiddenLine xmlns="" xmlns:a14="http://schemas.microsoft.com/office/drawing/2010/main" w="9525">
                   <a:solidFill>
                     <a:srgbClr val="000000"/>
                   </a:solidFill>
@@ -19159,7 +19161,7 @@
             </a:ln>
             <a:extLst>
               <a:ext uri="{91240B29-F687-4f45-9708-019B960494DF}">
-                <a14:hiddenLine xmlns:a14="http://schemas.microsoft.com/office/drawing/2010/main" xmlns="" w="9525">
+                <a14:hiddenLine xmlns="" xmlns:a14="http://schemas.microsoft.com/office/drawing/2010/main" w="9525">
                   <a:solidFill>
                     <a:srgbClr val="000000"/>
                   </a:solidFill>
@@ -19807,7 +19809,7 @@
             </a:ln>
             <a:extLst>
               <a:ext uri="{91240B29-F687-4f45-9708-019B960494DF}">
-                <a14:hiddenLine xmlns:a14="http://schemas.microsoft.com/office/drawing/2010/main" xmlns="" w="9525">
+                <a14:hiddenLine xmlns="" xmlns:a14="http://schemas.microsoft.com/office/drawing/2010/main" w="9525">
                   <a:solidFill>
                     <a:srgbClr val="000000"/>
                   </a:solidFill>
@@ -19981,7 +19983,7 @@
             </a:ln>
             <a:extLst>
               <a:ext uri="{91240B29-F687-4f45-9708-019B960494DF}">
-                <a14:hiddenLine xmlns:a14="http://schemas.microsoft.com/office/drawing/2010/main" xmlns="" w="9525">
+                <a14:hiddenLine xmlns="" xmlns:a14="http://schemas.microsoft.com/office/drawing/2010/main" w="9525">
                   <a:solidFill>
                     <a:srgbClr val="000000"/>
                   </a:solidFill>
@@ -20203,7 +20205,7 @@
             </a:ln>
             <a:extLst>
               <a:ext uri="{91240B29-F687-4f45-9708-019B960494DF}">
-                <a14:hiddenLine xmlns:a14="http://schemas.microsoft.com/office/drawing/2010/main" xmlns="" w="9525">
+                <a14:hiddenLine xmlns="" xmlns:a14="http://schemas.microsoft.com/office/drawing/2010/main" w="9525">
                   <a:solidFill>
                     <a:srgbClr val="000000"/>
                   </a:solidFill>
@@ -20516,7 +20518,7 @@
             </a:ln>
             <a:extLst>
               <a:ext uri="{91240B29-F687-4f45-9708-019B960494DF}">
-                <a14:hiddenLine xmlns:a14="http://schemas.microsoft.com/office/drawing/2010/main" xmlns="" w="9525">
+                <a14:hiddenLine xmlns="" xmlns:a14="http://schemas.microsoft.com/office/drawing/2010/main" w="9525">
                   <a:solidFill>
                     <a:srgbClr val="000000"/>
                   </a:solidFill>
@@ -20900,7 +20902,7 @@
             </a:ln>
             <a:extLst>
               <a:ext uri="{91240B29-F687-4f45-9708-019B960494DF}">
-                <a14:hiddenLine xmlns:a14="http://schemas.microsoft.com/office/drawing/2010/main" xmlns="" w="9525">
+                <a14:hiddenLine xmlns="" xmlns:a14="http://schemas.microsoft.com/office/drawing/2010/main" w="9525">
                   <a:solidFill>
                     <a:srgbClr val="000000"/>
                   </a:solidFill>
@@ -21093,7 +21095,7 @@
             </a:ln>
             <a:extLst>
               <a:ext uri="{91240B29-F687-4f45-9708-019B960494DF}">
-                <a14:hiddenLine xmlns:a14="http://schemas.microsoft.com/office/drawing/2010/main" xmlns="" w="9525">
+                <a14:hiddenLine xmlns="" xmlns:a14="http://schemas.microsoft.com/office/drawing/2010/main" w="9525">
                   <a:solidFill>
                     <a:srgbClr val="000000"/>
                   </a:solidFill>
@@ -21384,7 +21386,7 @@
             </a:ln>
             <a:extLst>
               <a:ext uri="{91240B29-F687-4f45-9708-019B960494DF}">
-                <a14:hiddenLine xmlns:a14="http://schemas.microsoft.com/office/drawing/2010/main" xmlns="" w="9525">
+                <a14:hiddenLine xmlns="" xmlns:a14="http://schemas.microsoft.com/office/drawing/2010/main" w="9525">
                   <a:solidFill>
                     <a:srgbClr val="000000"/>
                   </a:solidFill>
@@ -22936,7 +22938,7 @@
             </a:ln>
             <a:extLst>
               <a:ext uri="{91240B29-F687-4f45-9708-019B960494DF}">
-                <a14:hiddenLine xmlns:a14="http://schemas.microsoft.com/office/drawing/2010/main" xmlns="" w="9525">
+                <a14:hiddenLine xmlns="" xmlns:a14="http://schemas.microsoft.com/office/drawing/2010/main" w="9525">
                   <a:solidFill>
                     <a:srgbClr val="000000"/>
                   </a:solidFill>
@@ -23110,7 +23112,7 @@
             </a:ln>
             <a:extLst>
               <a:ext uri="{91240B29-F687-4f45-9708-019B960494DF}">
-                <a14:hiddenLine xmlns:a14="http://schemas.microsoft.com/office/drawing/2010/main" xmlns="" w="9525">
+                <a14:hiddenLine xmlns="" xmlns:a14="http://schemas.microsoft.com/office/drawing/2010/main" w="9525">
                   <a:solidFill>
                     <a:srgbClr val="000000"/>
                   </a:solidFill>
@@ -23332,7 +23334,7 @@
             </a:ln>
             <a:extLst>
               <a:ext uri="{91240B29-F687-4f45-9708-019B960494DF}">
-                <a14:hiddenLine xmlns:a14="http://schemas.microsoft.com/office/drawing/2010/main" xmlns="" w="9525">
+                <a14:hiddenLine xmlns="" xmlns:a14="http://schemas.microsoft.com/office/drawing/2010/main" w="9525">
                   <a:solidFill>
                     <a:srgbClr val="000000"/>
                   </a:solidFill>
@@ -23645,7 +23647,7 @@
             </a:ln>
             <a:extLst>
               <a:ext uri="{91240B29-F687-4f45-9708-019B960494DF}">
-                <a14:hiddenLine xmlns:a14="http://schemas.microsoft.com/office/drawing/2010/main" xmlns="" w="9525">
+                <a14:hiddenLine xmlns="" xmlns:a14="http://schemas.microsoft.com/office/drawing/2010/main" w="9525">
                   <a:solidFill>
                     <a:srgbClr val="000000"/>
                   </a:solidFill>
@@ -24029,7 +24031,7 @@
             </a:ln>
             <a:extLst>
               <a:ext uri="{91240B29-F687-4f45-9708-019B960494DF}">
-                <a14:hiddenLine xmlns:a14="http://schemas.microsoft.com/office/drawing/2010/main" xmlns="" w="9525">
+                <a14:hiddenLine xmlns="" xmlns:a14="http://schemas.microsoft.com/office/drawing/2010/main" w="9525">
                   <a:solidFill>
                     <a:srgbClr val="000000"/>
                   </a:solidFill>
@@ -24222,7 +24224,7 @@
             </a:ln>
             <a:extLst>
               <a:ext uri="{91240B29-F687-4f45-9708-019B960494DF}">
-                <a14:hiddenLine xmlns:a14="http://schemas.microsoft.com/office/drawing/2010/main" xmlns="" w="9525">
+                <a14:hiddenLine xmlns="" xmlns:a14="http://schemas.microsoft.com/office/drawing/2010/main" w="9525">
                   <a:solidFill>
                     <a:srgbClr val="000000"/>
                   </a:solidFill>
@@ -24513,7 +24515,7 @@
             </a:ln>
             <a:extLst>
               <a:ext uri="{91240B29-F687-4f45-9708-019B960494DF}">
-                <a14:hiddenLine xmlns:a14="http://schemas.microsoft.com/office/drawing/2010/main" xmlns="" w="9525">
+                <a14:hiddenLine xmlns="" xmlns:a14="http://schemas.microsoft.com/office/drawing/2010/main" w="9525">
                   <a:solidFill>
                     <a:srgbClr val="000000"/>
                   </a:solidFill>
@@ -25010,7 +25012,7 @@
             </a:ln>
             <a:extLst>
               <a:ext uri="{91240B29-F687-4f45-9708-019B960494DF}">
-                <a14:hiddenLine xmlns:a14="http://schemas.microsoft.com/office/drawing/2010/main" xmlns="" w="9525">
+                <a14:hiddenLine xmlns="" xmlns:a14="http://schemas.microsoft.com/office/drawing/2010/main" w="9525">
                   <a:solidFill>
                     <a:srgbClr val="000000"/>
                   </a:solidFill>
@@ -25184,7 +25186,7 @@
             </a:ln>
             <a:extLst>
               <a:ext uri="{91240B29-F687-4f45-9708-019B960494DF}">
-                <a14:hiddenLine xmlns:a14="http://schemas.microsoft.com/office/drawing/2010/main" xmlns="" w="9525">
+                <a14:hiddenLine xmlns="" xmlns:a14="http://schemas.microsoft.com/office/drawing/2010/main" w="9525">
                   <a:solidFill>
                     <a:srgbClr val="000000"/>
                   </a:solidFill>
@@ -25406,7 +25408,7 @@
             </a:ln>
             <a:extLst>
               <a:ext uri="{91240B29-F687-4f45-9708-019B960494DF}">
-                <a14:hiddenLine xmlns:a14="http://schemas.microsoft.com/office/drawing/2010/main" xmlns="" w="9525">
+                <a14:hiddenLine xmlns="" xmlns:a14="http://schemas.microsoft.com/office/drawing/2010/main" w="9525">
                   <a:solidFill>
                     <a:srgbClr val="000000"/>
                   </a:solidFill>
@@ -25719,7 +25721,7 @@
             </a:ln>
             <a:extLst>
               <a:ext uri="{91240B29-F687-4f45-9708-019B960494DF}">
-                <a14:hiddenLine xmlns:a14="http://schemas.microsoft.com/office/drawing/2010/main" xmlns="" w="9525">
+                <a14:hiddenLine xmlns="" xmlns:a14="http://schemas.microsoft.com/office/drawing/2010/main" w="9525">
                   <a:solidFill>
                     <a:srgbClr val="000000"/>
                   </a:solidFill>
@@ -26103,7 +26105,7 @@
             </a:ln>
             <a:extLst>
               <a:ext uri="{91240B29-F687-4f45-9708-019B960494DF}">
-                <a14:hiddenLine xmlns:a14="http://schemas.microsoft.com/office/drawing/2010/main" xmlns="" w="9525">
+                <a14:hiddenLine xmlns="" xmlns:a14="http://schemas.microsoft.com/office/drawing/2010/main" w="9525">
                   <a:solidFill>
                     <a:srgbClr val="000000"/>
                   </a:solidFill>
@@ -26296,7 +26298,7 @@
             </a:ln>
             <a:extLst>
               <a:ext uri="{91240B29-F687-4f45-9708-019B960494DF}">
-                <a14:hiddenLine xmlns:a14="http://schemas.microsoft.com/office/drawing/2010/main" xmlns="" w="9525">
+                <a14:hiddenLine xmlns="" xmlns:a14="http://schemas.microsoft.com/office/drawing/2010/main" w="9525">
                   <a:solidFill>
                     <a:srgbClr val="000000"/>
                   </a:solidFill>
@@ -26587,7 +26589,7 @@
             </a:ln>
             <a:extLst>
               <a:ext uri="{91240B29-F687-4f45-9708-019B960494DF}">
-                <a14:hiddenLine xmlns:a14="http://schemas.microsoft.com/office/drawing/2010/main" xmlns="" w="9525">
+                <a14:hiddenLine xmlns="" xmlns:a14="http://schemas.microsoft.com/office/drawing/2010/main" w="9525">
                   <a:solidFill>
                     <a:srgbClr val="000000"/>
                   </a:solidFill>
@@ -27085,7 +27087,7 @@
             </a:ln>
             <a:extLst>
               <a:ext uri="{91240B29-F687-4f45-9708-019B960494DF}">
-                <a14:hiddenLine xmlns:a14="http://schemas.microsoft.com/office/drawing/2010/main" xmlns="" w="9525">
+                <a14:hiddenLine xmlns="" xmlns:a14="http://schemas.microsoft.com/office/drawing/2010/main" w="9525">
                   <a:solidFill>
                     <a:srgbClr val="000000"/>
                   </a:solidFill>
@@ -27257,7 +27259,7 @@
             </a:ln>
             <a:extLst>
               <a:ext uri="{91240B29-F687-4f45-9708-019B960494DF}">
-                <a14:hiddenLine xmlns:a14="http://schemas.microsoft.com/office/drawing/2010/main" xmlns="" w="9525">
+                <a14:hiddenLine xmlns="" xmlns:a14="http://schemas.microsoft.com/office/drawing/2010/main" w="9525">
                   <a:solidFill>
                     <a:srgbClr val="000000"/>
                   </a:solidFill>
@@ -27477,7 +27479,7 @@
             </a:ln>
             <a:extLst>
               <a:ext uri="{91240B29-F687-4f45-9708-019B960494DF}">
-                <a14:hiddenLine xmlns:a14="http://schemas.microsoft.com/office/drawing/2010/main" xmlns="" w="9525">
+                <a14:hiddenLine xmlns="" xmlns:a14="http://schemas.microsoft.com/office/drawing/2010/main" w="9525">
                   <a:solidFill>
                     <a:srgbClr val="000000"/>
                   </a:solidFill>
@@ -27788,7 +27790,7 @@
             </a:ln>
             <a:extLst>
               <a:ext uri="{91240B29-F687-4f45-9708-019B960494DF}">
-                <a14:hiddenLine xmlns:a14="http://schemas.microsoft.com/office/drawing/2010/main" xmlns="" w="9525">
+                <a14:hiddenLine xmlns="" xmlns:a14="http://schemas.microsoft.com/office/drawing/2010/main" w="9525">
                   <a:solidFill>
                     <a:srgbClr val="000000"/>
                   </a:solidFill>
@@ -28170,7 +28172,7 @@
             </a:ln>
             <a:extLst>
               <a:ext uri="{91240B29-F687-4f45-9708-019B960494DF}">
-                <a14:hiddenLine xmlns:a14="http://schemas.microsoft.com/office/drawing/2010/main" xmlns="" w="9525">
+                <a14:hiddenLine xmlns="" xmlns:a14="http://schemas.microsoft.com/office/drawing/2010/main" w="9525">
                   <a:solidFill>
                     <a:srgbClr val="000000"/>
                   </a:solidFill>
@@ -28361,7 +28363,7 @@
             </a:ln>
             <a:extLst>
               <a:ext uri="{91240B29-F687-4f45-9708-019B960494DF}">
-                <a14:hiddenLine xmlns:a14="http://schemas.microsoft.com/office/drawing/2010/main" xmlns="" w="9525">
+                <a14:hiddenLine xmlns="" xmlns:a14="http://schemas.microsoft.com/office/drawing/2010/main" w="9525">
                   <a:solidFill>
                     <a:srgbClr val="000000"/>
                   </a:solidFill>
@@ -28650,7 +28652,7 @@
             </a:ln>
             <a:extLst>
               <a:ext uri="{91240B29-F687-4f45-9708-019B960494DF}">
-                <a14:hiddenLine xmlns:a14="http://schemas.microsoft.com/office/drawing/2010/main" xmlns="" w="9525">
+                <a14:hiddenLine xmlns="" xmlns:a14="http://schemas.microsoft.com/office/drawing/2010/main" w="9525">
                   <a:solidFill>
                     <a:srgbClr val="000000"/>
                   </a:solidFill>
@@ -29568,7 +29570,7 @@
             </a:ln>
             <a:extLst>
               <a:ext uri="{91240B29-F687-4f45-9708-019B960494DF}">
-                <a14:hiddenLine xmlns:a14="http://schemas.microsoft.com/office/drawing/2010/main" xmlns="" w="9525">
+                <a14:hiddenLine xmlns="" xmlns:a14="http://schemas.microsoft.com/office/drawing/2010/main" w="9525">
                   <a:solidFill>
                     <a:srgbClr val="000000"/>
                   </a:solidFill>
@@ -29742,7 +29744,7 @@
             </a:ln>
             <a:extLst>
               <a:ext uri="{91240B29-F687-4f45-9708-019B960494DF}">
-                <a14:hiddenLine xmlns:a14="http://schemas.microsoft.com/office/drawing/2010/main" xmlns="" w="9525">
+                <a14:hiddenLine xmlns="" xmlns:a14="http://schemas.microsoft.com/office/drawing/2010/main" w="9525">
                   <a:solidFill>
                     <a:srgbClr val="000000"/>
                   </a:solidFill>
@@ -29964,7 +29966,7 @@
             </a:ln>
             <a:extLst>
               <a:ext uri="{91240B29-F687-4f45-9708-019B960494DF}">
-                <a14:hiddenLine xmlns:a14="http://schemas.microsoft.com/office/drawing/2010/main" xmlns="" w="9525">
+                <a14:hiddenLine xmlns="" xmlns:a14="http://schemas.microsoft.com/office/drawing/2010/main" w="9525">
                   <a:solidFill>
                     <a:srgbClr val="000000"/>
                   </a:solidFill>
@@ -30277,7 +30279,7 @@
             </a:ln>
             <a:extLst>
               <a:ext uri="{91240B29-F687-4f45-9708-019B960494DF}">
-                <a14:hiddenLine xmlns:a14="http://schemas.microsoft.com/office/drawing/2010/main" xmlns="" w="9525">
+                <a14:hiddenLine xmlns="" xmlns:a14="http://schemas.microsoft.com/office/drawing/2010/main" w="9525">
                   <a:solidFill>
                     <a:srgbClr val="000000"/>
                   </a:solidFill>
@@ -30661,7 +30663,7 @@
             </a:ln>
             <a:extLst>
               <a:ext uri="{91240B29-F687-4f45-9708-019B960494DF}">
-                <a14:hiddenLine xmlns:a14="http://schemas.microsoft.com/office/drawing/2010/main" xmlns="" w="9525">
+                <a14:hiddenLine xmlns="" xmlns:a14="http://schemas.microsoft.com/office/drawing/2010/main" w="9525">
                   <a:solidFill>
                     <a:srgbClr val="000000"/>
                   </a:solidFill>
@@ -30854,7 +30856,7 @@
             </a:ln>
             <a:extLst>
               <a:ext uri="{91240B29-F687-4f45-9708-019B960494DF}">
-                <a14:hiddenLine xmlns:a14="http://schemas.microsoft.com/office/drawing/2010/main" xmlns="" w="9525">
+                <a14:hiddenLine xmlns="" xmlns:a14="http://schemas.microsoft.com/office/drawing/2010/main" w="9525">
                   <a:solidFill>
                     <a:srgbClr val="000000"/>
                   </a:solidFill>
@@ -31145,7 +31147,7 @@
             </a:ln>
             <a:extLst>
               <a:ext uri="{91240B29-F687-4f45-9708-019B960494DF}">
-                <a14:hiddenLine xmlns:a14="http://schemas.microsoft.com/office/drawing/2010/main" xmlns="" w="9525">
+                <a14:hiddenLine xmlns="" xmlns:a14="http://schemas.microsoft.com/office/drawing/2010/main" w="9525">
                   <a:solidFill>
                     <a:srgbClr val="000000"/>
                   </a:solidFill>
@@ -31507,7 +31509,7 @@
             </a:ln>
             <a:extLst>
               <a:ext uri="{91240B29-F687-4f45-9708-019B960494DF}">
-                <a14:hiddenLine xmlns:a14="http://schemas.microsoft.com/office/drawing/2010/main" xmlns="" w="9525">
+                <a14:hiddenLine xmlns="" xmlns:a14="http://schemas.microsoft.com/office/drawing/2010/main" w="9525">
                   <a:solidFill>
                     <a:srgbClr val="000000"/>
                   </a:solidFill>
@@ -31679,7 +31681,7 @@
             </a:ln>
             <a:extLst>
               <a:ext uri="{91240B29-F687-4f45-9708-019B960494DF}">
-                <a14:hiddenLine xmlns:a14="http://schemas.microsoft.com/office/drawing/2010/main" xmlns="" w="9525">
+                <a14:hiddenLine xmlns="" xmlns:a14="http://schemas.microsoft.com/office/drawing/2010/main" w="9525">
                   <a:solidFill>
                     <a:srgbClr val="000000"/>
                   </a:solidFill>
@@ -31899,7 +31901,7 @@
             </a:ln>
             <a:extLst>
               <a:ext uri="{91240B29-F687-4f45-9708-019B960494DF}">
-                <a14:hiddenLine xmlns:a14="http://schemas.microsoft.com/office/drawing/2010/main" xmlns="" w="9525">
+                <a14:hiddenLine xmlns="" xmlns:a14="http://schemas.microsoft.com/office/drawing/2010/main" w="9525">
                   <a:solidFill>
                     <a:srgbClr val="000000"/>
                   </a:solidFill>
@@ -32210,7 +32212,7 @@
             </a:ln>
             <a:extLst>
               <a:ext uri="{91240B29-F687-4f45-9708-019B960494DF}">
-                <a14:hiddenLine xmlns:a14="http://schemas.microsoft.com/office/drawing/2010/main" xmlns="" w="9525">
+                <a14:hiddenLine xmlns="" xmlns:a14="http://schemas.microsoft.com/office/drawing/2010/main" w="9525">
                   <a:solidFill>
                     <a:srgbClr val="000000"/>
                   </a:solidFill>
@@ -32592,7 +32594,7 @@
             </a:ln>
             <a:extLst>
               <a:ext uri="{91240B29-F687-4f45-9708-019B960494DF}">
-                <a14:hiddenLine xmlns:a14="http://schemas.microsoft.com/office/drawing/2010/main" xmlns="" w="9525">
+                <a14:hiddenLine xmlns="" xmlns:a14="http://schemas.microsoft.com/office/drawing/2010/main" w="9525">
                   <a:solidFill>
                     <a:srgbClr val="000000"/>
                   </a:solidFill>
@@ -32783,7 +32785,7 @@
             </a:ln>
             <a:extLst>
               <a:ext uri="{91240B29-F687-4f45-9708-019B960494DF}">
-                <a14:hiddenLine xmlns:a14="http://schemas.microsoft.com/office/drawing/2010/main" xmlns="" w="9525">
+                <a14:hiddenLine xmlns="" xmlns:a14="http://schemas.microsoft.com/office/drawing/2010/main" w="9525">
                   <a:solidFill>
                     <a:srgbClr val="000000"/>
                   </a:solidFill>
@@ -33072,7 +33074,7 @@
             </a:ln>
             <a:extLst>
               <a:ext uri="{91240B29-F687-4f45-9708-019B960494DF}">
-                <a14:hiddenLine xmlns:a14="http://schemas.microsoft.com/office/drawing/2010/main" xmlns="" w="9525">
+                <a14:hiddenLine xmlns="" xmlns:a14="http://schemas.microsoft.com/office/drawing/2010/main" w="9525">
                   <a:solidFill>
                     <a:srgbClr val="000000"/>
                   </a:solidFill>
@@ -33714,7 +33716,7 @@
             </a:ln>
             <a:extLst>
               <a:ext uri="{91240B29-F687-4f45-9708-019B960494DF}">
-                <a14:hiddenLine xmlns:a14="http://schemas.microsoft.com/office/drawing/2010/main" xmlns="" w="9525">
+                <a14:hiddenLine xmlns="" xmlns:a14="http://schemas.microsoft.com/office/drawing/2010/main" w="9525">
                   <a:solidFill>
                     <a:srgbClr val="000000"/>
                   </a:solidFill>
@@ -33888,7 +33890,7 @@
             </a:ln>
             <a:extLst>
               <a:ext uri="{91240B29-F687-4f45-9708-019B960494DF}">
-                <a14:hiddenLine xmlns:a14="http://schemas.microsoft.com/office/drawing/2010/main" xmlns="" w="9525">
+                <a14:hiddenLine xmlns="" xmlns:a14="http://schemas.microsoft.com/office/drawing/2010/main" w="9525">
                   <a:solidFill>
                     <a:srgbClr val="000000"/>
                   </a:solidFill>
@@ -34110,7 +34112,7 @@
             </a:ln>
             <a:extLst>
               <a:ext uri="{91240B29-F687-4f45-9708-019B960494DF}">
-                <a14:hiddenLine xmlns:a14="http://schemas.microsoft.com/office/drawing/2010/main" xmlns="" w="9525">
+                <a14:hiddenLine xmlns="" xmlns:a14="http://schemas.microsoft.com/office/drawing/2010/main" w="9525">
                   <a:solidFill>
                     <a:srgbClr val="000000"/>
                   </a:solidFill>
@@ -34423,7 +34425,7 @@
             </a:ln>
             <a:extLst>
               <a:ext uri="{91240B29-F687-4f45-9708-019B960494DF}">
-                <a14:hiddenLine xmlns:a14="http://schemas.microsoft.com/office/drawing/2010/main" xmlns="" w="9525">
+                <a14:hiddenLine xmlns="" xmlns:a14="http://schemas.microsoft.com/office/drawing/2010/main" w="9525">
                   <a:solidFill>
                     <a:srgbClr val="000000"/>
                   </a:solidFill>
@@ -34807,7 +34809,7 @@
             </a:ln>
             <a:extLst>
               <a:ext uri="{91240B29-F687-4f45-9708-019B960494DF}">
-                <a14:hiddenLine xmlns:a14="http://schemas.microsoft.com/office/drawing/2010/main" xmlns="" w="9525">
+                <a14:hiddenLine xmlns="" xmlns:a14="http://schemas.microsoft.com/office/drawing/2010/main" w="9525">
                   <a:solidFill>
                     <a:srgbClr val="000000"/>
                   </a:solidFill>
@@ -35000,7 +35002,7 @@
             </a:ln>
             <a:extLst>
               <a:ext uri="{91240B29-F687-4f45-9708-019B960494DF}">
-                <a14:hiddenLine xmlns:a14="http://schemas.microsoft.com/office/drawing/2010/main" xmlns="" w="9525">
+                <a14:hiddenLine xmlns="" xmlns:a14="http://schemas.microsoft.com/office/drawing/2010/main" w="9525">
                   <a:solidFill>
                     <a:srgbClr val="000000"/>
                   </a:solidFill>
@@ -35291,7 +35293,7 @@
             </a:ln>
             <a:extLst>
               <a:ext uri="{91240B29-F687-4f45-9708-019B960494DF}">
-                <a14:hiddenLine xmlns:a14="http://schemas.microsoft.com/office/drawing/2010/main" xmlns="" w="9525">
+                <a14:hiddenLine xmlns="" xmlns:a14="http://schemas.microsoft.com/office/drawing/2010/main" w="9525">
                   <a:solidFill>
                     <a:srgbClr val="000000"/>
                   </a:solidFill>
@@ -36015,10 +36017,126 @@
   <p:clrMapOvr>
     <a:masterClrMapping/>
   </p:clrMapOvr>
+  <p:timing>
+    <p:tnLst>
+      <p:par>
+        <p:cTn id="1" dur="indefinite" restart="never" nodeType="tmRoot"/>
+      </p:par>
+    </p:tnLst>
+  </p:timing>
 </p:sld>
 </file>
 
 <file path=ppt/slides/slide2.xml><?xml version="1.0" encoding="utf-8"?>
+<p:sld xmlns:a="http://schemas.openxmlformats.org/drawingml/2006/main" xmlns:r="http://schemas.openxmlformats.org/officeDocument/2006/relationships" xmlns:p="http://schemas.openxmlformats.org/presentationml/2006/main">
+  <p:cSld>
+    <p:spTree>
+      <p:nvGrpSpPr>
+        <p:cNvPr id="1" name=""/>
+        <p:cNvGrpSpPr/>
+        <p:nvPr/>
+      </p:nvGrpSpPr>
+      <p:grpSpPr>
+        <a:xfrm>
+          <a:off x="0" y="0"/>
+          <a:ext cx="0" cy="0"/>
+          <a:chOff x="0" y="0"/>
+          <a:chExt cx="0" cy="0"/>
+        </a:xfrm>
+      </p:grpSpPr>
+      <p:sp>
+        <p:nvSpPr>
+          <p:cNvPr id="6" name="Title 5"/>
+          <p:cNvSpPr>
+            <a:spLocks noGrp="1"/>
+          </p:cNvSpPr>
+          <p:nvPr>
+            <p:ph type="title"/>
+          </p:nvPr>
+        </p:nvSpPr>
+        <p:spPr/>
+        <p:txBody>
+          <a:bodyPr/>
+          <a:lstStyle/>
+          <a:p>
+            <a:r>
+              <a:rPr lang="en-US" dirty="0" smtClean="0"/>
+              <a:t>Pilot</a:t>
+            </a:r>
+            <a:endParaRPr lang="en-US" dirty="0"/>
+          </a:p>
+        </p:txBody>
+      </p:sp>
+      <p:sp>
+        <p:nvSpPr>
+          <p:cNvPr id="7" name="Content Placeholder 6"/>
+          <p:cNvSpPr>
+            <a:spLocks noGrp="1"/>
+          </p:cNvSpPr>
+          <p:nvPr>
+            <p:ph idx="1"/>
+          </p:nvPr>
+        </p:nvSpPr>
+        <p:spPr/>
+        <p:txBody>
+          <a:bodyPr/>
+          <a:lstStyle/>
+          <a:p>
+            <a:r>
+              <a:rPr lang="en-US" sz="3600" dirty="0" smtClean="0"/>
+              <a:t>Are the timings correct?</a:t>
+            </a:r>
+          </a:p>
+          <a:p>
+            <a:r>
+              <a:rPr lang="en-US" sz="3600" dirty="0" smtClean="0"/>
+              <a:t>Is it too difficult / not difficult enough? </a:t>
+            </a:r>
+          </a:p>
+          <a:p>
+            <a:r>
+              <a:rPr lang="en-US" sz="3600" dirty="0" smtClean="0"/>
+              <a:t>How much help is required? </a:t>
+            </a:r>
+          </a:p>
+          <a:p>
+            <a:r>
+              <a:rPr lang="en-US" sz="3600" dirty="0" smtClean="0"/>
+              <a:t>Are the projects interesting enough? </a:t>
+            </a:r>
+          </a:p>
+          <a:p>
+            <a:r>
+              <a:rPr lang="en-US" sz="3600" dirty="0" smtClean="0"/>
+              <a:t>Is the range of difficulties suitable? </a:t>
+            </a:r>
+          </a:p>
+          <a:p>
+            <a:endParaRPr lang="en-US" sz="3600" dirty="0" smtClean="0"/>
+          </a:p>
+        </p:txBody>
+      </p:sp>
+    </p:spTree>
+    <p:extLst>
+      <p:ext uri="{BB962C8B-B14F-4D97-AF65-F5344CB8AC3E}">
+        <p14:creationId xmlns:p14="http://schemas.microsoft.com/office/powerpoint/2010/main" val="668924085"/>
+      </p:ext>
+    </p:extLst>
+  </p:cSld>
+  <p:clrMapOvr>
+    <a:masterClrMapping/>
+  </p:clrMapOvr>
+  <p:timing>
+    <p:tnLst>
+      <p:par>
+        <p:cTn id="1" dur="indefinite" restart="never" nodeType="tmRoot"/>
+      </p:par>
+    </p:tnLst>
+  </p:timing>
+</p:sld>
+</file>
+
+<file path=ppt/slides/slide3.xml><?xml version="1.0" encoding="utf-8"?>
 <p:sld xmlns:a="http://schemas.openxmlformats.org/drawingml/2006/main" xmlns:r="http://schemas.openxmlformats.org/officeDocument/2006/relationships" xmlns:p="http://schemas.openxmlformats.org/presentationml/2006/main">
   <p:cSld>
     <p:spTree>
@@ -36143,10 +36261,17 @@
   <p:clrMapOvr>
     <a:masterClrMapping/>
   </p:clrMapOvr>
+  <p:timing>
+    <p:tnLst>
+      <p:par>
+        <p:cTn id="1" dur="indefinite" restart="never" nodeType="tmRoot"/>
+      </p:par>
+    </p:tnLst>
+  </p:timing>
 </p:sld>
 </file>
 
-<file path=ppt/slides/slide3.xml><?xml version="1.0" encoding="utf-8"?>
+<file path=ppt/slides/slide4.xml><?xml version="1.0" encoding="utf-8"?>
 <p:sld xmlns:a="http://schemas.openxmlformats.org/drawingml/2006/main" xmlns:r="http://schemas.openxmlformats.org/officeDocument/2006/relationships" xmlns:p="http://schemas.openxmlformats.org/presentationml/2006/main">
   <p:cSld>
     <p:spTree>
@@ -36382,7 +36507,6 @@
               <a:rPr lang="en-US" dirty="0"/>
               <a:t>-guide/</a:t>
             </a:r>
-            <a:endParaRPr lang="en-US" dirty="0"/>
           </a:p>
         </p:txBody>
       </p:sp>
@@ -36426,7 +36550,7 @@
           <a:p>
             <a:fld id="{6EA6D8CF-3CDE-4807-BCD2-C9F2B831AAA5}" type="slidenum">
               <a:rPr lang="en-US" smtClean="0"/>
-              <a:t>3</a:t>
+              <a:t>4</a:t>
             </a:fld>
             <a:endParaRPr lang="en-US"/>
           </a:p>
@@ -36442,10 +36566,17 @@
   <p:clrMapOvr>
     <a:masterClrMapping/>
   </p:clrMapOvr>
+  <p:timing>
+    <p:tnLst>
+      <p:par>
+        <p:cTn id="1" dur="indefinite" restart="never" nodeType="tmRoot"/>
+      </p:par>
+    </p:tnLst>
+  </p:timing>
 </p:sld>
 </file>
 
-<file path=ppt/slides/slide4.xml><?xml version="1.0" encoding="utf-8"?>
+<file path=ppt/slides/slide5.xml><?xml version="1.0" encoding="utf-8"?>
 <p:sld xmlns:a="http://schemas.openxmlformats.org/drawingml/2006/main" xmlns:r="http://schemas.openxmlformats.org/officeDocument/2006/relationships" xmlns:p="http://schemas.openxmlformats.org/presentationml/2006/main">
   <p:cSld>
     <p:spTree>
@@ -36514,10 +36645,17 @@
   <p:clrMapOvr>
     <a:masterClrMapping/>
   </p:clrMapOvr>
+  <p:timing>
+    <p:tnLst>
+      <p:par>
+        <p:cTn id="1" dur="indefinite" restart="never" nodeType="tmRoot"/>
+      </p:par>
+    </p:tnLst>
+  </p:timing>
 </p:sld>
 </file>
 
-<file path=ppt/slides/slide5.xml><?xml version="1.0" encoding="utf-8"?>
+<file path=ppt/slides/slide6.xml><?xml version="1.0" encoding="utf-8"?>
 <p:sld xmlns:a="http://schemas.openxmlformats.org/drawingml/2006/main" xmlns:r="http://schemas.openxmlformats.org/officeDocument/2006/relationships" xmlns:p="http://schemas.openxmlformats.org/presentationml/2006/main">
   <p:cSld>
     <p:spTree>
@@ -36655,10 +36793,17 @@
   <p:clrMapOvr>
     <a:masterClrMapping/>
   </p:clrMapOvr>
+  <p:timing>
+    <p:tnLst>
+      <p:par>
+        <p:cTn id="1" dur="indefinite" restart="never" nodeType="tmRoot"/>
+      </p:par>
+    </p:tnLst>
+  </p:timing>
 </p:sld>
 </file>
 
-<file path=ppt/slides/slide6.xml><?xml version="1.0" encoding="utf-8"?>
+<file path=ppt/slides/slide7.xml><?xml version="1.0" encoding="utf-8"?>
 <p:sld xmlns:a="http://schemas.openxmlformats.org/drawingml/2006/main" xmlns:r="http://schemas.openxmlformats.org/officeDocument/2006/relationships" xmlns:p="http://schemas.openxmlformats.org/presentationml/2006/main">
   <p:cSld>
     <p:spTree>
@@ -36767,7 +36912,7 @@
           <a:p>
             <a:fld id="{6EA6D8CF-3CDE-4807-BCD2-C9F2B831AAA5}" type="slidenum">
               <a:rPr lang="en-US" smtClean="0"/>
-              <a:t>6</a:t>
+              <a:t>7</a:t>
             </a:fld>
             <a:endParaRPr lang="en-US"/>
           </a:p>
@@ -36783,10 +36928,17 @@
   <p:clrMapOvr>
     <a:masterClrMapping/>
   </p:clrMapOvr>
+  <p:timing>
+    <p:tnLst>
+      <p:par>
+        <p:cTn id="1" dur="indefinite" restart="never" nodeType="tmRoot"/>
+      </p:par>
+    </p:tnLst>
+  </p:timing>
 </p:sld>
 </file>
 
-<file path=ppt/slides/slide7.xml><?xml version="1.0" encoding="utf-8"?>
+<file path=ppt/slides/slide8.xml><?xml version="1.0" encoding="utf-8"?>
 <p:sld xmlns:a="http://schemas.openxmlformats.org/drawingml/2006/main" xmlns:r="http://schemas.openxmlformats.org/officeDocument/2006/relationships" xmlns:p="http://schemas.openxmlformats.org/presentationml/2006/main">
   <p:cSld>
     <p:spTree>
@@ -36936,6 +37088,139 @@
     <p:extLst>
       <p:ext uri="{BB962C8B-B14F-4D97-AF65-F5344CB8AC3E}">
         <p14:creationId xmlns:p14="http://schemas.microsoft.com/office/powerpoint/2010/main" val="1735899552"/>
+      </p:ext>
+    </p:extLst>
+  </p:cSld>
+  <p:clrMapOvr>
+    <a:masterClrMapping/>
+  </p:clrMapOvr>
+  <p:timing>
+    <p:tnLst>
+      <p:par>
+        <p:cTn id="1" dur="indefinite" restart="never" nodeType="tmRoot"/>
+      </p:par>
+    </p:tnLst>
+  </p:timing>
+</p:sld>
+</file>
+
+<file path=ppt/slides/slide9.xml><?xml version="1.0" encoding="utf-8"?>
+<p:sld xmlns:a="http://schemas.openxmlformats.org/drawingml/2006/main" xmlns:r="http://schemas.openxmlformats.org/officeDocument/2006/relationships" xmlns:p="http://schemas.openxmlformats.org/presentationml/2006/main">
+  <p:cSld>
+    <p:spTree>
+      <p:nvGrpSpPr>
+        <p:cNvPr id="1" name=""/>
+        <p:cNvGrpSpPr/>
+        <p:nvPr/>
+      </p:nvGrpSpPr>
+      <p:grpSpPr>
+        <a:xfrm>
+          <a:off x="0" y="0"/>
+          <a:ext cx="0" cy="0"/>
+          <a:chOff x="0" y="0"/>
+          <a:chExt cx="0" cy="0"/>
+        </a:xfrm>
+      </p:grpSpPr>
+      <p:sp>
+        <p:nvSpPr>
+          <p:cNvPr id="2" name="Title 1"/>
+          <p:cNvSpPr>
+            <a:spLocks noGrp="1"/>
+          </p:cNvSpPr>
+          <p:nvPr>
+            <p:ph type="title"/>
+          </p:nvPr>
+        </p:nvSpPr>
+        <p:spPr/>
+        <p:txBody>
+          <a:bodyPr/>
+          <a:lstStyle/>
+          <a:p>
+            <a:r>
+              <a:rPr lang="en-US" dirty="0" smtClean="0"/>
+              <a:t>Playback</a:t>
+            </a:r>
+            <a:endParaRPr lang="en-US" dirty="0"/>
+          </a:p>
+        </p:txBody>
+      </p:sp>
+      <p:sp>
+        <p:nvSpPr>
+          <p:cNvPr id="3" name="Content Placeholder 2"/>
+          <p:cNvSpPr>
+            <a:spLocks noGrp="1"/>
+          </p:cNvSpPr>
+          <p:nvPr>
+            <p:ph idx="1"/>
+          </p:nvPr>
+        </p:nvSpPr>
+        <p:spPr/>
+        <p:txBody>
+          <a:bodyPr/>
+          <a:lstStyle/>
+          <a:p>
+            <a:r>
+              <a:rPr lang="en-US" dirty="0" smtClean="0"/>
+              <a:t>What have </a:t>
+            </a:r>
+            <a:r>
+              <a:rPr lang="en-US" smtClean="0"/>
+              <a:t>you built!? </a:t>
+            </a:r>
+            <a:endParaRPr lang="en-US" dirty="0"/>
+          </a:p>
+        </p:txBody>
+      </p:sp>
+      <p:sp>
+        <p:nvSpPr>
+          <p:cNvPr id="4" name="Footer Placeholder 3"/>
+          <p:cNvSpPr>
+            <a:spLocks noGrp="1"/>
+          </p:cNvSpPr>
+          <p:nvPr>
+            <p:ph type="ftr" sz="quarter" idx="11"/>
+          </p:nvPr>
+        </p:nvSpPr>
+        <p:spPr/>
+        <p:txBody>
+          <a:bodyPr/>
+          <a:lstStyle/>
+          <a:p>
+            <a:r>
+              <a:rPr lang="en-US" smtClean="0"/>
+              <a:t>CONFIDENTIAL</a:t>
+            </a:r>
+            <a:endParaRPr lang="en-US"/>
+          </a:p>
+        </p:txBody>
+      </p:sp>
+      <p:sp>
+        <p:nvSpPr>
+          <p:cNvPr id="5" name="Slide Number Placeholder 4"/>
+          <p:cNvSpPr>
+            <a:spLocks noGrp="1"/>
+          </p:cNvSpPr>
+          <p:nvPr>
+            <p:ph type="sldNum" sz="quarter" idx="12"/>
+          </p:nvPr>
+        </p:nvSpPr>
+        <p:spPr/>
+        <p:txBody>
+          <a:bodyPr/>
+          <a:lstStyle/>
+          <a:p>
+            <a:fld id="{6EA6D8CF-3CDE-4807-BCD2-C9F2B831AAA5}" type="slidenum">
+              <a:rPr lang="en-US" smtClean="0"/>
+              <a:t>9</a:t>
+            </a:fld>
+            <a:endParaRPr lang="en-US"/>
+          </a:p>
+        </p:txBody>
+      </p:sp>
+    </p:spTree>
+    <p:extLst>
+      <p:ext uri="{BB962C8B-B14F-4D97-AF65-F5344CB8AC3E}">
+        <p14:creationId xmlns:p14="http://schemas.microsoft.com/office/powerpoint/2010/main" val="197098388"/>
       </p:ext>
     </p:extLst>
   </p:cSld>

--- a/Instructions.pptx
+++ b/Instructions.pptx
@@ -5,26 +5,25 @@
     <p:sldMasterId id="2147483685" r:id="rId1"/>
   </p:sldMasterIdLst>
   <p:notesMasterIdLst>
-    <p:notesMasterId r:id="rId11"/>
+    <p:notesMasterId r:id="rId10"/>
   </p:notesMasterIdLst>
   <p:handoutMasterIdLst>
-    <p:handoutMasterId r:id="rId12"/>
+    <p:handoutMasterId r:id="rId11"/>
   </p:handoutMasterIdLst>
   <p:sldIdLst>
     <p:sldId id="256" r:id="rId2"/>
-    <p:sldId id="269" r:id="rId3"/>
-    <p:sldId id="267" r:id="rId4"/>
-    <p:sldId id="268" r:id="rId5"/>
-    <p:sldId id="257" r:id="rId6"/>
-    <p:sldId id="259" r:id="rId7"/>
-    <p:sldId id="265" r:id="rId8"/>
-    <p:sldId id="266" r:id="rId9"/>
-    <p:sldId id="270" r:id="rId10"/>
+    <p:sldId id="267" r:id="rId3"/>
+    <p:sldId id="268" r:id="rId4"/>
+    <p:sldId id="257" r:id="rId5"/>
+    <p:sldId id="259" r:id="rId6"/>
+    <p:sldId id="265" r:id="rId7"/>
+    <p:sldId id="266" r:id="rId8"/>
+    <p:sldId id="270" r:id="rId9"/>
   </p:sldIdLst>
   <p:sldSz cx="12188825" cy="6858000"/>
   <p:notesSz cx="6858000" cy="9144000"/>
   <p:custDataLst>
-    <p:tags r:id="rId13"/>
+    <p:tags r:id="rId12"/>
   </p:custDataLst>
   <p:defaultTextStyle>
     <a:defPPr>
@@ -256,7 +255,7 @@
           <a:p>
             <a:fld id="{FB004553-04C5-4BB3-AD4E-8B2EF3CDDAF9}" type="datetimeFigureOut">
               <a:rPr lang="en-US" smtClean="0"/>
-              <a:t>7/22/16</a:t>
+              <a:t>9/30/16</a:t>
             </a:fld>
             <a:endParaRPr lang="en-US"/>
           </a:p>
@@ -421,7 +420,7 @@
           <a:p>
             <a:fld id="{3CB6F0DB-E055-41D0-9102-627A646E4242}" type="datetimeFigureOut">
               <a:rPr lang="en-US" smtClean="0"/>
-              <a:t>7/22/16</a:t>
+              <a:t>9/30/16</a:t>
             </a:fld>
             <a:endParaRPr lang="en-US"/>
           </a:p>
@@ -1180,7 +1179,7 @@
             </a:ln>
             <a:extLst>
               <a:ext uri="{91240B29-F687-4f45-9708-019B960494DF}">
-                <a14:hiddenLine xmlns="" xmlns:a14="http://schemas.microsoft.com/office/drawing/2010/main" w="9525">
+                <a14:hiddenLine xmlns:a14="http://schemas.microsoft.com/office/drawing/2010/main" xmlns="" w="9525">
                   <a:solidFill>
                     <a:srgbClr val="000000"/>
                   </a:solidFill>
@@ -1352,7 +1351,7 @@
             </a:ln>
             <a:extLst>
               <a:ext uri="{91240B29-F687-4f45-9708-019B960494DF}">
-                <a14:hiddenLine xmlns="" xmlns:a14="http://schemas.microsoft.com/office/drawing/2010/main" w="9525">
+                <a14:hiddenLine xmlns:a14="http://schemas.microsoft.com/office/drawing/2010/main" xmlns="" w="9525">
                   <a:solidFill>
                     <a:srgbClr val="000000"/>
                   </a:solidFill>
@@ -1572,7 +1571,7 @@
             </a:ln>
             <a:extLst>
               <a:ext uri="{91240B29-F687-4f45-9708-019B960494DF}">
-                <a14:hiddenLine xmlns="" xmlns:a14="http://schemas.microsoft.com/office/drawing/2010/main" w="9525">
+                <a14:hiddenLine xmlns:a14="http://schemas.microsoft.com/office/drawing/2010/main" xmlns="" w="9525">
                   <a:solidFill>
                     <a:srgbClr val="000000"/>
                   </a:solidFill>
@@ -1883,7 +1882,7 @@
             </a:ln>
             <a:extLst>
               <a:ext uri="{91240B29-F687-4f45-9708-019B960494DF}">
-                <a14:hiddenLine xmlns="" xmlns:a14="http://schemas.microsoft.com/office/drawing/2010/main" w="9525">
+                <a14:hiddenLine xmlns:a14="http://schemas.microsoft.com/office/drawing/2010/main" xmlns="" w="9525">
                   <a:solidFill>
                     <a:srgbClr val="000000"/>
                   </a:solidFill>
@@ -2265,7 +2264,7 @@
             </a:ln>
             <a:extLst>
               <a:ext uri="{91240B29-F687-4f45-9708-019B960494DF}">
-                <a14:hiddenLine xmlns="" xmlns:a14="http://schemas.microsoft.com/office/drawing/2010/main" w="9525">
+                <a14:hiddenLine xmlns:a14="http://schemas.microsoft.com/office/drawing/2010/main" xmlns="" w="9525">
                   <a:solidFill>
                     <a:srgbClr val="000000"/>
                   </a:solidFill>
@@ -2456,7 +2455,7 @@
             </a:ln>
             <a:extLst>
               <a:ext uri="{91240B29-F687-4f45-9708-019B960494DF}">
-                <a14:hiddenLine xmlns="" xmlns:a14="http://schemas.microsoft.com/office/drawing/2010/main" w="9525">
+                <a14:hiddenLine xmlns:a14="http://schemas.microsoft.com/office/drawing/2010/main" xmlns="" w="9525">
                   <a:solidFill>
                     <a:srgbClr val="000000"/>
                   </a:solidFill>
@@ -2745,7 +2744,7 @@
             </a:ln>
             <a:extLst>
               <a:ext uri="{91240B29-F687-4f45-9708-019B960494DF}">
-                <a14:hiddenLine xmlns="" xmlns:a14="http://schemas.microsoft.com/office/drawing/2010/main" w="9525">
+                <a14:hiddenLine xmlns:a14="http://schemas.microsoft.com/office/drawing/2010/main" xmlns="" w="9525">
                   <a:solidFill>
                     <a:srgbClr val="000000"/>
                   </a:solidFill>
@@ -3449,7 +3448,7 @@
             </a:ln>
             <a:extLst>
               <a:ext uri="{91240B29-F687-4f45-9708-019B960494DF}">
-                <a14:hiddenLine xmlns="" xmlns:a14="http://schemas.microsoft.com/office/drawing/2010/main" w="9525">
+                <a14:hiddenLine xmlns:a14="http://schemas.microsoft.com/office/drawing/2010/main" xmlns="" w="9525">
                   <a:solidFill>
                     <a:srgbClr val="000000"/>
                   </a:solidFill>
@@ -3623,7 +3622,7 @@
             </a:ln>
             <a:extLst>
               <a:ext uri="{91240B29-F687-4f45-9708-019B960494DF}">
-                <a14:hiddenLine xmlns="" xmlns:a14="http://schemas.microsoft.com/office/drawing/2010/main" w="9525">
+                <a14:hiddenLine xmlns:a14="http://schemas.microsoft.com/office/drawing/2010/main" xmlns="" w="9525">
                   <a:solidFill>
                     <a:srgbClr val="000000"/>
                   </a:solidFill>
@@ -3845,7 +3844,7 @@
             </a:ln>
             <a:extLst>
               <a:ext uri="{91240B29-F687-4f45-9708-019B960494DF}">
-                <a14:hiddenLine xmlns="" xmlns:a14="http://schemas.microsoft.com/office/drawing/2010/main" w="9525">
+                <a14:hiddenLine xmlns:a14="http://schemas.microsoft.com/office/drawing/2010/main" xmlns="" w="9525">
                   <a:solidFill>
                     <a:srgbClr val="000000"/>
                   </a:solidFill>
@@ -4158,7 +4157,7 @@
             </a:ln>
             <a:extLst>
               <a:ext uri="{91240B29-F687-4f45-9708-019B960494DF}">
-                <a14:hiddenLine xmlns="" xmlns:a14="http://schemas.microsoft.com/office/drawing/2010/main" w="9525">
+                <a14:hiddenLine xmlns:a14="http://schemas.microsoft.com/office/drawing/2010/main" xmlns="" w="9525">
                   <a:solidFill>
                     <a:srgbClr val="000000"/>
                   </a:solidFill>
@@ -4542,7 +4541,7 @@
             </a:ln>
             <a:extLst>
               <a:ext uri="{91240B29-F687-4f45-9708-019B960494DF}">
-                <a14:hiddenLine xmlns="" xmlns:a14="http://schemas.microsoft.com/office/drawing/2010/main" w="9525">
+                <a14:hiddenLine xmlns:a14="http://schemas.microsoft.com/office/drawing/2010/main" xmlns="" w="9525">
                   <a:solidFill>
                     <a:srgbClr val="000000"/>
                   </a:solidFill>
@@ -4735,7 +4734,7 @@
             </a:ln>
             <a:extLst>
               <a:ext uri="{91240B29-F687-4f45-9708-019B960494DF}">
-                <a14:hiddenLine xmlns="" xmlns:a14="http://schemas.microsoft.com/office/drawing/2010/main" w="9525">
+                <a14:hiddenLine xmlns:a14="http://schemas.microsoft.com/office/drawing/2010/main" xmlns="" w="9525">
                   <a:solidFill>
                     <a:srgbClr val="000000"/>
                   </a:solidFill>
@@ -5026,7 +5025,7 @@
             </a:ln>
             <a:extLst>
               <a:ext uri="{91240B29-F687-4f45-9708-019B960494DF}">
-                <a14:hiddenLine xmlns="" xmlns:a14="http://schemas.microsoft.com/office/drawing/2010/main" w="9525">
+                <a14:hiddenLine xmlns:a14="http://schemas.microsoft.com/office/drawing/2010/main" xmlns="" w="9525">
                   <a:solidFill>
                     <a:srgbClr val="000000"/>
                   </a:solidFill>
@@ -8969,7 +8968,7 @@
             </a:ln>
             <a:extLst>
               <a:ext uri="{91240B29-F687-4f45-9708-019B960494DF}">
-                <a14:hiddenLine xmlns="" xmlns:a14="http://schemas.microsoft.com/office/drawing/2010/main" w="9525">
+                <a14:hiddenLine xmlns:a14="http://schemas.microsoft.com/office/drawing/2010/main" xmlns="" w="9525">
                   <a:solidFill>
                     <a:srgbClr val="000000"/>
                   </a:solidFill>
@@ -9141,7 +9140,7 @@
             </a:ln>
             <a:extLst>
               <a:ext uri="{91240B29-F687-4f45-9708-019B960494DF}">
-                <a14:hiddenLine xmlns="" xmlns:a14="http://schemas.microsoft.com/office/drawing/2010/main" w="9525">
+                <a14:hiddenLine xmlns:a14="http://schemas.microsoft.com/office/drawing/2010/main" xmlns="" w="9525">
                   <a:solidFill>
                     <a:srgbClr val="000000"/>
                   </a:solidFill>
@@ -9361,7 +9360,7 @@
             </a:ln>
             <a:extLst>
               <a:ext uri="{91240B29-F687-4f45-9708-019B960494DF}">
-                <a14:hiddenLine xmlns="" xmlns:a14="http://schemas.microsoft.com/office/drawing/2010/main" w="9525">
+                <a14:hiddenLine xmlns:a14="http://schemas.microsoft.com/office/drawing/2010/main" xmlns="" w="9525">
                   <a:solidFill>
                     <a:srgbClr val="000000"/>
                   </a:solidFill>
@@ -9672,7 +9671,7 @@
             </a:ln>
             <a:extLst>
               <a:ext uri="{91240B29-F687-4f45-9708-019B960494DF}">
-                <a14:hiddenLine xmlns="" xmlns:a14="http://schemas.microsoft.com/office/drawing/2010/main" w="9525">
+                <a14:hiddenLine xmlns:a14="http://schemas.microsoft.com/office/drawing/2010/main" xmlns="" w="9525">
                   <a:solidFill>
                     <a:srgbClr val="000000"/>
                   </a:solidFill>
@@ -10054,7 +10053,7 @@
             </a:ln>
             <a:extLst>
               <a:ext uri="{91240B29-F687-4f45-9708-019B960494DF}">
-                <a14:hiddenLine xmlns="" xmlns:a14="http://schemas.microsoft.com/office/drawing/2010/main" w="9525">
+                <a14:hiddenLine xmlns:a14="http://schemas.microsoft.com/office/drawing/2010/main" xmlns="" w="9525">
                   <a:solidFill>
                     <a:srgbClr val="000000"/>
                   </a:solidFill>
@@ -10245,7 +10244,7 @@
             </a:ln>
             <a:extLst>
               <a:ext uri="{91240B29-F687-4f45-9708-019B960494DF}">
-                <a14:hiddenLine xmlns="" xmlns:a14="http://schemas.microsoft.com/office/drawing/2010/main" w="9525">
+                <a14:hiddenLine xmlns:a14="http://schemas.microsoft.com/office/drawing/2010/main" xmlns="" w="9525">
                   <a:solidFill>
                     <a:srgbClr val="000000"/>
                   </a:solidFill>
@@ -10534,7 +10533,7 @@
             </a:ln>
             <a:extLst>
               <a:ext uri="{91240B29-F687-4f45-9708-019B960494DF}">
-                <a14:hiddenLine xmlns="" xmlns:a14="http://schemas.microsoft.com/office/drawing/2010/main" w="9525">
+                <a14:hiddenLine xmlns:a14="http://schemas.microsoft.com/office/drawing/2010/main" xmlns="" w="9525">
                   <a:solidFill>
                     <a:srgbClr val="000000"/>
                   </a:solidFill>
@@ -11154,7 +11153,7 @@
             </a:ln>
             <a:extLst>
               <a:ext uri="{91240B29-F687-4f45-9708-019B960494DF}">
-                <a14:hiddenLine xmlns="" xmlns:a14="http://schemas.microsoft.com/office/drawing/2010/main" w="9525">
+                <a14:hiddenLine xmlns:a14="http://schemas.microsoft.com/office/drawing/2010/main" xmlns="" w="9525">
                   <a:solidFill>
                     <a:srgbClr val="000000"/>
                   </a:solidFill>
@@ -11328,7 +11327,7 @@
             </a:ln>
             <a:extLst>
               <a:ext uri="{91240B29-F687-4f45-9708-019B960494DF}">
-                <a14:hiddenLine xmlns="" xmlns:a14="http://schemas.microsoft.com/office/drawing/2010/main" w="9525">
+                <a14:hiddenLine xmlns:a14="http://schemas.microsoft.com/office/drawing/2010/main" xmlns="" w="9525">
                   <a:solidFill>
                     <a:srgbClr val="000000"/>
                   </a:solidFill>
@@ -11550,7 +11549,7 @@
             </a:ln>
             <a:extLst>
               <a:ext uri="{91240B29-F687-4f45-9708-019B960494DF}">
-                <a14:hiddenLine xmlns="" xmlns:a14="http://schemas.microsoft.com/office/drawing/2010/main" w="9525">
+                <a14:hiddenLine xmlns:a14="http://schemas.microsoft.com/office/drawing/2010/main" xmlns="" w="9525">
                   <a:solidFill>
                     <a:srgbClr val="000000"/>
                   </a:solidFill>
@@ -11863,7 +11862,7 @@
             </a:ln>
             <a:extLst>
               <a:ext uri="{91240B29-F687-4f45-9708-019B960494DF}">
-                <a14:hiddenLine xmlns="" xmlns:a14="http://schemas.microsoft.com/office/drawing/2010/main" w="9525">
+                <a14:hiddenLine xmlns:a14="http://schemas.microsoft.com/office/drawing/2010/main" xmlns="" w="9525">
                   <a:solidFill>
                     <a:srgbClr val="000000"/>
                   </a:solidFill>
@@ -12247,7 +12246,7 @@
             </a:ln>
             <a:extLst>
               <a:ext uri="{91240B29-F687-4f45-9708-019B960494DF}">
-                <a14:hiddenLine xmlns="" xmlns:a14="http://schemas.microsoft.com/office/drawing/2010/main" w="9525">
+                <a14:hiddenLine xmlns:a14="http://schemas.microsoft.com/office/drawing/2010/main" xmlns="" w="9525">
                   <a:solidFill>
                     <a:srgbClr val="000000"/>
                   </a:solidFill>
@@ -12440,7 +12439,7 @@
             </a:ln>
             <a:extLst>
               <a:ext uri="{91240B29-F687-4f45-9708-019B960494DF}">
-                <a14:hiddenLine xmlns="" xmlns:a14="http://schemas.microsoft.com/office/drawing/2010/main" w="9525">
+                <a14:hiddenLine xmlns:a14="http://schemas.microsoft.com/office/drawing/2010/main" xmlns="" w="9525">
                   <a:solidFill>
                     <a:srgbClr val="000000"/>
                   </a:solidFill>
@@ -12731,7 +12730,7 @@
             </a:ln>
             <a:extLst>
               <a:ext uri="{91240B29-F687-4f45-9708-019B960494DF}">
-                <a14:hiddenLine xmlns="" xmlns:a14="http://schemas.microsoft.com/office/drawing/2010/main" w="9525">
+                <a14:hiddenLine xmlns:a14="http://schemas.microsoft.com/office/drawing/2010/main" xmlns="" w="9525">
                   <a:solidFill>
                     <a:srgbClr val="000000"/>
                   </a:solidFill>
@@ -13120,7 +13119,7 @@
             </a:ln>
             <a:extLst>
               <a:ext uri="{91240B29-F687-4f45-9708-019B960494DF}">
-                <a14:hiddenLine xmlns="" xmlns:a14="http://schemas.microsoft.com/office/drawing/2010/main" w="9525">
+                <a14:hiddenLine xmlns:a14="http://schemas.microsoft.com/office/drawing/2010/main" xmlns="" w="9525">
                   <a:solidFill>
                     <a:srgbClr val="000000"/>
                   </a:solidFill>
@@ -13292,7 +13291,7 @@
             </a:ln>
             <a:extLst>
               <a:ext uri="{91240B29-F687-4f45-9708-019B960494DF}">
-                <a14:hiddenLine xmlns="" xmlns:a14="http://schemas.microsoft.com/office/drawing/2010/main" w="9525">
+                <a14:hiddenLine xmlns:a14="http://schemas.microsoft.com/office/drawing/2010/main" xmlns="" w="9525">
                   <a:solidFill>
                     <a:srgbClr val="000000"/>
                   </a:solidFill>
@@ -13512,7 +13511,7 @@
             </a:ln>
             <a:extLst>
               <a:ext uri="{91240B29-F687-4f45-9708-019B960494DF}">
-                <a14:hiddenLine xmlns="" xmlns:a14="http://schemas.microsoft.com/office/drawing/2010/main" w="9525">
+                <a14:hiddenLine xmlns:a14="http://schemas.microsoft.com/office/drawing/2010/main" xmlns="" w="9525">
                   <a:solidFill>
                     <a:srgbClr val="000000"/>
                   </a:solidFill>
@@ -13823,7 +13822,7 @@
             </a:ln>
             <a:extLst>
               <a:ext uri="{91240B29-F687-4f45-9708-019B960494DF}">
-                <a14:hiddenLine xmlns="" xmlns:a14="http://schemas.microsoft.com/office/drawing/2010/main" w="9525">
+                <a14:hiddenLine xmlns:a14="http://schemas.microsoft.com/office/drawing/2010/main" xmlns="" w="9525">
                   <a:solidFill>
                     <a:srgbClr val="000000"/>
                   </a:solidFill>
@@ -14205,7 +14204,7 @@
             </a:ln>
             <a:extLst>
               <a:ext uri="{91240B29-F687-4f45-9708-019B960494DF}">
-                <a14:hiddenLine xmlns="" xmlns:a14="http://schemas.microsoft.com/office/drawing/2010/main" w="9525">
+                <a14:hiddenLine xmlns:a14="http://schemas.microsoft.com/office/drawing/2010/main" xmlns="" w="9525">
                   <a:solidFill>
                     <a:srgbClr val="000000"/>
                   </a:solidFill>
@@ -14396,7 +14395,7 @@
             </a:ln>
             <a:extLst>
               <a:ext uri="{91240B29-F687-4f45-9708-019B960494DF}">
-                <a14:hiddenLine xmlns="" xmlns:a14="http://schemas.microsoft.com/office/drawing/2010/main" w="9525">
+                <a14:hiddenLine xmlns:a14="http://schemas.microsoft.com/office/drawing/2010/main" xmlns="" w="9525">
                   <a:solidFill>
                     <a:srgbClr val="000000"/>
                   </a:solidFill>
@@ -14685,7 +14684,7 @@
             </a:ln>
             <a:extLst>
               <a:ext uri="{91240B29-F687-4f45-9708-019B960494DF}">
-                <a14:hiddenLine xmlns="" xmlns:a14="http://schemas.microsoft.com/office/drawing/2010/main" w="9525">
+                <a14:hiddenLine xmlns:a14="http://schemas.microsoft.com/office/drawing/2010/main" xmlns="" w="9525">
                   <a:solidFill>
                     <a:srgbClr val="000000"/>
                   </a:solidFill>
@@ -15374,7 +15373,7 @@
             </a:ln>
             <a:extLst>
               <a:ext uri="{91240B29-F687-4f45-9708-019B960494DF}">
-                <a14:hiddenLine xmlns="" xmlns:a14="http://schemas.microsoft.com/office/drawing/2010/main" w="9525">
+                <a14:hiddenLine xmlns:a14="http://schemas.microsoft.com/office/drawing/2010/main" xmlns="" w="9525">
                   <a:solidFill>
                     <a:srgbClr val="000000"/>
                   </a:solidFill>
@@ -15548,7 +15547,7 @@
             </a:ln>
             <a:extLst>
               <a:ext uri="{91240B29-F687-4f45-9708-019B960494DF}">
-                <a14:hiddenLine xmlns="" xmlns:a14="http://schemas.microsoft.com/office/drawing/2010/main" w="9525">
+                <a14:hiddenLine xmlns:a14="http://schemas.microsoft.com/office/drawing/2010/main" xmlns="" w="9525">
                   <a:solidFill>
                     <a:srgbClr val="000000"/>
                   </a:solidFill>
@@ -15770,7 +15769,7 @@
             </a:ln>
             <a:extLst>
               <a:ext uri="{91240B29-F687-4f45-9708-019B960494DF}">
-                <a14:hiddenLine xmlns="" xmlns:a14="http://schemas.microsoft.com/office/drawing/2010/main" w="9525">
+                <a14:hiddenLine xmlns:a14="http://schemas.microsoft.com/office/drawing/2010/main" xmlns="" w="9525">
                   <a:solidFill>
                     <a:srgbClr val="000000"/>
                   </a:solidFill>
@@ -16083,7 +16082,7 @@
             </a:ln>
             <a:extLst>
               <a:ext uri="{91240B29-F687-4f45-9708-019B960494DF}">
-                <a14:hiddenLine xmlns="" xmlns:a14="http://schemas.microsoft.com/office/drawing/2010/main" w="9525">
+                <a14:hiddenLine xmlns:a14="http://schemas.microsoft.com/office/drawing/2010/main" xmlns="" w="9525">
                   <a:solidFill>
                     <a:srgbClr val="000000"/>
                   </a:solidFill>
@@ -16467,7 +16466,7 @@
             </a:ln>
             <a:extLst>
               <a:ext uri="{91240B29-F687-4f45-9708-019B960494DF}">
-                <a14:hiddenLine xmlns="" xmlns:a14="http://schemas.microsoft.com/office/drawing/2010/main" w="9525">
+                <a14:hiddenLine xmlns:a14="http://schemas.microsoft.com/office/drawing/2010/main" xmlns="" w="9525">
                   <a:solidFill>
                     <a:srgbClr val="000000"/>
                   </a:solidFill>
@@ -16660,7 +16659,7 @@
             </a:ln>
             <a:extLst>
               <a:ext uri="{91240B29-F687-4f45-9708-019B960494DF}">
-                <a14:hiddenLine xmlns="" xmlns:a14="http://schemas.microsoft.com/office/drawing/2010/main" w="9525">
+                <a14:hiddenLine xmlns:a14="http://schemas.microsoft.com/office/drawing/2010/main" xmlns="" w="9525">
                   <a:solidFill>
                     <a:srgbClr val="000000"/>
                   </a:solidFill>
@@ -16951,7 +16950,7 @@
             </a:ln>
             <a:extLst>
               <a:ext uri="{91240B29-F687-4f45-9708-019B960494DF}">
-                <a14:hiddenLine xmlns="" xmlns:a14="http://schemas.microsoft.com/office/drawing/2010/main" w="9525">
+                <a14:hiddenLine xmlns:a14="http://schemas.microsoft.com/office/drawing/2010/main" xmlns="" w="9525">
                   <a:solidFill>
                     <a:srgbClr val="000000"/>
                   </a:solidFill>
@@ -17596,7 +17595,7 @@
             </a:ln>
             <a:extLst>
               <a:ext uri="{91240B29-F687-4f45-9708-019B960494DF}">
-                <a14:hiddenLine xmlns="" xmlns:a14="http://schemas.microsoft.com/office/drawing/2010/main" w="9525">
+                <a14:hiddenLine xmlns:a14="http://schemas.microsoft.com/office/drawing/2010/main" xmlns="" w="9525">
                   <a:solidFill>
                     <a:srgbClr val="000000"/>
                   </a:solidFill>
@@ -17768,7 +17767,7 @@
             </a:ln>
             <a:extLst>
               <a:ext uri="{91240B29-F687-4f45-9708-019B960494DF}">
-                <a14:hiddenLine xmlns="" xmlns:a14="http://schemas.microsoft.com/office/drawing/2010/main" w="9525">
+                <a14:hiddenLine xmlns:a14="http://schemas.microsoft.com/office/drawing/2010/main" xmlns="" w="9525">
                   <a:solidFill>
                     <a:srgbClr val="000000"/>
                   </a:solidFill>
@@ -17988,7 +17987,7 @@
             </a:ln>
             <a:extLst>
               <a:ext uri="{91240B29-F687-4f45-9708-019B960494DF}">
-                <a14:hiddenLine xmlns="" xmlns:a14="http://schemas.microsoft.com/office/drawing/2010/main" w="9525">
+                <a14:hiddenLine xmlns:a14="http://schemas.microsoft.com/office/drawing/2010/main" xmlns="" w="9525">
                   <a:solidFill>
                     <a:srgbClr val="000000"/>
                   </a:solidFill>
@@ -18299,7 +18298,7 @@
             </a:ln>
             <a:extLst>
               <a:ext uri="{91240B29-F687-4f45-9708-019B960494DF}">
-                <a14:hiddenLine xmlns="" xmlns:a14="http://schemas.microsoft.com/office/drawing/2010/main" w="9525">
+                <a14:hiddenLine xmlns:a14="http://schemas.microsoft.com/office/drawing/2010/main" xmlns="" w="9525">
                   <a:solidFill>
                     <a:srgbClr val="000000"/>
                   </a:solidFill>
@@ -18681,7 +18680,7 @@
             </a:ln>
             <a:extLst>
               <a:ext uri="{91240B29-F687-4f45-9708-019B960494DF}">
-                <a14:hiddenLine xmlns="" xmlns:a14="http://schemas.microsoft.com/office/drawing/2010/main" w="9525">
+                <a14:hiddenLine xmlns:a14="http://schemas.microsoft.com/office/drawing/2010/main" xmlns="" w="9525">
                   <a:solidFill>
                     <a:srgbClr val="000000"/>
                   </a:solidFill>
@@ -18872,7 +18871,7 @@
             </a:ln>
             <a:extLst>
               <a:ext uri="{91240B29-F687-4f45-9708-019B960494DF}">
-                <a14:hiddenLine xmlns="" xmlns:a14="http://schemas.microsoft.com/office/drawing/2010/main" w="9525">
+                <a14:hiddenLine xmlns:a14="http://schemas.microsoft.com/office/drawing/2010/main" xmlns="" w="9525">
                   <a:solidFill>
                     <a:srgbClr val="000000"/>
                   </a:solidFill>
@@ -19161,7 +19160,7 @@
             </a:ln>
             <a:extLst>
               <a:ext uri="{91240B29-F687-4f45-9708-019B960494DF}">
-                <a14:hiddenLine xmlns="" xmlns:a14="http://schemas.microsoft.com/office/drawing/2010/main" w="9525">
+                <a14:hiddenLine xmlns:a14="http://schemas.microsoft.com/office/drawing/2010/main" xmlns="" w="9525">
                   <a:solidFill>
                     <a:srgbClr val="000000"/>
                   </a:solidFill>
@@ -19809,7 +19808,7 @@
             </a:ln>
             <a:extLst>
               <a:ext uri="{91240B29-F687-4f45-9708-019B960494DF}">
-                <a14:hiddenLine xmlns="" xmlns:a14="http://schemas.microsoft.com/office/drawing/2010/main" w="9525">
+                <a14:hiddenLine xmlns:a14="http://schemas.microsoft.com/office/drawing/2010/main" xmlns="" w="9525">
                   <a:solidFill>
                     <a:srgbClr val="000000"/>
                   </a:solidFill>
@@ -19983,7 +19982,7 @@
             </a:ln>
             <a:extLst>
               <a:ext uri="{91240B29-F687-4f45-9708-019B960494DF}">
-                <a14:hiddenLine xmlns="" xmlns:a14="http://schemas.microsoft.com/office/drawing/2010/main" w="9525">
+                <a14:hiddenLine xmlns:a14="http://schemas.microsoft.com/office/drawing/2010/main" xmlns="" w="9525">
                   <a:solidFill>
                     <a:srgbClr val="000000"/>
                   </a:solidFill>
@@ -20205,7 +20204,7 @@
             </a:ln>
             <a:extLst>
               <a:ext uri="{91240B29-F687-4f45-9708-019B960494DF}">
-                <a14:hiddenLine xmlns="" xmlns:a14="http://schemas.microsoft.com/office/drawing/2010/main" w="9525">
+                <a14:hiddenLine xmlns:a14="http://schemas.microsoft.com/office/drawing/2010/main" xmlns="" w="9525">
                   <a:solidFill>
                     <a:srgbClr val="000000"/>
                   </a:solidFill>
@@ -20518,7 +20517,7 @@
             </a:ln>
             <a:extLst>
               <a:ext uri="{91240B29-F687-4f45-9708-019B960494DF}">
-                <a14:hiddenLine xmlns="" xmlns:a14="http://schemas.microsoft.com/office/drawing/2010/main" w="9525">
+                <a14:hiddenLine xmlns:a14="http://schemas.microsoft.com/office/drawing/2010/main" xmlns="" w="9525">
                   <a:solidFill>
                     <a:srgbClr val="000000"/>
                   </a:solidFill>
@@ -20902,7 +20901,7 @@
             </a:ln>
             <a:extLst>
               <a:ext uri="{91240B29-F687-4f45-9708-019B960494DF}">
-                <a14:hiddenLine xmlns="" xmlns:a14="http://schemas.microsoft.com/office/drawing/2010/main" w="9525">
+                <a14:hiddenLine xmlns:a14="http://schemas.microsoft.com/office/drawing/2010/main" xmlns="" w="9525">
                   <a:solidFill>
                     <a:srgbClr val="000000"/>
                   </a:solidFill>
@@ -21095,7 +21094,7 @@
             </a:ln>
             <a:extLst>
               <a:ext uri="{91240B29-F687-4f45-9708-019B960494DF}">
-                <a14:hiddenLine xmlns="" xmlns:a14="http://schemas.microsoft.com/office/drawing/2010/main" w="9525">
+                <a14:hiddenLine xmlns:a14="http://schemas.microsoft.com/office/drawing/2010/main" xmlns="" w="9525">
                   <a:solidFill>
                     <a:srgbClr val="000000"/>
                   </a:solidFill>
@@ -21386,7 +21385,7 @@
             </a:ln>
             <a:extLst>
               <a:ext uri="{91240B29-F687-4f45-9708-019B960494DF}">
-                <a14:hiddenLine xmlns="" xmlns:a14="http://schemas.microsoft.com/office/drawing/2010/main" w="9525">
+                <a14:hiddenLine xmlns:a14="http://schemas.microsoft.com/office/drawing/2010/main" xmlns="" w="9525">
                   <a:solidFill>
                     <a:srgbClr val="000000"/>
                   </a:solidFill>
@@ -22938,7 +22937,7 @@
             </a:ln>
             <a:extLst>
               <a:ext uri="{91240B29-F687-4f45-9708-019B960494DF}">
-                <a14:hiddenLine xmlns="" xmlns:a14="http://schemas.microsoft.com/office/drawing/2010/main" w="9525">
+                <a14:hiddenLine xmlns:a14="http://schemas.microsoft.com/office/drawing/2010/main" xmlns="" w="9525">
                   <a:solidFill>
                     <a:srgbClr val="000000"/>
                   </a:solidFill>
@@ -23112,7 +23111,7 @@
             </a:ln>
             <a:extLst>
               <a:ext uri="{91240B29-F687-4f45-9708-019B960494DF}">
-                <a14:hiddenLine xmlns="" xmlns:a14="http://schemas.microsoft.com/office/drawing/2010/main" w="9525">
+                <a14:hiddenLine xmlns:a14="http://schemas.microsoft.com/office/drawing/2010/main" xmlns="" w="9525">
                   <a:solidFill>
                     <a:srgbClr val="000000"/>
                   </a:solidFill>
@@ -23334,7 +23333,7 @@
             </a:ln>
             <a:extLst>
               <a:ext uri="{91240B29-F687-4f45-9708-019B960494DF}">
-                <a14:hiddenLine xmlns="" xmlns:a14="http://schemas.microsoft.com/office/drawing/2010/main" w="9525">
+                <a14:hiddenLine xmlns:a14="http://schemas.microsoft.com/office/drawing/2010/main" xmlns="" w="9525">
                   <a:solidFill>
                     <a:srgbClr val="000000"/>
                   </a:solidFill>
@@ -23647,7 +23646,7 @@
             </a:ln>
             <a:extLst>
               <a:ext uri="{91240B29-F687-4f45-9708-019B960494DF}">
-                <a14:hiddenLine xmlns="" xmlns:a14="http://schemas.microsoft.com/office/drawing/2010/main" w="9525">
+                <a14:hiddenLine xmlns:a14="http://schemas.microsoft.com/office/drawing/2010/main" xmlns="" w="9525">
                   <a:solidFill>
                     <a:srgbClr val="000000"/>
                   </a:solidFill>
@@ -24031,7 +24030,7 @@
             </a:ln>
             <a:extLst>
               <a:ext uri="{91240B29-F687-4f45-9708-019B960494DF}">
-                <a14:hiddenLine xmlns="" xmlns:a14="http://schemas.microsoft.com/office/drawing/2010/main" w="9525">
+                <a14:hiddenLine xmlns:a14="http://schemas.microsoft.com/office/drawing/2010/main" xmlns="" w="9525">
                   <a:solidFill>
                     <a:srgbClr val="000000"/>
                   </a:solidFill>
@@ -24224,7 +24223,7 @@
             </a:ln>
             <a:extLst>
               <a:ext uri="{91240B29-F687-4f45-9708-019B960494DF}">
-                <a14:hiddenLine xmlns="" xmlns:a14="http://schemas.microsoft.com/office/drawing/2010/main" w="9525">
+                <a14:hiddenLine xmlns:a14="http://schemas.microsoft.com/office/drawing/2010/main" xmlns="" w="9525">
                   <a:solidFill>
                     <a:srgbClr val="000000"/>
                   </a:solidFill>
@@ -24515,7 +24514,7 @@
             </a:ln>
             <a:extLst>
               <a:ext uri="{91240B29-F687-4f45-9708-019B960494DF}">
-                <a14:hiddenLine xmlns="" xmlns:a14="http://schemas.microsoft.com/office/drawing/2010/main" w="9525">
+                <a14:hiddenLine xmlns:a14="http://schemas.microsoft.com/office/drawing/2010/main" xmlns="" w="9525">
                   <a:solidFill>
                     <a:srgbClr val="000000"/>
                   </a:solidFill>
@@ -25012,7 +25011,7 @@
             </a:ln>
             <a:extLst>
               <a:ext uri="{91240B29-F687-4f45-9708-019B960494DF}">
-                <a14:hiddenLine xmlns="" xmlns:a14="http://schemas.microsoft.com/office/drawing/2010/main" w="9525">
+                <a14:hiddenLine xmlns:a14="http://schemas.microsoft.com/office/drawing/2010/main" xmlns="" w="9525">
                   <a:solidFill>
                     <a:srgbClr val="000000"/>
                   </a:solidFill>
@@ -25186,7 +25185,7 @@
             </a:ln>
             <a:extLst>
               <a:ext uri="{91240B29-F687-4f45-9708-019B960494DF}">
-                <a14:hiddenLine xmlns="" xmlns:a14="http://schemas.microsoft.com/office/drawing/2010/main" w="9525">
+                <a14:hiddenLine xmlns:a14="http://schemas.microsoft.com/office/drawing/2010/main" xmlns="" w="9525">
                   <a:solidFill>
                     <a:srgbClr val="000000"/>
                   </a:solidFill>
@@ -25408,7 +25407,7 @@
             </a:ln>
             <a:extLst>
               <a:ext uri="{91240B29-F687-4f45-9708-019B960494DF}">
-                <a14:hiddenLine xmlns="" xmlns:a14="http://schemas.microsoft.com/office/drawing/2010/main" w="9525">
+                <a14:hiddenLine xmlns:a14="http://schemas.microsoft.com/office/drawing/2010/main" xmlns="" w="9525">
                   <a:solidFill>
                     <a:srgbClr val="000000"/>
                   </a:solidFill>
@@ -25721,7 +25720,7 @@
             </a:ln>
             <a:extLst>
               <a:ext uri="{91240B29-F687-4f45-9708-019B960494DF}">
-                <a14:hiddenLine xmlns="" xmlns:a14="http://schemas.microsoft.com/office/drawing/2010/main" w="9525">
+                <a14:hiddenLine xmlns:a14="http://schemas.microsoft.com/office/drawing/2010/main" xmlns="" w="9525">
                   <a:solidFill>
                     <a:srgbClr val="000000"/>
                   </a:solidFill>
@@ -26105,7 +26104,7 @@
             </a:ln>
             <a:extLst>
               <a:ext uri="{91240B29-F687-4f45-9708-019B960494DF}">
-                <a14:hiddenLine xmlns="" xmlns:a14="http://schemas.microsoft.com/office/drawing/2010/main" w="9525">
+                <a14:hiddenLine xmlns:a14="http://schemas.microsoft.com/office/drawing/2010/main" xmlns="" w="9525">
                   <a:solidFill>
                     <a:srgbClr val="000000"/>
                   </a:solidFill>
@@ -26298,7 +26297,7 @@
             </a:ln>
             <a:extLst>
               <a:ext uri="{91240B29-F687-4f45-9708-019B960494DF}">
-                <a14:hiddenLine xmlns="" xmlns:a14="http://schemas.microsoft.com/office/drawing/2010/main" w="9525">
+                <a14:hiddenLine xmlns:a14="http://schemas.microsoft.com/office/drawing/2010/main" xmlns="" w="9525">
                   <a:solidFill>
                     <a:srgbClr val="000000"/>
                   </a:solidFill>
@@ -26589,7 +26588,7 @@
             </a:ln>
             <a:extLst>
               <a:ext uri="{91240B29-F687-4f45-9708-019B960494DF}">
-                <a14:hiddenLine xmlns="" xmlns:a14="http://schemas.microsoft.com/office/drawing/2010/main" w="9525">
+                <a14:hiddenLine xmlns:a14="http://schemas.microsoft.com/office/drawing/2010/main" xmlns="" w="9525">
                   <a:solidFill>
                     <a:srgbClr val="000000"/>
                   </a:solidFill>
@@ -27087,7 +27086,7 @@
             </a:ln>
             <a:extLst>
               <a:ext uri="{91240B29-F687-4f45-9708-019B960494DF}">
-                <a14:hiddenLine xmlns="" xmlns:a14="http://schemas.microsoft.com/office/drawing/2010/main" w="9525">
+                <a14:hiddenLine xmlns:a14="http://schemas.microsoft.com/office/drawing/2010/main" xmlns="" w="9525">
                   <a:solidFill>
                     <a:srgbClr val="000000"/>
                   </a:solidFill>
@@ -27259,7 +27258,7 @@
             </a:ln>
             <a:extLst>
               <a:ext uri="{91240B29-F687-4f45-9708-019B960494DF}">
-                <a14:hiddenLine xmlns="" xmlns:a14="http://schemas.microsoft.com/office/drawing/2010/main" w="9525">
+                <a14:hiddenLine xmlns:a14="http://schemas.microsoft.com/office/drawing/2010/main" xmlns="" w="9525">
                   <a:solidFill>
                     <a:srgbClr val="000000"/>
                   </a:solidFill>
@@ -27479,7 +27478,7 @@
             </a:ln>
             <a:extLst>
               <a:ext uri="{91240B29-F687-4f45-9708-019B960494DF}">
-                <a14:hiddenLine xmlns="" xmlns:a14="http://schemas.microsoft.com/office/drawing/2010/main" w="9525">
+                <a14:hiddenLine xmlns:a14="http://schemas.microsoft.com/office/drawing/2010/main" xmlns="" w="9525">
                   <a:solidFill>
                     <a:srgbClr val="000000"/>
                   </a:solidFill>
@@ -27790,7 +27789,7 @@
             </a:ln>
             <a:extLst>
               <a:ext uri="{91240B29-F687-4f45-9708-019B960494DF}">
-                <a14:hiddenLine xmlns="" xmlns:a14="http://schemas.microsoft.com/office/drawing/2010/main" w="9525">
+                <a14:hiddenLine xmlns:a14="http://schemas.microsoft.com/office/drawing/2010/main" xmlns="" w="9525">
                   <a:solidFill>
                     <a:srgbClr val="000000"/>
                   </a:solidFill>
@@ -28172,7 +28171,7 @@
             </a:ln>
             <a:extLst>
               <a:ext uri="{91240B29-F687-4f45-9708-019B960494DF}">
-                <a14:hiddenLine xmlns="" xmlns:a14="http://schemas.microsoft.com/office/drawing/2010/main" w="9525">
+                <a14:hiddenLine xmlns:a14="http://schemas.microsoft.com/office/drawing/2010/main" xmlns="" w="9525">
                   <a:solidFill>
                     <a:srgbClr val="000000"/>
                   </a:solidFill>
@@ -28363,7 +28362,7 @@
             </a:ln>
             <a:extLst>
               <a:ext uri="{91240B29-F687-4f45-9708-019B960494DF}">
-                <a14:hiddenLine xmlns="" xmlns:a14="http://schemas.microsoft.com/office/drawing/2010/main" w="9525">
+                <a14:hiddenLine xmlns:a14="http://schemas.microsoft.com/office/drawing/2010/main" xmlns="" w="9525">
                   <a:solidFill>
                     <a:srgbClr val="000000"/>
                   </a:solidFill>
@@ -28652,7 +28651,7 @@
             </a:ln>
             <a:extLst>
               <a:ext uri="{91240B29-F687-4f45-9708-019B960494DF}">
-                <a14:hiddenLine xmlns="" xmlns:a14="http://schemas.microsoft.com/office/drawing/2010/main" w="9525">
+                <a14:hiddenLine xmlns:a14="http://schemas.microsoft.com/office/drawing/2010/main" xmlns="" w="9525">
                   <a:solidFill>
                     <a:srgbClr val="000000"/>
                   </a:solidFill>
@@ -29570,7 +29569,7 @@
             </a:ln>
             <a:extLst>
               <a:ext uri="{91240B29-F687-4f45-9708-019B960494DF}">
-                <a14:hiddenLine xmlns="" xmlns:a14="http://schemas.microsoft.com/office/drawing/2010/main" w="9525">
+                <a14:hiddenLine xmlns:a14="http://schemas.microsoft.com/office/drawing/2010/main" xmlns="" w="9525">
                   <a:solidFill>
                     <a:srgbClr val="000000"/>
                   </a:solidFill>
@@ -29744,7 +29743,7 @@
             </a:ln>
             <a:extLst>
               <a:ext uri="{91240B29-F687-4f45-9708-019B960494DF}">
-                <a14:hiddenLine xmlns="" xmlns:a14="http://schemas.microsoft.com/office/drawing/2010/main" w="9525">
+                <a14:hiddenLine xmlns:a14="http://schemas.microsoft.com/office/drawing/2010/main" xmlns="" w="9525">
                   <a:solidFill>
                     <a:srgbClr val="000000"/>
                   </a:solidFill>
@@ -29966,7 +29965,7 @@
             </a:ln>
             <a:extLst>
               <a:ext uri="{91240B29-F687-4f45-9708-019B960494DF}">
-                <a14:hiddenLine xmlns="" xmlns:a14="http://schemas.microsoft.com/office/drawing/2010/main" w="9525">
+                <a14:hiddenLine xmlns:a14="http://schemas.microsoft.com/office/drawing/2010/main" xmlns="" w="9525">
                   <a:solidFill>
                     <a:srgbClr val="000000"/>
                   </a:solidFill>
@@ -30279,7 +30278,7 @@
             </a:ln>
             <a:extLst>
               <a:ext uri="{91240B29-F687-4f45-9708-019B960494DF}">
-                <a14:hiddenLine xmlns="" xmlns:a14="http://schemas.microsoft.com/office/drawing/2010/main" w="9525">
+                <a14:hiddenLine xmlns:a14="http://schemas.microsoft.com/office/drawing/2010/main" xmlns="" w="9525">
                   <a:solidFill>
                     <a:srgbClr val="000000"/>
                   </a:solidFill>
@@ -30663,7 +30662,7 @@
             </a:ln>
             <a:extLst>
               <a:ext uri="{91240B29-F687-4f45-9708-019B960494DF}">
-                <a14:hiddenLine xmlns="" xmlns:a14="http://schemas.microsoft.com/office/drawing/2010/main" w="9525">
+                <a14:hiddenLine xmlns:a14="http://schemas.microsoft.com/office/drawing/2010/main" xmlns="" w="9525">
                   <a:solidFill>
                     <a:srgbClr val="000000"/>
                   </a:solidFill>
@@ -30856,7 +30855,7 @@
             </a:ln>
             <a:extLst>
               <a:ext uri="{91240B29-F687-4f45-9708-019B960494DF}">
-                <a14:hiddenLine xmlns="" xmlns:a14="http://schemas.microsoft.com/office/drawing/2010/main" w="9525">
+                <a14:hiddenLine xmlns:a14="http://schemas.microsoft.com/office/drawing/2010/main" xmlns="" w="9525">
                   <a:solidFill>
                     <a:srgbClr val="000000"/>
                   </a:solidFill>
@@ -31147,7 +31146,7 @@
             </a:ln>
             <a:extLst>
               <a:ext uri="{91240B29-F687-4f45-9708-019B960494DF}">
-                <a14:hiddenLine xmlns="" xmlns:a14="http://schemas.microsoft.com/office/drawing/2010/main" w="9525">
+                <a14:hiddenLine xmlns:a14="http://schemas.microsoft.com/office/drawing/2010/main" xmlns="" w="9525">
                   <a:solidFill>
                     <a:srgbClr val="000000"/>
                   </a:solidFill>
@@ -31509,7 +31508,7 @@
             </a:ln>
             <a:extLst>
               <a:ext uri="{91240B29-F687-4f45-9708-019B960494DF}">
-                <a14:hiddenLine xmlns="" xmlns:a14="http://schemas.microsoft.com/office/drawing/2010/main" w="9525">
+                <a14:hiddenLine xmlns:a14="http://schemas.microsoft.com/office/drawing/2010/main" xmlns="" w="9525">
                   <a:solidFill>
                     <a:srgbClr val="000000"/>
                   </a:solidFill>
@@ -31681,7 +31680,7 @@
             </a:ln>
             <a:extLst>
               <a:ext uri="{91240B29-F687-4f45-9708-019B960494DF}">
-                <a14:hiddenLine xmlns="" xmlns:a14="http://schemas.microsoft.com/office/drawing/2010/main" w="9525">
+                <a14:hiddenLine xmlns:a14="http://schemas.microsoft.com/office/drawing/2010/main" xmlns="" w="9525">
                   <a:solidFill>
                     <a:srgbClr val="000000"/>
                   </a:solidFill>
@@ -31901,7 +31900,7 @@
             </a:ln>
             <a:extLst>
               <a:ext uri="{91240B29-F687-4f45-9708-019B960494DF}">
-                <a14:hiddenLine xmlns="" xmlns:a14="http://schemas.microsoft.com/office/drawing/2010/main" w="9525">
+                <a14:hiddenLine xmlns:a14="http://schemas.microsoft.com/office/drawing/2010/main" xmlns="" w="9525">
                   <a:solidFill>
                     <a:srgbClr val="000000"/>
                   </a:solidFill>
@@ -32212,7 +32211,7 @@
             </a:ln>
             <a:extLst>
               <a:ext uri="{91240B29-F687-4f45-9708-019B960494DF}">
-                <a14:hiddenLine xmlns="" xmlns:a14="http://schemas.microsoft.com/office/drawing/2010/main" w="9525">
+                <a14:hiddenLine xmlns:a14="http://schemas.microsoft.com/office/drawing/2010/main" xmlns="" w="9525">
                   <a:solidFill>
                     <a:srgbClr val="000000"/>
                   </a:solidFill>
@@ -32594,7 +32593,7 @@
             </a:ln>
             <a:extLst>
               <a:ext uri="{91240B29-F687-4f45-9708-019B960494DF}">
-                <a14:hiddenLine xmlns="" xmlns:a14="http://schemas.microsoft.com/office/drawing/2010/main" w="9525">
+                <a14:hiddenLine xmlns:a14="http://schemas.microsoft.com/office/drawing/2010/main" xmlns="" w="9525">
                   <a:solidFill>
                     <a:srgbClr val="000000"/>
                   </a:solidFill>
@@ -32785,7 +32784,7 @@
             </a:ln>
             <a:extLst>
               <a:ext uri="{91240B29-F687-4f45-9708-019B960494DF}">
-                <a14:hiddenLine xmlns="" xmlns:a14="http://schemas.microsoft.com/office/drawing/2010/main" w="9525">
+                <a14:hiddenLine xmlns:a14="http://schemas.microsoft.com/office/drawing/2010/main" xmlns="" w="9525">
                   <a:solidFill>
                     <a:srgbClr val="000000"/>
                   </a:solidFill>
@@ -33074,7 +33073,7 @@
             </a:ln>
             <a:extLst>
               <a:ext uri="{91240B29-F687-4f45-9708-019B960494DF}">
-                <a14:hiddenLine xmlns="" xmlns:a14="http://schemas.microsoft.com/office/drawing/2010/main" w="9525">
+                <a14:hiddenLine xmlns:a14="http://schemas.microsoft.com/office/drawing/2010/main" xmlns="" w="9525">
                   <a:solidFill>
                     <a:srgbClr val="000000"/>
                   </a:solidFill>
@@ -33716,7 +33715,7 @@
             </a:ln>
             <a:extLst>
               <a:ext uri="{91240B29-F687-4f45-9708-019B960494DF}">
-                <a14:hiddenLine xmlns="" xmlns:a14="http://schemas.microsoft.com/office/drawing/2010/main" w="9525">
+                <a14:hiddenLine xmlns:a14="http://schemas.microsoft.com/office/drawing/2010/main" xmlns="" w="9525">
                   <a:solidFill>
                     <a:srgbClr val="000000"/>
                   </a:solidFill>
@@ -33890,7 +33889,7 @@
             </a:ln>
             <a:extLst>
               <a:ext uri="{91240B29-F687-4f45-9708-019B960494DF}">
-                <a14:hiddenLine xmlns="" xmlns:a14="http://schemas.microsoft.com/office/drawing/2010/main" w="9525">
+                <a14:hiddenLine xmlns:a14="http://schemas.microsoft.com/office/drawing/2010/main" xmlns="" w="9525">
                   <a:solidFill>
                     <a:srgbClr val="000000"/>
                   </a:solidFill>
@@ -34112,7 +34111,7 @@
             </a:ln>
             <a:extLst>
               <a:ext uri="{91240B29-F687-4f45-9708-019B960494DF}">
-                <a14:hiddenLine xmlns="" xmlns:a14="http://schemas.microsoft.com/office/drawing/2010/main" w="9525">
+                <a14:hiddenLine xmlns:a14="http://schemas.microsoft.com/office/drawing/2010/main" xmlns="" w="9525">
                   <a:solidFill>
                     <a:srgbClr val="000000"/>
                   </a:solidFill>
@@ -34425,7 +34424,7 @@
             </a:ln>
             <a:extLst>
               <a:ext uri="{91240B29-F687-4f45-9708-019B960494DF}">
-                <a14:hiddenLine xmlns="" xmlns:a14="http://schemas.microsoft.com/office/drawing/2010/main" w="9525">
+                <a14:hiddenLine xmlns:a14="http://schemas.microsoft.com/office/drawing/2010/main" xmlns="" w="9525">
                   <a:solidFill>
                     <a:srgbClr val="000000"/>
                   </a:solidFill>
@@ -34809,7 +34808,7 @@
             </a:ln>
             <a:extLst>
               <a:ext uri="{91240B29-F687-4f45-9708-019B960494DF}">
-                <a14:hiddenLine xmlns="" xmlns:a14="http://schemas.microsoft.com/office/drawing/2010/main" w="9525">
+                <a14:hiddenLine xmlns:a14="http://schemas.microsoft.com/office/drawing/2010/main" xmlns="" w="9525">
                   <a:solidFill>
                     <a:srgbClr val="000000"/>
                   </a:solidFill>
@@ -35002,7 +35001,7 @@
             </a:ln>
             <a:extLst>
               <a:ext uri="{91240B29-F687-4f45-9708-019B960494DF}">
-                <a14:hiddenLine xmlns="" xmlns:a14="http://schemas.microsoft.com/office/drawing/2010/main" w="9525">
+                <a14:hiddenLine xmlns:a14="http://schemas.microsoft.com/office/drawing/2010/main" xmlns="" w="9525">
                   <a:solidFill>
                     <a:srgbClr val="000000"/>
                   </a:solidFill>
@@ -35293,7 +35292,7 @@
             </a:ln>
             <a:extLst>
               <a:ext uri="{91240B29-F687-4f45-9708-019B960494DF}">
-                <a14:hiddenLine xmlns="" xmlns:a14="http://schemas.microsoft.com/office/drawing/2010/main" w="9525">
+                <a14:hiddenLine xmlns:a14="http://schemas.microsoft.com/office/drawing/2010/main" xmlns="" w="9525">
                   <a:solidFill>
                     <a:srgbClr val="000000"/>
                   </a:solidFill>
@@ -36061,115 +36060,6 @@
           <a:p>
             <a:r>
               <a:rPr lang="en-US" dirty="0" smtClean="0"/>
-              <a:t>Pilot</a:t>
-            </a:r>
-            <a:endParaRPr lang="en-US" dirty="0"/>
-          </a:p>
-        </p:txBody>
-      </p:sp>
-      <p:sp>
-        <p:nvSpPr>
-          <p:cNvPr id="7" name="Content Placeholder 6"/>
-          <p:cNvSpPr>
-            <a:spLocks noGrp="1"/>
-          </p:cNvSpPr>
-          <p:nvPr>
-            <p:ph idx="1"/>
-          </p:nvPr>
-        </p:nvSpPr>
-        <p:spPr/>
-        <p:txBody>
-          <a:bodyPr/>
-          <a:lstStyle/>
-          <a:p>
-            <a:r>
-              <a:rPr lang="en-US" sz="3600" dirty="0" smtClean="0"/>
-              <a:t>Are the timings correct?</a:t>
-            </a:r>
-          </a:p>
-          <a:p>
-            <a:r>
-              <a:rPr lang="en-US" sz="3600" dirty="0" smtClean="0"/>
-              <a:t>Is it too difficult / not difficult enough? </a:t>
-            </a:r>
-          </a:p>
-          <a:p>
-            <a:r>
-              <a:rPr lang="en-US" sz="3600" dirty="0" smtClean="0"/>
-              <a:t>How much help is required? </a:t>
-            </a:r>
-          </a:p>
-          <a:p>
-            <a:r>
-              <a:rPr lang="en-US" sz="3600" dirty="0" smtClean="0"/>
-              <a:t>Are the projects interesting enough? </a:t>
-            </a:r>
-          </a:p>
-          <a:p>
-            <a:r>
-              <a:rPr lang="en-US" sz="3600" dirty="0" smtClean="0"/>
-              <a:t>Is the range of difficulties suitable? </a:t>
-            </a:r>
-          </a:p>
-          <a:p>
-            <a:endParaRPr lang="en-US" sz="3600" dirty="0" smtClean="0"/>
-          </a:p>
-        </p:txBody>
-      </p:sp>
-    </p:spTree>
-    <p:extLst>
-      <p:ext uri="{BB962C8B-B14F-4D97-AF65-F5344CB8AC3E}">
-        <p14:creationId xmlns:p14="http://schemas.microsoft.com/office/powerpoint/2010/main" val="668924085"/>
-      </p:ext>
-    </p:extLst>
-  </p:cSld>
-  <p:clrMapOvr>
-    <a:masterClrMapping/>
-  </p:clrMapOvr>
-  <p:timing>
-    <p:tnLst>
-      <p:par>
-        <p:cTn id="1" dur="indefinite" restart="never" nodeType="tmRoot"/>
-      </p:par>
-    </p:tnLst>
-  </p:timing>
-</p:sld>
-</file>
-
-<file path=ppt/slides/slide3.xml><?xml version="1.0" encoding="utf-8"?>
-<p:sld xmlns:a="http://schemas.openxmlformats.org/drawingml/2006/main" xmlns:r="http://schemas.openxmlformats.org/officeDocument/2006/relationships" xmlns:p="http://schemas.openxmlformats.org/presentationml/2006/main">
-  <p:cSld>
-    <p:spTree>
-      <p:nvGrpSpPr>
-        <p:cNvPr id="1" name=""/>
-        <p:cNvGrpSpPr/>
-        <p:nvPr/>
-      </p:nvGrpSpPr>
-      <p:grpSpPr>
-        <a:xfrm>
-          <a:off x="0" y="0"/>
-          <a:ext cx="0" cy="0"/>
-          <a:chOff x="0" y="0"/>
-          <a:chExt cx="0" cy="0"/>
-        </a:xfrm>
-      </p:grpSpPr>
-      <p:sp>
-        <p:nvSpPr>
-          <p:cNvPr id="6" name="Title 5"/>
-          <p:cNvSpPr>
-            <a:spLocks noGrp="1"/>
-          </p:cNvSpPr>
-          <p:nvPr>
-            <p:ph type="title"/>
-          </p:nvPr>
-        </p:nvSpPr>
-        <p:spPr/>
-        <p:txBody>
-          <a:bodyPr/>
-          <a:lstStyle/>
-          <a:p>
-            <a:r>
-              <a:rPr lang="en-US" dirty="0" smtClean="0"/>
               <a:t>Programming 101</a:t>
             </a:r>
             <a:endParaRPr lang="en-US" dirty="0"/>
@@ -36271,7 +36161,7 @@
 </p:sld>
 </file>
 
-<file path=ppt/slides/slide4.xml><?xml version="1.0" encoding="utf-8"?>
+<file path=ppt/slides/slide3.xml><?xml version="1.0" encoding="utf-8"?>
 <p:sld xmlns:a="http://schemas.openxmlformats.org/drawingml/2006/main" xmlns:r="http://schemas.openxmlformats.org/officeDocument/2006/relationships" xmlns:p="http://schemas.openxmlformats.org/presentationml/2006/main">
   <p:cSld>
     <p:spTree>
@@ -36550,7 +36440,7 @@
           <a:p>
             <a:fld id="{6EA6D8CF-3CDE-4807-BCD2-C9F2B831AAA5}" type="slidenum">
               <a:rPr lang="en-US" smtClean="0"/>
-              <a:t>4</a:t>
+              <a:t>3</a:t>
             </a:fld>
             <a:endParaRPr lang="en-US"/>
           </a:p>
@@ -36576,7 +36466,7 @@
 </p:sld>
 </file>
 
-<file path=ppt/slides/slide5.xml><?xml version="1.0" encoding="utf-8"?>
+<file path=ppt/slides/slide4.xml><?xml version="1.0" encoding="utf-8"?>
 <p:sld xmlns:a="http://schemas.openxmlformats.org/drawingml/2006/main" xmlns:r="http://schemas.openxmlformats.org/officeDocument/2006/relationships" xmlns:p="http://schemas.openxmlformats.org/presentationml/2006/main">
   <p:cSld>
     <p:spTree>
@@ -36655,7 +36545,7 @@
 </p:sld>
 </file>
 
-<file path=ppt/slides/slide6.xml><?xml version="1.0" encoding="utf-8"?>
+<file path=ppt/slides/slide5.xml><?xml version="1.0" encoding="utf-8"?>
 <p:sld xmlns:a="http://schemas.openxmlformats.org/drawingml/2006/main" xmlns:r="http://schemas.openxmlformats.org/officeDocument/2006/relationships" xmlns:p="http://schemas.openxmlformats.org/presentationml/2006/main">
   <p:cSld>
     <p:spTree>
@@ -36803,7 +36693,7 @@
 </p:sld>
 </file>
 
-<file path=ppt/slides/slide7.xml><?xml version="1.0" encoding="utf-8"?>
+<file path=ppt/slides/slide6.xml><?xml version="1.0" encoding="utf-8"?>
 <p:sld xmlns:a="http://schemas.openxmlformats.org/drawingml/2006/main" xmlns:r="http://schemas.openxmlformats.org/officeDocument/2006/relationships" xmlns:p="http://schemas.openxmlformats.org/presentationml/2006/main">
   <p:cSld>
     <p:spTree>
@@ -36912,7 +36802,7 @@
           <a:p>
             <a:fld id="{6EA6D8CF-3CDE-4807-BCD2-C9F2B831AAA5}" type="slidenum">
               <a:rPr lang="en-US" smtClean="0"/>
-              <a:t>7</a:t>
+              <a:t>6</a:t>
             </a:fld>
             <a:endParaRPr lang="en-US"/>
           </a:p>
@@ -36938,7 +36828,7 @@
 </p:sld>
 </file>
 
-<file path=ppt/slides/slide8.xml><?xml version="1.0" encoding="utf-8"?>
+<file path=ppt/slides/slide7.xml><?xml version="1.0" encoding="utf-8"?>
 <p:sld xmlns:a="http://schemas.openxmlformats.org/drawingml/2006/main" xmlns:r="http://schemas.openxmlformats.org/officeDocument/2006/relationships" xmlns:p="http://schemas.openxmlformats.org/presentationml/2006/main">
   <p:cSld>
     <p:spTree>
@@ -37104,7 +36994,7 @@
 </p:sld>
 </file>
 
-<file path=ppt/slides/slide9.xml><?xml version="1.0" encoding="utf-8"?>
+<file path=ppt/slides/slide8.xml><?xml version="1.0" encoding="utf-8"?>
 <p:sld xmlns:a="http://schemas.openxmlformats.org/drawingml/2006/main" xmlns:r="http://schemas.openxmlformats.org/officeDocument/2006/relationships" xmlns:p="http://schemas.openxmlformats.org/presentationml/2006/main">
   <p:cSld>
     <p:spTree>
@@ -37211,7 +37101,7 @@
           <a:p>
             <a:fld id="{6EA6D8CF-3CDE-4807-BCD2-C9F2B831AAA5}" type="slidenum">
               <a:rPr lang="en-US" smtClean="0"/>
-              <a:t>9</a:t>
+              <a:t>8</a:t>
             </a:fld>
             <a:endParaRPr lang="en-US"/>
           </a:p>
